--- a/Poster/Poster_nieuw.pptx
+++ b/Poster/Poster_nieuw.pptx
@@ -6024,7 +6024,7 @@
               <a:defRPr/>
             </a:pPr>
             <a:r>
-              <a:rPr lang="nl-NL" sz="4800" b="1" dirty="0" err="1" smtClean="0">
+              <a:rPr lang="nl-NL" sz="4800" b="1" dirty="0" smtClean="0">
                 <a:solidFill>
                   <a:srgbClr val="000000"/>
                 </a:solidFill>
@@ -6032,38 +6032,8 @@
                 <a:ea typeface="Avenir Next" charset="0"/>
                 <a:cs typeface="Avenir Next" charset="0"/>
               </a:rPr>
-              <a:t>Literature</a:t>
-            </a:r>
-            <a:r>
-              <a:rPr lang="nl-NL" sz="4800" b="1" dirty="0" smtClean="0">
-                <a:solidFill>
-                  <a:srgbClr val="000000"/>
-                </a:solidFill>
-                <a:latin typeface="Avenir Next" charset="0"/>
-                <a:ea typeface="Avenir Next" charset="0"/>
-                <a:cs typeface="Avenir Next" charset="0"/>
-              </a:rPr>
-              <a:t> </a:t>
-            </a:r>
-            <a:r>
-              <a:rPr lang="nl-NL" sz="4800" b="1" dirty="0" err="1" smtClean="0">
-                <a:solidFill>
-                  <a:srgbClr val="000000"/>
-                </a:solidFill>
-                <a:latin typeface="Avenir Next" charset="0"/>
-                <a:ea typeface="Avenir Next" charset="0"/>
-                <a:cs typeface="Avenir Next" charset="0"/>
-              </a:rPr>
-              <a:t>cited</a:t>
-            </a:r>
-            <a:endParaRPr lang="nl-NL" sz="4800" b="1" dirty="0" smtClean="0">
-              <a:solidFill>
-                <a:srgbClr val="000000"/>
-              </a:solidFill>
-              <a:latin typeface="Avenir Next" charset="0"/>
-              <a:ea typeface="Avenir Next" charset="0"/>
-              <a:cs typeface="Avenir Next" charset="0"/>
-            </a:endParaRPr>
+              <a:t>Referenties</a:t>
+            </a:r>
           </a:p>
           <a:p>
             <a:pPr marL="439035" indent="-439035" algn="just" eaLnBrk="1" hangingPunct="1">
@@ -7436,7 +7406,7 @@
       </p:cxnSp>
       <p:pic>
         <p:nvPicPr>
-          <p:cNvPr id="3" name="Afbeelding 2"/>
+          <p:cNvPr id="12" name="Afbeelding 11"/>
           <p:cNvPicPr>
             <a:picLocks noChangeAspect="1"/>
           </p:cNvPicPr>
@@ -7456,7 +7426,7 @@
         </p:blipFill>
         <p:spPr>
           <a:xfrm>
-            <a:off x="18800988" y="25422110"/>
+            <a:off x="16496572" y="22829586"/>
             <a:ext cx="5480596" cy="3600000"/>
           </a:xfrm>
           <a:prstGeom prst="rect">
@@ -7474,7 +7444,7 @@
         </p:nvCxnSpPr>
         <p:spPr>
           <a:xfrm flipV="1">
-            <a:off x="19115917" y="26406226"/>
+            <a:off x="17696838" y="24712245"/>
             <a:ext cx="360000" cy="1080000"/>
           </a:xfrm>
           <a:prstGeom prst="straightConnector1">
@@ -7512,7 +7482,7 @@
         </p:nvCxnSpPr>
         <p:spPr>
           <a:xfrm flipV="1">
-            <a:off x="19236870" y="27681010"/>
+            <a:off x="19077104" y="24823153"/>
             <a:ext cx="360000" cy="1080000"/>
           </a:xfrm>
           <a:prstGeom prst="straightConnector1">
@@ -7541,6 +7511,66 @@
           </a:fontRef>
         </p:style>
       </p:cxnSp>
+      <p:pic>
+        <p:nvPicPr>
+          <p:cNvPr id="14" name="Afbeelding 13"/>
+          <p:cNvPicPr>
+            <a:picLocks noChangeAspect="1"/>
+          </p:cNvPicPr>
+          <p:nvPr/>
+        </p:nvPicPr>
+        <p:blipFill>
+          <a:blip r:embed="rId6">
+            <a:extLst>
+              <a:ext uri="{28A0092B-C50C-407E-A947-70E740481C1C}">
+                <a14:useLocalDpi xmlns:a14="http://schemas.microsoft.com/office/drawing/2010/main" val="0"/>
+              </a:ext>
+            </a:extLst>
+          </a:blip>
+          <a:stretch>
+            <a:fillRect/>
+          </a:stretch>
+        </p:blipFill>
+        <p:spPr>
+          <a:xfrm>
+            <a:off x="22737048" y="20906954"/>
+            <a:ext cx="6905625" cy="3095625"/>
+          </a:xfrm>
+          <a:prstGeom prst="rect">
+            <a:avLst/>
+          </a:prstGeom>
+        </p:spPr>
+      </p:pic>
+      <p:pic>
+        <p:nvPicPr>
+          <p:cNvPr id="15" name="Afbeelding 14"/>
+          <p:cNvPicPr>
+            <a:picLocks noChangeAspect="1"/>
+          </p:cNvPicPr>
+          <p:nvPr/>
+        </p:nvPicPr>
+        <p:blipFill>
+          <a:blip r:embed="rId7">
+            <a:extLst>
+              <a:ext uri="{28A0092B-C50C-407E-A947-70E740481C1C}">
+                <a14:useLocalDpi xmlns:a14="http://schemas.microsoft.com/office/drawing/2010/main" val="0"/>
+              </a:ext>
+            </a:extLst>
+          </a:blip>
+          <a:stretch>
+            <a:fillRect/>
+          </a:stretch>
+        </p:blipFill>
+        <p:spPr>
+          <a:xfrm>
+            <a:off x="15831423" y="17811329"/>
+            <a:ext cx="6905625" cy="3095625"/>
+          </a:xfrm>
+          <a:prstGeom prst="rect">
+            <a:avLst/>
+          </a:prstGeom>
+        </p:spPr>
+      </p:pic>
     </p:spTree>
   </p:cSld>
   <p:clrMapOvr>

--- a/Poster/Poster_nieuw.pptx
+++ b/Poster/Poster_nieuw.pptx
@@ -204,6 +204,2424 @@
     </p:ext>
   </p:extLst>
 </p:presentation>
+</file>
+
+<file path=ppt/diagrams/colors1.xml><?xml version="1.0" encoding="utf-8"?>
+<dgm:colorsDef xmlns:dgm="http://schemas.openxmlformats.org/drawingml/2006/diagram" xmlns:a="http://schemas.openxmlformats.org/drawingml/2006/main" uniqueId="urn:microsoft.com/office/officeart/2005/8/colors/accent1_2">
+  <dgm:title val=""/>
+  <dgm:desc val=""/>
+  <dgm:catLst>
+    <dgm:cat type="accent1" pri="11200"/>
+  </dgm:catLst>
+  <dgm:styleLbl name="node0">
+    <dgm:fillClrLst meth="repeat">
+      <a:schemeClr val="accent1"/>
+    </dgm:fillClrLst>
+    <dgm:linClrLst meth="repeat">
+      <a:schemeClr val="lt1"/>
+    </dgm:linClrLst>
+    <dgm:effectClrLst/>
+    <dgm:txLinClrLst/>
+    <dgm:txFillClrLst/>
+    <dgm:txEffectClrLst/>
+  </dgm:styleLbl>
+  <dgm:styleLbl name="alignNode1">
+    <dgm:fillClrLst meth="repeat">
+      <a:schemeClr val="accent1"/>
+    </dgm:fillClrLst>
+    <dgm:linClrLst meth="repeat">
+      <a:schemeClr val="accent1"/>
+    </dgm:linClrLst>
+    <dgm:effectClrLst/>
+    <dgm:txLinClrLst/>
+    <dgm:txFillClrLst/>
+    <dgm:txEffectClrLst/>
+  </dgm:styleLbl>
+  <dgm:styleLbl name="node1">
+    <dgm:fillClrLst meth="repeat">
+      <a:schemeClr val="accent1"/>
+    </dgm:fillClrLst>
+    <dgm:linClrLst meth="repeat">
+      <a:schemeClr val="lt1"/>
+    </dgm:linClrLst>
+    <dgm:effectClrLst/>
+    <dgm:txLinClrLst/>
+    <dgm:txFillClrLst/>
+    <dgm:txEffectClrLst/>
+  </dgm:styleLbl>
+  <dgm:styleLbl name="lnNode1">
+    <dgm:fillClrLst meth="repeat">
+      <a:schemeClr val="accent1"/>
+    </dgm:fillClrLst>
+    <dgm:linClrLst meth="repeat">
+      <a:schemeClr val="lt1"/>
+    </dgm:linClrLst>
+    <dgm:effectClrLst/>
+    <dgm:txLinClrLst/>
+    <dgm:txFillClrLst/>
+    <dgm:txEffectClrLst/>
+  </dgm:styleLbl>
+  <dgm:styleLbl name="vennNode1">
+    <dgm:fillClrLst meth="repeat">
+      <a:schemeClr val="accent1">
+        <a:alpha val="50000"/>
+      </a:schemeClr>
+    </dgm:fillClrLst>
+    <dgm:linClrLst meth="repeat">
+      <a:schemeClr val="lt1"/>
+    </dgm:linClrLst>
+    <dgm:effectClrLst/>
+    <dgm:txLinClrLst/>
+    <dgm:txFillClrLst/>
+    <dgm:txEffectClrLst/>
+  </dgm:styleLbl>
+  <dgm:styleLbl name="node2">
+    <dgm:fillClrLst meth="repeat">
+      <a:schemeClr val="accent1"/>
+    </dgm:fillClrLst>
+    <dgm:linClrLst meth="repeat">
+      <a:schemeClr val="lt1"/>
+    </dgm:linClrLst>
+    <dgm:effectClrLst/>
+    <dgm:txLinClrLst/>
+    <dgm:txFillClrLst/>
+    <dgm:txEffectClrLst/>
+  </dgm:styleLbl>
+  <dgm:styleLbl name="node3">
+    <dgm:fillClrLst meth="repeat">
+      <a:schemeClr val="accent1"/>
+    </dgm:fillClrLst>
+    <dgm:linClrLst meth="repeat">
+      <a:schemeClr val="lt1"/>
+    </dgm:linClrLst>
+    <dgm:effectClrLst/>
+    <dgm:txLinClrLst/>
+    <dgm:txFillClrLst/>
+    <dgm:txEffectClrLst/>
+  </dgm:styleLbl>
+  <dgm:styleLbl name="node4">
+    <dgm:fillClrLst meth="repeat">
+      <a:schemeClr val="accent1"/>
+    </dgm:fillClrLst>
+    <dgm:linClrLst meth="repeat">
+      <a:schemeClr val="lt1"/>
+    </dgm:linClrLst>
+    <dgm:effectClrLst/>
+    <dgm:txLinClrLst/>
+    <dgm:txFillClrLst/>
+    <dgm:txEffectClrLst/>
+  </dgm:styleLbl>
+  <dgm:styleLbl name="fgImgPlace1">
+    <dgm:fillClrLst meth="repeat">
+      <a:schemeClr val="accent1">
+        <a:tint val="50000"/>
+      </a:schemeClr>
+    </dgm:fillClrLst>
+    <dgm:linClrLst meth="repeat">
+      <a:schemeClr val="lt1"/>
+    </dgm:linClrLst>
+    <dgm:effectClrLst/>
+    <dgm:txLinClrLst/>
+    <dgm:txFillClrLst meth="repeat">
+      <a:schemeClr val="lt1"/>
+    </dgm:txFillClrLst>
+    <dgm:txEffectClrLst/>
+  </dgm:styleLbl>
+  <dgm:styleLbl name="alignImgPlace1">
+    <dgm:fillClrLst meth="repeat">
+      <a:schemeClr val="accent1">
+        <a:tint val="50000"/>
+      </a:schemeClr>
+    </dgm:fillClrLst>
+    <dgm:linClrLst meth="repeat">
+      <a:schemeClr val="lt1"/>
+    </dgm:linClrLst>
+    <dgm:effectClrLst/>
+    <dgm:txLinClrLst/>
+    <dgm:txFillClrLst meth="repeat">
+      <a:schemeClr val="lt1"/>
+    </dgm:txFillClrLst>
+    <dgm:txEffectClrLst/>
+  </dgm:styleLbl>
+  <dgm:styleLbl name="bgImgPlace1">
+    <dgm:fillClrLst meth="repeat">
+      <a:schemeClr val="accent1">
+        <a:tint val="50000"/>
+      </a:schemeClr>
+    </dgm:fillClrLst>
+    <dgm:linClrLst meth="repeat">
+      <a:schemeClr val="lt1"/>
+    </dgm:linClrLst>
+    <dgm:effectClrLst/>
+    <dgm:txLinClrLst/>
+    <dgm:txFillClrLst meth="repeat">
+      <a:schemeClr val="lt1"/>
+    </dgm:txFillClrLst>
+    <dgm:txEffectClrLst/>
+  </dgm:styleLbl>
+  <dgm:styleLbl name="sibTrans2D1">
+    <dgm:fillClrLst meth="repeat">
+      <a:schemeClr val="accent1">
+        <a:tint val="60000"/>
+      </a:schemeClr>
+    </dgm:fillClrLst>
+    <dgm:linClrLst meth="repeat">
+      <a:schemeClr val="accent1">
+        <a:tint val="60000"/>
+      </a:schemeClr>
+    </dgm:linClrLst>
+    <dgm:effectClrLst/>
+    <dgm:txLinClrLst/>
+    <dgm:txFillClrLst/>
+    <dgm:txEffectClrLst/>
+  </dgm:styleLbl>
+  <dgm:styleLbl name="fgSibTrans2D1">
+    <dgm:fillClrLst meth="repeat">
+      <a:schemeClr val="accent1">
+        <a:tint val="60000"/>
+      </a:schemeClr>
+    </dgm:fillClrLst>
+    <dgm:linClrLst meth="repeat">
+      <a:schemeClr val="accent1">
+        <a:tint val="60000"/>
+      </a:schemeClr>
+    </dgm:linClrLst>
+    <dgm:effectClrLst/>
+    <dgm:txLinClrLst/>
+    <dgm:txFillClrLst/>
+    <dgm:txEffectClrLst/>
+  </dgm:styleLbl>
+  <dgm:styleLbl name="bgSibTrans2D1">
+    <dgm:fillClrLst meth="repeat">
+      <a:schemeClr val="accent1">
+        <a:tint val="60000"/>
+      </a:schemeClr>
+    </dgm:fillClrLst>
+    <dgm:linClrLst meth="repeat">
+      <a:schemeClr val="accent1">
+        <a:tint val="60000"/>
+      </a:schemeClr>
+    </dgm:linClrLst>
+    <dgm:effectClrLst/>
+    <dgm:txLinClrLst/>
+    <dgm:txFillClrLst/>
+    <dgm:txEffectClrLst/>
+  </dgm:styleLbl>
+  <dgm:styleLbl name="sibTrans1D1">
+    <dgm:fillClrLst meth="repeat">
+      <a:schemeClr val="accent1"/>
+    </dgm:fillClrLst>
+    <dgm:linClrLst meth="repeat">
+      <a:schemeClr val="accent1"/>
+    </dgm:linClrLst>
+    <dgm:effectClrLst/>
+    <dgm:txLinClrLst/>
+    <dgm:txFillClrLst meth="repeat">
+      <a:schemeClr val="tx1"/>
+    </dgm:txFillClrLst>
+    <dgm:txEffectClrLst/>
+  </dgm:styleLbl>
+  <dgm:styleLbl name="callout">
+    <dgm:fillClrLst meth="repeat">
+      <a:schemeClr val="accent1"/>
+    </dgm:fillClrLst>
+    <dgm:linClrLst meth="repeat">
+      <a:schemeClr val="accent1">
+        <a:tint val="50000"/>
+      </a:schemeClr>
+    </dgm:linClrLst>
+    <dgm:effectClrLst/>
+    <dgm:txLinClrLst/>
+    <dgm:txFillClrLst meth="repeat">
+      <a:schemeClr val="tx1"/>
+    </dgm:txFillClrLst>
+    <dgm:txEffectClrLst/>
+  </dgm:styleLbl>
+  <dgm:styleLbl name="asst0">
+    <dgm:fillClrLst meth="repeat">
+      <a:schemeClr val="accent1"/>
+    </dgm:fillClrLst>
+    <dgm:linClrLst meth="repeat">
+      <a:schemeClr val="lt1"/>
+    </dgm:linClrLst>
+    <dgm:effectClrLst/>
+    <dgm:txLinClrLst/>
+    <dgm:txFillClrLst/>
+    <dgm:txEffectClrLst/>
+  </dgm:styleLbl>
+  <dgm:styleLbl name="asst1">
+    <dgm:fillClrLst meth="repeat">
+      <a:schemeClr val="accent1"/>
+    </dgm:fillClrLst>
+    <dgm:linClrLst meth="repeat">
+      <a:schemeClr val="lt1"/>
+    </dgm:linClrLst>
+    <dgm:effectClrLst/>
+    <dgm:txLinClrLst/>
+    <dgm:txFillClrLst/>
+    <dgm:txEffectClrLst/>
+  </dgm:styleLbl>
+  <dgm:styleLbl name="asst2">
+    <dgm:fillClrLst meth="repeat">
+      <a:schemeClr val="accent1"/>
+    </dgm:fillClrLst>
+    <dgm:linClrLst meth="repeat">
+      <a:schemeClr val="lt1"/>
+    </dgm:linClrLst>
+    <dgm:effectClrLst/>
+    <dgm:txLinClrLst/>
+    <dgm:txFillClrLst/>
+    <dgm:txEffectClrLst/>
+  </dgm:styleLbl>
+  <dgm:styleLbl name="asst3">
+    <dgm:fillClrLst meth="repeat">
+      <a:schemeClr val="accent1"/>
+    </dgm:fillClrLst>
+    <dgm:linClrLst meth="repeat">
+      <a:schemeClr val="lt1"/>
+    </dgm:linClrLst>
+    <dgm:effectClrLst/>
+    <dgm:txLinClrLst/>
+    <dgm:txFillClrLst/>
+    <dgm:txEffectClrLst/>
+  </dgm:styleLbl>
+  <dgm:styleLbl name="asst4">
+    <dgm:fillClrLst meth="repeat">
+      <a:schemeClr val="accent1"/>
+    </dgm:fillClrLst>
+    <dgm:linClrLst meth="repeat">
+      <a:schemeClr val="lt1"/>
+    </dgm:linClrLst>
+    <dgm:effectClrLst/>
+    <dgm:txLinClrLst/>
+    <dgm:txFillClrLst/>
+    <dgm:txEffectClrLst/>
+  </dgm:styleLbl>
+  <dgm:styleLbl name="parChTrans2D1">
+    <dgm:fillClrLst meth="repeat">
+      <a:schemeClr val="accent1">
+        <a:tint val="60000"/>
+      </a:schemeClr>
+    </dgm:fillClrLst>
+    <dgm:linClrLst meth="repeat">
+      <a:schemeClr val="accent1">
+        <a:tint val="60000"/>
+      </a:schemeClr>
+    </dgm:linClrLst>
+    <dgm:effectClrLst/>
+    <dgm:txLinClrLst/>
+    <dgm:txFillClrLst meth="repeat">
+      <a:schemeClr val="lt1"/>
+    </dgm:txFillClrLst>
+    <dgm:txEffectClrLst/>
+  </dgm:styleLbl>
+  <dgm:styleLbl name="parChTrans2D2">
+    <dgm:fillClrLst meth="repeat">
+      <a:schemeClr val="accent1"/>
+    </dgm:fillClrLst>
+    <dgm:linClrLst meth="repeat">
+      <a:schemeClr val="accent1"/>
+    </dgm:linClrLst>
+    <dgm:effectClrLst/>
+    <dgm:txLinClrLst/>
+    <dgm:txFillClrLst meth="repeat">
+      <a:schemeClr val="lt1"/>
+    </dgm:txFillClrLst>
+    <dgm:txEffectClrLst/>
+  </dgm:styleLbl>
+  <dgm:styleLbl name="parChTrans2D3">
+    <dgm:fillClrLst meth="repeat">
+      <a:schemeClr val="accent1"/>
+    </dgm:fillClrLst>
+    <dgm:linClrLst meth="repeat">
+      <a:schemeClr val="accent1"/>
+    </dgm:linClrLst>
+    <dgm:effectClrLst/>
+    <dgm:txLinClrLst/>
+    <dgm:txFillClrLst meth="repeat">
+      <a:schemeClr val="lt1"/>
+    </dgm:txFillClrLst>
+    <dgm:txEffectClrLst/>
+  </dgm:styleLbl>
+  <dgm:styleLbl name="parChTrans2D4">
+    <dgm:fillClrLst meth="repeat">
+      <a:schemeClr val="accent1"/>
+    </dgm:fillClrLst>
+    <dgm:linClrLst meth="repeat">
+      <a:schemeClr val="accent1"/>
+    </dgm:linClrLst>
+    <dgm:effectClrLst/>
+    <dgm:txLinClrLst/>
+    <dgm:txFillClrLst meth="repeat">
+      <a:schemeClr val="lt1"/>
+    </dgm:txFillClrLst>
+    <dgm:txEffectClrLst/>
+  </dgm:styleLbl>
+  <dgm:styleLbl name="parChTrans1D1">
+    <dgm:fillClrLst meth="repeat">
+      <a:schemeClr val="accent1"/>
+    </dgm:fillClrLst>
+    <dgm:linClrLst meth="repeat">
+      <a:schemeClr val="accent1">
+        <a:shade val="60000"/>
+      </a:schemeClr>
+    </dgm:linClrLst>
+    <dgm:effectClrLst/>
+    <dgm:txLinClrLst/>
+    <dgm:txFillClrLst meth="repeat">
+      <a:schemeClr val="tx1"/>
+    </dgm:txFillClrLst>
+    <dgm:txEffectClrLst/>
+  </dgm:styleLbl>
+  <dgm:styleLbl name="parChTrans1D2">
+    <dgm:fillClrLst meth="repeat">
+      <a:schemeClr val="accent1"/>
+    </dgm:fillClrLst>
+    <dgm:linClrLst meth="repeat">
+      <a:schemeClr val="accent1">
+        <a:shade val="60000"/>
+      </a:schemeClr>
+    </dgm:linClrLst>
+    <dgm:effectClrLst/>
+    <dgm:txLinClrLst/>
+    <dgm:txFillClrLst meth="repeat">
+      <a:schemeClr val="tx1"/>
+    </dgm:txFillClrLst>
+    <dgm:txEffectClrLst/>
+  </dgm:styleLbl>
+  <dgm:styleLbl name="parChTrans1D3">
+    <dgm:fillClrLst meth="repeat">
+      <a:schemeClr val="accent1"/>
+    </dgm:fillClrLst>
+    <dgm:linClrLst meth="repeat">
+      <a:schemeClr val="accent1">
+        <a:shade val="80000"/>
+      </a:schemeClr>
+    </dgm:linClrLst>
+    <dgm:effectClrLst/>
+    <dgm:txLinClrLst/>
+    <dgm:txFillClrLst meth="repeat">
+      <a:schemeClr val="tx1"/>
+    </dgm:txFillClrLst>
+    <dgm:txEffectClrLst/>
+  </dgm:styleLbl>
+  <dgm:styleLbl name="parChTrans1D4">
+    <dgm:fillClrLst meth="repeat">
+      <a:schemeClr val="accent1"/>
+    </dgm:fillClrLst>
+    <dgm:linClrLst meth="repeat">
+      <a:schemeClr val="accent1">
+        <a:shade val="80000"/>
+      </a:schemeClr>
+    </dgm:linClrLst>
+    <dgm:effectClrLst/>
+    <dgm:txLinClrLst/>
+    <dgm:txFillClrLst meth="repeat">
+      <a:schemeClr val="tx1"/>
+    </dgm:txFillClrLst>
+    <dgm:txEffectClrLst/>
+  </dgm:styleLbl>
+  <dgm:styleLbl name="fgAcc1">
+    <dgm:fillClrLst meth="repeat">
+      <a:schemeClr val="lt1">
+        <a:alpha val="90000"/>
+      </a:schemeClr>
+    </dgm:fillClrLst>
+    <dgm:linClrLst meth="repeat">
+      <a:schemeClr val="accent1"/>
+    </dgm:linClrLst>
+    <dgm:effectClrLst/>
+    <dgm:txLinClrLst/>
+    <dgm:txFillClrLst meth="repeat">
+      <a:schemeClr val="dk1"/>
+    </dgm:txFillClrLst>
+    <dgm:txEffectClrLst/>
+  </dgm:styleLbl>
+  <dgm:styleLbl name="conFgAcc1">
+    <dgm:fillClrLst meth="repeat">
+      <a:schemeClr val="lt1">
+        <a:alpha val="90000"/>
+      </a:schemeClr>
+    </dgm:fillClrLst>
+    <dgm:linClrLst meth="repeat">
+      <a:schemeClr val="accent1"/>
+    </dgm:linClrLst>
+    <dgm:effectClrLst/>
+    <dgm:txLinClrLst/>
+    <dgm:txFillClrLst meth="repeat">
+      <a:schemeClr val="dk1"/>
+    </dgm:txFillClrLst>
+    <dgm:txEffectClrLst/>
+  </dgm:styleLbl>
+  <dgm:styleLbl name="alignAcc1">
+    <dgm:fillClrLst meth="repeat">
+      <a:schemeClr val="lt1">
+        <a:alpha val="90000"/>
+      </a:schemeClr>
+    </dgm:fillClrLst>
+    <dgm:linClrLst meth="repeat">
+      <a:schemeClr val="accent1"/>
+    </dgm:linClrLst>
+    <dgm:effectClrLst/>
+    <dgm:txLinClrLst/>
+    <dgm:txFillClrLst meth="repeat">
+      <a:schemeClr val="dk1"/>
+    </dgm:txFillClrLst>
+    <dgm:txEffectClrLst/>
+  </dgm:styleLbl>
+  <dgm:styleLbl name="trAlignAcc1">
+    <dgm:fillClrLst meth="repeat">
+      <a:schemeClr val="lt1">
+        <a:alpha val="40000"/>
+      </a:schemeClr>
+    </dgm:fillClrLst>
+    <dgm:linClrLst meth="repeat">
+      <a:schemeClr val="accent1"/>
+    </dgm:linClrLst>
+    <dgm:effectClrLst/>
+    <dgm:txLinClrLst/>
+    <dgm:txFillClrLst meth="repeat">
+      <a:schemeClr val="dk1"/>
+    </dgm:txFillClrLst>
+    <dgm:txEffectClrLst/>
+  </dgm:styleLbl>
+  <dgm:styleLbl name="bgAcc1">
+    <dgm:fillClrLst meth="repeat">
+      <a:schemeClr val="lt1">
+        <a:alpha val="90000"/>
+      </a:schemeClr>
+    </dgm:fillClrLst>
+    <dgm:linClrLst meth="repeat">
+      <a:schemeClr val="accent1"/>
+    </dgm:linClrLst>
+    <dgm:effectClrLst/>
+    <dgm:txLinClrLst/>
+    <dgm:txFillClrLst meth="repeat">
+      <a:schemeClr val="dk1"/>
+    </dgm:txFillClrLst>
+    <dgm:txEffectClrLst/>
+  </dgm:styleLbl>
+  <dgm:styleLbl name="solidFgAcc1">
+    <dgm:fillClrLst meth="repeat">
+      <a:schemeClr val="lt1"/>
+    </dgm:fillClrLst>
+    <dgm:linClrLst meth="repeat">
+      <a:schemeClr val="accent1"/>
+    </dgm:linClrLst>
+    <dgm:effectClrLst/>
+    <dgm:txLinClrLst/>
+    <dgm:txFillClrLst meth="repeat">
+      <a:schemeClr val="dk1"/>
+    </dgm:txFillClrLst>
+    <dgm:txEffectClrLst/>
+  </dgm:styleLbl>
+  <dgm:styleLbl name="solidAlignAcc1">
+    <dgm:fillClrLst meth="repeat">
+      <a:schemeClr val="lt1"/>
+    </dgm:fillClrLst>
+    <dgm:linClrLst meth="repeat">
+      <a:schemeClr val="accent1"/>
+    </dgm:linClrLst>
+    <dgm:effectClrLst/>
+    <dgm:txLinClrLst/>
+    <dgm:txFillClrLst meth="repeat">
+      <a:schemeClr val="dk1"/>
+    </dgm:txFillClrLst>
+    <dgm:txEffectClrLst/>
+  </dgm:styleLbl>
+  <dgm:styleLbl name="solidBgAcc1">
+    <dgm:fillClrLst meth="repeat">
+      <a:schemeClr val="lt1"/>
+    </dgm:fillClrLst>
+    <dgm:linClrLst meth="repeat">
+      <a:schemeClr val="accent1"/>
+    </dgm:linClrLst>
+    <dgm:effectClrLst/>
+    <dgm:txLinClrLst/>
+    <dgm:txFillClrLst meth="repeat">
+      <a:schemeClr val="dk1"/>
+    </dgm:txFillClrLst>
+    <dgm:txEffectClrLst/>
+  </dgm:styleLbl>
+  <dgm:styleLbl name="fgAccFollowNode1">
+    <dgm:fillClrLst meth="repeat">
+      <a:schemeClr val="accent1">
+        <a:alpha val="90000"/>
+        <a:tint val="40000"/>
+      </a:schemeClr>
+    </dgm:fillClrLst>
+    <dgm:linClrLst meth="repeat">
+      <a:schemeClr val="accent1">
+        <a:alpha val="90000"/>
+        <a:tint val="40000"/>
+      </a:schemeClr>
+    </dgm:linClrLst>
+    <dgm:effectClrLst/>
+    <dgm:txLinClrLst/>
+    <dgm:txFillClrLst meth="repeat">
+      <a:schemeClr val="dk1"/>
+    </dgm:txFillClrLst>
+    <dgm:txEffectClrLst/>
+  </dgm:styleLbl>
+  <dgm:styleLbl name="alignAccFollowNode1">
+    <dgm:fillClrLst meth="repeat">
+      <a:schemeClr val="accent1">
+        <a:alpha val="90000"/>
+        <a:tint val="40000"/>
+      </a:schemeClr>
+    </dgm:fillClrLst>
+    <dgm:linClrLst meth="repeat">
+      <a:schemeClr val="accent1">
+        <a:alpha val="90000"/>
+        <a:tint val="40000"/>
+      </a:schemeClr>
+    </dgm:linClrLst>
+    <dgm:effectClrLst/>
+    <dgm:txLinClrLst/>
+    <dgm:txFillClrLst meth="repeat">
+      <a:schemeClr val="dk1"/>
+    </dgm:txFillClrLst>
+    <dgm:txEffectClrLst/>
+  </dgm:styleLbl>
+  <dgm:styleLbl name="bgAccFollowNode1">
+    <dgm:fillClrLst meth="repeat">
+      <a:schemeClr val="accent1">
+        <a:alpha val="90000"/>
+        <a:tint val="40000"/>
+      </a:schemeClr>
+    </dgm:fillClrLst>
+    <dgm:linClrLst meth="repeat">
+      <a:schemeClr val="accent1">
+        <a:alpha val="90000"/>
+        <a:tint val="40000"/>
+      </a:schemeClr>
+    </dgm:linClrLst>
+    <dgm:effectClrLst/>
+    <dgm:txLinClrLst/>
+    <dgm:txFillClrLst meth="repeat">
+      <a:schemeClr val="dk1"/>
+    </dgm:txFillClrLst>
+    <dgm:txEffectClrLst/>
+  </dgm:styleLbl>
+  <dgm:styleLbl name="fgAcc0">
+    <dgm:fillClrLst meth="repeat">
+      <a:schemeClr val="lt1">
+        <a:alpha val="90000"/>
+      </a:schemeClr>
+    </dgm:fillClrLst>
+    <dgm:linClrLst meth="repeat">
+      <a:schemeClr val="accent1"/>
+    </dgm:linClrLst>
+    <dgm:effectClrLst/>
+    <dgm:txLinClrLst/>
+    <dgm:txFillClrLst meth="repeat">
+      <a:schemeClr val="dk1"/>
+    </dgm:txFillClrLst>
+    <dgm:txEffectClrLst/>
+  </dgm:styleLbl>
+  <dgm:styleLbl name="fgAcc2">
+    <dgm:fillClrLst meth="repeat">
+      <a:schemeClr val="lt1">
+        <a:alpha val="90000"/>
+      </a:schemeClr>
+    </dgm:fillClrLst>
+    <dgm:linClrLst meth="repeat">
+      <a:schemeClr val="accent1"/>
+    </dgm:linClrLst>
+    <dgm:effectClrLst/>
+    <dgm:txLinClrLst/>
+    <dgm:txFillClrLst meth="repeat">
+      <a:schemeClr val="dk1"/>
+    </dgm:txFillClrLst>
+    <dgm:txEffectClrLst/>
+  </dgm:styleLbl>
+  <dgm:styleLbl name="fgAcc3">
+    <dgm:fillClrLst meth="repeat">
+      <a:schemeClr val="lt1">
+        <a:alpha val="90000"/>
+      </a:schemeClr>
+    </dgm:fillClrLst>
+    <dgm:linClrLst meth="repeat">
+      <a:schemeClr val="accent1"/>
+    </dgm:linClrLst>
+    <dgm:effectClrLst/>
+    <dgm:txLinClrLst/>
+    <dgm:txFillClrLst meth="repeat">
+      <a:schemeClr val="dk1"/>
+    </dgm:txFillClrLst>
+    <dgm:txEffectClrLst/>
+  </dgm:styleLbl>
+  <dgm:styleLbl name="fgAcc4">
+    <dgm:fillClrLst meth="repeat">
+      <a:schemeClr val="lt1">
+        <a:alpha val="90000"/>
+      </a:schemeClr>
+    </dgm:fillClrLst>
+    <dgm:linClrLst meth="repeat">
+      <a:schemeClr val="accent1"/>
+    </dgm:linClrLst>
+    <dgm:effectClrLst/>
+    <dgm:txLinClrLst/>
+    <dgm:txFillClrLst meth="repeat">
+      <a:schemeClr val="dk1"/>
+    </dgm:txFillClrLst>
+    <dgm:txEffectClrLst/>
+  </dgm:styleLbl>
+  <dgm:styleLbl name="bgShp">
+    <dgm:fillClrLst meth="repeat">
+      <a:schemeClr val="accent1">
+        <a:tint val="40000"/>
+      </a:schemeClr>
+    </dgm:fillClrLst>
+    <dgm:linClrLst meth="repeat">
+      <a:schemeClr val="accent1"/>
+    </dgm:linClrLst>
+    <dgm:effectClrLst/>
+    <dgm:txLinClrLst/>
+    <dgm:txFillClrLst meth="repeat">
+      <a:schemeClr val="dk1"/>
+    </dgm:txFillClrLst>
+    <dgm:txEffectClrLst/>
+  </dgm:styleLbl>
+  <dgm:styleLbl name="dkBgShp">
+    <dgm:fillClrLst meth="repeat">
+      <a:schemeClr val="accent1">
+        <a:shade val="80000"/>
+      </a:schemeClr>
+    </dgm:fillClrLst>
+    <dgm:linClrLst meth="repeat">
+      <a:schemeClr val="accent1"/>
+    </dgm:linClrLst>
+    <dgm:effectClrLst/>
+    <dgm:txLinClrLst/>
+    <dgm:txFillClrLst meth="repeat">
+      <a:schemeClr val="lt1"/>
+    </dgm:txFillClrLst>
+    <dgm:txEffectClrLst/>
+  </dgm:styleLbl>
+  <dgm:styleLbl name="trBgShp">
+    <dgm:fillClrLst meth="repeat">
+      <a:schemeClr val="accent1">
+        <a:tint val="50000"/>
+        <a:alpha val="40000"/>
+      </a:schemeClr>
+    </dgm:fillClrLst>
+    <dgm:linClrLst meth="repeat">
+      <a:schemeClr val="accent1"/>
+    </dgm:linClrLst>
+    <dgm:effectClrLst/>
+    <dgm:txLinClrLst/>
+    <dgm:txFillClrLst meth="repeat">
+      <a:schemeClr val="lt1"/>
+    </dgm:txFillClrLst>
+    <dgm:txEffectClrLst/>
+  </dgm:styleLbl>
+  <dgm:styleLbl name="fgShp">
+    <dgm:fillClrLst meth="repeat">
+      <a:schemeClr val="accent1">
+        <a:tint val="60000"/>
+      </a:schemeClr>
+    </dgm:fillClrLst>
+    <dgm:linClrLst meth="repeat">
+      <a:schemeClr val="lt1"/>
+    </dgm:linClrLst>
+    <dgm:effectClrLst/>
+    <dgm:txLinClrLst/>
+    <dgm:txFillClrLst meth="repeat">
+      <a:schemeClr val="dk1"/>
+    </dgm:txFillClrLst>
+    <dgm:txEffectClrLst/>
+  </dgm:styleLbl>
+  <dgm:styleLbl name="revTx">
+    <dgm:fillClrLst meth="repeat">
+      <a:schemeClr val="lt1">
+        <a:alpha val="0"/>
+      </a:schemeClr>
+    </dgm:fillClrLst>
+    <dgm:linClrLst meth="repeat">
+      <a:schemeClr val="dk1">
+        <a:alpha val="0"/>
+      </a:schemeClr>
+    </dgm:linClrLst>
+    <dgm:effectClrLst/>
+    <dgm:txLinClrLst/>
+    <dgm:txFillClrLst meth="repeat">
+      <a:schemeClr val="tx1"/>
+    </dgm:txFillClrLst>
+    <dgm:txEffectClrLst/>
+  </dgm:styleLbl>
+</dgm:colorsDef>
+</file>
+
+<file path=ppt/diagrams/data1.xml><?xml version="1.0" encoding="utf-8"?>
+<dgm:dataModel xmlns:dgm="http://schemas.openxmlformats.org/drawingml/2006/diagram" xmlns:a="http://schemas.openxmlformats.org/drawingml/2006/main">
+  <dgm:ptLst>
+    <dgm:pt modelId="{F4187A54-95E0-374F-A8AE-582124F55431}" type="doc">
+      <dgm:prSet loTypeId="urn:microsoft.com/office/officeart/2005/8/layout/cycle1" loCatId="" qsTypeId="urn:microsoft.com/office/officeart/2005/8/quickstyle/simple4" qsCatId="simple" csTypeId="urn:microsoft.com/office/officeart/2005/8/colors/accent1_2" csCatId="accent1" phldr="1"/>
+      <dgm:spPr/>
+      <dgm:t>
+        <a:bodyPr/>
+        <a:lstStyle/>
+        <a:p>
+          <a:endParaRPr lang="nl-NL"/>
+        </a:p>
+      </dgm:t>
+    </dgm:pt>
+    <dgm:pt modelId="{4BA5B9B9-D4B3-1D4C-A08A-FC44E422CFDB}">
+      <dgm:prSet phldrT="[Tekst]"/>
+      <dgm:spPr/>
+      <dgm:t>
+        <a:bodyPr/>
+        <a:lstStyle/>
+        <a:p>
+          <a:r>
+            <a:rPr lang="nl-NL" dirty="0" smtClean="0"/>
+            <a:t>N</a:t>
+          </a:r>
+          <a:endParaRPr lang="nl-NL" dirty="0"/>
+        </a:p>
+      </dgm:t>
+    </dgm:pt>
+    <dgm:pt modelId="{0AC6053B-2816-7441-B8EF-74E567413217}" type="parTrans" cxnId="{F2F00010-8B0B-A943-AB70-2A048F9BABBA}">
+      <dgm:prSet/>
+      <dgm:spPr/>
+      <dgm:t>
+        <a:bodyPr/>
+        <a:lstStyle/>
+        <a:p>
+          <a:endParaRPr lang="nl-NL"/>
+        </a:p>
+      </dgm:t>
+    </dgm:pt>
+    <dgm:pt modelId="{242F5323-24B4-2D4E-915B-4803422B58EC}" type="sibTrans" cxnId="{F2F00010-8B0B-A943-AB70-2A048F9BABBA}">
+      <dgm:prSet/>
+      <dgm:spPr/>
+      <dgm:t>
+        <a:bodyPr/>
+        <a:lstStyle/>
+        <a:p>
+          <a:endParaRPr lang="nl-NL"/>
+        </a:p>
+      </dgm:t>
+    </dgm:pt>
+    <dgm:pt modelId="{A9A8773B-48A9-E441-8E3A-A30D2A514B65}">
+      <dgm:prSet phldrT="[Tekst]"/>
+      <dgm:spPr/>
+      <dgm:t>
+        <a:bodyPr/>
+        <a:lstStyle/>
+        <a:p>
+          <a:r>
+            <a:rPr lang="nl-NL" dirty="0" smtClean="0"/>
+            <a:t>R</a:t>
+          </a:r>
+          <a:endParaRPr lang="nl-NL" dirty="0"/>
+        </a:p>
+      </dgm:t>
+    </dgm:pt>
+    <dgm:pt modelId="{92B6FFF6-3B99-B942-9BEE-D58FCF0D2E34}" type="parTrans" cxnId="{46E67A6D-1BF9-9547-9B0A-944B87C45C2B}">
+      <dgm:prSet/>
+      <dgm:spPr/>
+      <dgm:t>
+        <a:bodyPr/>
+        <a:lstStyle/>
+        <a:p>
+          <a:endParaRPr lang="nl-NL"/>
+        </a:p>
+      </dgm:t>
+    </dgm:pt>
+    <dgm:pt modelId="{D970EA3B-F985-D74F-8758-0B05E31B786D}" type="sibTrans" cxnId="{46E67A6D-1BF9-9547-9B0A-944B87C45C2B}">
+      <dgm:prSet/>
+      <dgm:spPr>
+        <a:effectLst>
+          <a:outerShdw blurRad="40000" dir="5400000" rotWithShape="0">
+            <a:srgbClr val="000000">
+              <a:alpha val="35000"/>
+            </a:srgbClr>
+          </a:outerShdw>
+        </a:effectLst>
+      </dgm:spPr>
+      <dgm:t>
+        <a:bodyPr/>
+        <a:lstStyle/>
+        <a:p>
+          <a:endParaRPr lang="nl-NL"/>
+        </a:p>
+      </dgm:t>
+    </dgm:pt>
+    <dgm:pt modelId="{180F8959-E184-A345-8F18-A7908437FE87}" type="pres">
+      <dgm:prSet presAssocID="{F4187A54-95E0-374F-A8AE-582124F55431}" presName="cycle" presStyleCnt="0">
+        <dgm:presLayoutVars>
+          <dgm:dir/>
+          <dgm:resizeHandles val="exact"/>
+        </dgm:presLayoutVars>
+      </dgm:prSet>
+      <dgm:spPr/>
+    </dgm:pt>
+    <dgm:pt modelId="{E2C86FB7-0B88-6640-A606-59A0865E58CB}" type="pres">
+      <dgm:prSet presAssocID="{4BA5B9B9-D4B3-1D4C-A08A-FC44E422CFDB}" presName="dummy" presStyleCnt="0"/>
+      <dgm:spPr/>
+    </dgm:pt>
+    <dgm:pt modelId="{DB3E0501-CC1F-F345-A426-DE9532CD387E}" type="pres">
+      <dgm:prSet presAssocID="{4BA5B9B9-D4B3-1D4C-A08A-FC44E422CFDB}" presName="node" presStyleLbl="revTx" presStyleIdx="0" presStyleCnt="2" custScaleY="21187">
+        <dgm:presLayoutVars>
+          <dgm:bulletEnabled val="1"/>
+        </dgm:presLayoutVars>
+      </dgm:prSet>
+      <dgm:spPr/>
+    </dgm:pt>
+    <dgm:pt modelId="{98A474B5-D0EE-844D-BB78-CBBE9280E876}" type="pres">
+      <dgm:prSet presAssocID="{242F5323-24B4-2D4E-915B-4803422B58EC}" presName="sibTrans" presStyleLbl="node1" presStyleIdx="0" presStyleCnt="2"/>
+      <dgm:spPr/>
+    </dgm:pt>
+    <dgm:pt modelId="{4A670C85-2966-7F4D-9402-5AB3AB2F5E14}" type="pres">
+      <dgm:prSet presAssocID="{A9A8773B-48A9-E441-8E3A-A30D2A514B65}" presName="dummy" presStyleCnt="0"/>
+      <dgm:spPr/>
+    </dgm:pt>
+    <dgm:pt modelId="{162C1480-8610-0246-99C5-1C606DB83CEE}" type="pres">
+      <dgm:prSet presAssocID="{A9A8773B-48A9-E441-8E3A-A30D2A514B65}" presName="node" presStyleLbl="revTx" presStyleIdx="1" presStyleCnt="2" custScaleY="17193">
+        <dgm:presLayoutVars>
+          <dgm:bulletEnabled val="1"/>
+        </dgm:presLayoutVars>
+      </dgm:prSet>
+      <dgm:spPr/>
+    </dgm:pt>
+    <dgm:pt modelId="{82A1DAD5-D719-C24A-A140-7F7493E5FA5C}" type="pres">
+      <dgm:prSet presAssocID="{D970EA3B-F985-D74F-8758-0B05E31B786D}" presName="sibTrans" presStyleLbl="node1" presStyleIdx="1" presStyleCnt="2" custScaleY="99997"/>
+      <dgm:spPr/>
+    </dgm:pt>
+  </dgm:ptLst>
+  <dgm:cxnLst>
+    <dgm:cxn modelId="{E4D66E38-451F-194B-9716-382651C6C254}" type="presOf" srcId="{D970EA3B-F985-D74F-8758-0B05E31B786D}" destId="{82A1DAD5-D719-C24A-A140-7F7493E5FA5C}" srcOrd="0" destOrd="0" presId="urn:microsoft.com/office/officeart/2005/8/layout/cycle1"/>
+    <dgm:cxn modelId="{516B21BA-86F4-0C43-89E7-6EB9E263EAB9}" type="presOf" srcId="{4BA5B9B9-D4B3-1D4C-A08A-FC44E422CFDB}" destId="{DB3E0501-CC1F-F345-A426-DE9532CD387E}" srcOrd="0" destOrd="0" presId="urn:microsoft.com/office/officeart/2005/8/layout/cycle1"/>
+    <dgm:cxn modelId="{C5C3887C-4403-FE47-A54E-092C7D834B6A}" type="presOf" srcId="{A9A8773B-48A9-E441-8E3A-A30D2A514B65}" destId="{162C1480-8610-0246-99C5-1C606DB83CEE}" srcOrd="0" destOrd="0" presId="urn:microsoft.com/office/officeart/2005/8/layout/cycle1"/>
+    <dgm:cxn modelId="{F2F00010-8B0B-A943-AB70-2A048F9BABBA}" srcId="{F4187A54-95E0-374F-A8AE-582124F55431}" destId="{4BA5B9B9-D4B3-1D4C-A08A-FC44E422CFDB}" srcOrd="0" destOrd="0" parTransId="{0AC6053B-2816-7441-B8EF-74E567413217}" sibTransId="{242F5323-24B4-2D4E-915B-4803422B58EC}"/>
+    <dgm:cxn modelId="{46E67A6D-1BF9-9547-9B0A-944B87C45C2B}" srcId="{F4187A54-95E0-374F-A8AE-582124F55431}" destId="{A9A8773B-48A9-E441-8E3A-A30D2A514B65}" srcOrd="1" destOrd="0" parTransId="{92B6FFF6-3B99-B942-9BEE-D58FCF0D2E34}" sibTransId="{D970EA3B-F985-D74F-8758-0B05E31B786D}"/>
+    <dgm:cxn modelId="{87AF03F2-A74B-8A4E-947A-D325F9233D28}" type="presOf" srcId="{F4187A54-95E0-374F-A8AE-582124F55431}" destId="{180F8959-E184-A345-8F18-A7908437FE87}" srcOrd="0" destOrd="0" presId="urn:microsoft.com/office/officeart/2005/8/layout/cycle1"/>
+    <dgm:cxn modelId="{77F5FFA4-41F0-E446-8B4E-F7C3E9204062}" type="presOf" srcId="{242F5323-24B4-2D4E-915B-4803422B58EC}" destId="{98A474B5-D0EE-844D-BB78-CBBE9280E876}" srcOrd="0" destOrd="0" presId="urn:microsoft.com/office/officeart/2005/8/layout/cycle1"/>
+    <dgm:cxn modelId="{640436A8-AB16-1B4D-8B1B-A86557380086}" type="presParOf" srcId="{180F8959-E184-A345-8F18-A7908437FE87}" destId="{E2C86FB7-0B88-6640-A606-59A0865E58CB}" srcOrd="0" destOrd="0" presId="urn:microsoft.com/office/officeart/2005/8/layout/cycle1"/>
+    <dgm:cxn modelId="{5728AE86-375A-AD4B-B9B7-DD008B276538}" type="presParOf" srcId="{180F8959-E184-A345-8F18-A7908437FE87}" destId="{DB3E0501-CC1F-F345-A426-DE9532CD387E}" srcOrd="1" destOrd="0" presId="urn:microsoft.com/office/officeart/2005/8/layout/cycle1"/>
+    <dgm:cxn modelId="{9E1242EC-8664-9541-A928-3E8D9FED2FFB}" type="presParOf" srcId="{180F8959-E184-A345-8F18-A7908437FE87}" destId="{98A474B5-D0EE-844D-BB78-CBBE9280E876}" srcOrd="2" destOrd="0" presId="urn:microsoft.com/office/officeart/2005/8/layout/cycle1"/>
+    <dgm:cxn modelId="{5ED7DC4C-6DA3-3543-9A9D-630F01A7C649}" type="presParOf" srcId="{180F8959-E184-A345-8F18-A7908437FE87}" destId="{4A670C85-2966-7F4D-9402-5AB3AB2F5E14}" srcOrd="3" destOrd="0" presId="urn:microsoft.com/office/officeart/2005/8/layout/cycle1"/>
+    <dgm:cxn modelId="{CFCD92B6-BEDF-2140-8DE8-D30880453A67}" type="presParOf" srcId="{180F8959-E184-A345-8F18-A7908437FE87}" destId="{162C1480-8610-0246-99C5-1C606DB83CEE}" srcOrd="4" destOrd="0" presId="urn:microsoft.com/office/officeart/2005/8/layout/cycle1"/>
+    <dgm:cxn modelId="{EB7AB2E2-BB20-AF43-BEB9-A0FBFD4EF013}" type="presParOf" srcId="{180F8959-E184-A345-8F18-A7908437FE87}" destId="{82A1DAD5-D719-C24A-A140-7F7493E5FA5C}" srcOrd="5" destOrd="0" presId="urn:microsoft.com/office/officeart/2005/8/layout/cycle1"/>
+  </dgm:cxnLst>
+  <dgm:bg/>
+  <dgm:whole/>
+  <dgm:extLst>
+    <a:ext uri="http://schemas.microsoft.com/office/drawing/2008/diagram">
+      <dsp:dataModelExt xmlns:dsp="http://schemas.microsoft.com/office/drawing/2008/diagram" relId="rId12" minVer="http://schemas.openxmlformats.org/drawingml/2006/diagram"/>
+    </a:ext>
+  </dgm:extLst>
+</dgm:dataModel>
+</file>
+
+<file path=ppt/diagrams/drawing1.xml><?xml version="1.0" encoding="utf-8"?>
+<dsp:drawing xmlns:dgm="http://schemas.openxmlformats.org/drawingml/2006/diagram" xmlns:dsp="http://schemas.microsoft.com/office/drawing/2008/diagram" xmlns:a="http://schemas.openxmlformats.org/drawingml/2006/main">
+  <dsp:spTree>
+    <dsp:nvGrpSpPr>
+      <dsp:cNvPr id="0" name=""/>
+      <dsp:cNvGrpSpPr/>
+    </dsp:nvGrpSpPr>
+    <dsp:grpSpPr/>
+    <dsp:sp modelId="{DB3E0501-CC1F-F345-A426-DE9532CD387E}">
+      <dsp:nvSpPr>
+        <dsp:cNvPr id="0" name=""/>
+        <dsp:cNvSpPr/>
+      </dsp:nvSpPr>
+      <dsp:spPr>
+        <a:xfrm>
+          <a:off x="8474393" y="5985596"/>
+          <a:ext cx="5183326" cy="1098191"/>
+        </a:xfrm>
+        <a:prstGeom prst="rect">
+          <a:avLst/>
+        </a:prstGeom>
+        <a:noFill/>
+        <a:ln>
+          <a:noFill/>
+        </a:ln>
+        <a:effectLst/>
+      </dsp:spPr>
+      <dsp:style>
+        <a:lnRef idx="0">
+          <a:scrgbClr r="0" g="0" b="0"/>
+        </a:lnRef>
+        <a:fillRef idx="0">
+          <a:scrgbClr r="0" g="0" b="0"/>
+        </a:fillRef>
+        <a:effectRef idx="0">
+          <a:scrgbClr r="0" g="0" b="0"/>
+        </a:effectRef>
+        <a:fontRef idx="minor"/>
+      </dsp:style>
+      <dsp:txBody>
+        <a:bodyPr spcFirstLastPara="0" vert="horz" wrap="square" lIns="71120" tIns="71120" rIns="71120" bIns="71120" numCol="1" spcCol="1270" anchor="ctr" anchorCtr="0">
+          <a:noAutofit/>
+        </a:bodyPr>
+        <a:lstStyle/>
+        <a:p>
+          <a:pPr lvl="0" algn="ctr" defTabSz="2489200">
+            <a:lnSpc>
+              <a:spcPct val="90000"/>
+            </a:lnSpc>
+            <a:spcBef>
+              <a:spcPct val="0"/>
+            </a:spcBef>
+            <a:spcAft>
+              <a:spcPct val="35000"/>
+            </a:spcAft>
+          </a:pPr>
+          <a:r>
+            <a:rPr lang="nl-NL" sz="5600" kern="1200" dirty="0" smtClean="0"/>
+            <a:t>N</a:t>
+          </a:r>
+          <a:endParaRPr lang="nl-NL" sz="5600" kern="1200" dirty="0"/>
+        </a:p>
+      </dsp:txBody>
+      <dsp:txXfrm>
+        <a:off x="8474393" y="5985596"/>
+        <a:ext cx="5183326" cy="1098191"/>
+      </dsp:txXfrm>
+    </dsp:sp>
+    <dsp:sp modelId="{98A474B5-D0EE-844D-BB78-CBBE9280E876}">
+      <dsp:nvSpPr>
+        <dsp:cNvPr id="0" name=""/>
+        <dsp:cNvSpPr/>
+      </dsp:nvSpPr>
+      <dsp:spPr>
+        <a:xfrm>
+          <a:off x="1501065" y="1204707"/>
+          <a:ext cx="10659969" cy="10659969"/>
+        </a:xfrm>
+        <a:prstGeom prst="circularArrow">
+          <a:avLst>
+            <a:gd name="adj1" fmla="val 9482"/>
+            <a:gd name="adj2" fmla="val 684857"/>
+            <a:gd name="adj3" fmla="val 9752771"/>
+            <a:gd name="adj4" fmla="val 446984"/>
+            <a:gd name="adj5" fmla="val 11062"/>
+          </a:avLst>
+        </a:prstGeom>
+        <a:gradFill rotWithShape="0">
+          <a:gsLst>
+            <a:gs pos="0">
+              <a:schemeClr val="accent1">
+                <a:hueOff val="0"/>
+                <a:satOff val="0"/>
+                <a:lumOff val="0"/>
+                <a:alphaOff val="0"/>
+                <a:tint val="100000"/>
+                <a:shade val="100000"/>
+                <a:satMod val="130000"/>
+              </a:schemeClr>
+            </a:gs>
+            <a:gs pos="100000">
+              <a:schemeClr val="accent1">
+                <a:hueOff val="0"/>
+                <a:satOff val="0"/>
+                <a:lumOff val="0"/>
+                <a:alphaOff val="0"/>
+                <a:tint val="50000"/>
+                <a:shade val="100000"/>
+                <a:satMod val="350000"/>
+              </a:schemeClr>
+            </a:gs>
+          </a:gsLst>
+          <a:lin ang="16200000" scaled="0"/>
+        </a:gradFill>
+        <a:ln>
+          <a:noFill/>
+        </a:ln>
+        <a:effectLst>
+          <a:outerShdw blurRad="40000" dist="23000" dir="5400000" rotWithShape="0">
+            <a:srgbClr val="000000">
+              <a:alpha val="35000"/>
+            </a:srgbClr>
+          </a:outerShdw>
+        </a:effectLst>
+      </dsp:spPr>
+      <dsp:style>
+        <a:lnRef idx="0">
+          <a:scrgbClr r="0" g="0" b="0"/>
+        </a:lnRef>
+        <a:fillRef idx="3">
+          <a:scrgbClr r="0" g="0" b="0"/>
+        </a:fillRef>
+        <a:effectRef idx="2">
+          <a:scrgbClr r="0" g="0" b="0"/>
+        </a:effectRef>
+        <a:fontRef idx="minor">
+          <a:schemeClr val="lt1"/>
+        </a:fontRef>
+      </dsp:style>
+    </dsp:sp>
+    <dsp:sp modelId="{162C1480-8610-0246-99C5-1C606DB83CEE}">
+      <dsp:nvSpPr>
+        <dsp:cNvPr id="0" name=""/>
+        <dsp:cNvSpPr/>
+      </dsp:nvSpPr>
+      <dsp:spPr>
+        <a:xfrm>
+          <a:off x="4380" y="6089107"/>
+          <a:ext cx="5183326" cy="891169"/>
+        </a:xfrm>
+        <a:prstGeom prst="rect">
+          <a:avLst/>
+        </a:prstGeom>
+        <a:noFill/>
+        <a:ln>
+          <a:noFill/>
+        </a:ln>
+        <a:effectLst/>
+      </dsp:spPr>
+      <dsp:style>
+        <a:lnRef idx="0">
+          <a:scrgbClr r="0" g="0" b="0"/>
+        </a:lnRef>
+        <a:fillRef idx="0">
+          <a:scrgbClr r="0" g="0" b="0"/>
+        </a:fillRef>
+        <a:effectRef idx="0">
+          <a:scrgbClr r="0" g="0" b="0"/>
+        </a:effectRef>
+        <a:fontRef idx="minor"/>
+      </dsp:style>
+      <dsp:txBody>
+        <a:bodyPr spcFirstLastPara="0" vert="horz" wrap="square" lIns="71120" tIns="71120" rIns="71120" bIns="71120" numCol="1" spcCol="1270" anchor="ctr" anchorCtr="0">
+          <a:noAutofit/>
+        </a:bodyPr>
+        <a:lstStyle/>
+        <a:p>
+          <a:pPr lvl="0" algn="ctr" defTabSz="2489200">
+            <a:lnSpc>
+              <a:spcPct val="90000"/>
+            </a:lnSpc>
+            <a:spcBef>
+              <a:spcPct val="0"/>
+            </a:spcBef>
+            <a:spcAft>
+              <a:spcPct val="35000"/>
+            </a:spcAft>
+          </a:pPr>
+          <a:r>
+            <a:rPr lang="nl-NL" sz="5600" kern="1200" dirty="0" smtClean="0"/>
+            <a:t>R</a:t>
+          </a:r>
+          <a:endParaRPr lang="nl-NL" sz="5600" kern="1200" dirty="0"/>
+        </a:p>
+      </dsp:txBody>
+      <dsp:txXfrm>
+        <a:off x="4380" y="6089107"/>
+        <a:ext cx="5183326" cy="891169"/>
+      </dsp:txXfrm>
+    </dsp:sp>
+    <dsp:sp modelId="{82A1DAD5-D719-C24A-A140-7F7493E5FA5C}">
+      <dsp:nvSpPr>
+        <dsp:cNvPr id="0" name=""/>
+        <dsp:cNvSpPr/>
+      </dsp:nvSpPr>
+      <dsp:spPr>
+        <a:xfrm>
+          <a:off x="1501065" y="1204867"/>
+          <a:ext cx="10659969" cy="10659649"/>
+        </a:xfrm>
+        <a:prstGeom prst="circularArrow">
+          <a:avLst>
+            <a:gd name="adj1" fmla="val 9482"/>
+            <a:gd name="adj2" fmla="val 684857"/>
+            <a:gd name="adj3" fmla="val 20468159"/>
+            <a:gd name="adj4" fmla="val 11162372"/>
+            <a:gd name="adj5" fmla="val 11062"/>
+          </a:avLst>
+        </a:prstGeom>
+        <a:gradFill rotWithShape="0">
+          <a:gsLst>
+            <a:gs pos="0">
+              <a:schemeClr val="accent1">
+                <a:hueOff val="0"/>
+                <a:satOff val="0"/>
+                <a:lumOff val="0"/>
+                <a:alphaOff val="0"/>
+                <a:tint val="100000"/>
+                <a:shade val="100000"/>
+                <a:satMod val="130000"/>
+              </a:schemeClr>
+            </a:gs>
+            <a:gs pos="100000">
+              <a:schemeClr val="accent1">
+                <a:hueOff val="0"/>
+                <a:satOff val="0"/>
+                <a:lumOff val="0"/>
+                <a:alphaOff val="0"/>
+                <a:tint val="50000"/>
+                <a:shade val="100000"/>
+                <a:satMod val="350000"/>
+              </a:schemeClr>
+            </a:gs>
+          </a:gsLst>
+          <a:lin ang="16200000" scaled="0"/>
+        </a:gradFill>
+        <a:ln>
+          <a:noFill/>
+        </a:ln>
+        <a:effectLst>
+          <a:outerShdw blurRad="40000" dir="5400000" rotWithShape="0">
+            <a:srgbClr val="000000">
+              <a:alpha val="35000"/>
+            </a:srgbClr>
+          </a:outerShdw>
+        </a:effectLst>
+      </dsp:spPr>
+      <dsp:style>
+        <a:lnRef idx="0">
+          <a:scrgbClr r="0" g="0" b="0"/>
+        </a:lnRef>
+        <a:fillRef idx="3">
+          <a:scrgbClr r="0" g="0" b="0"/>
+        </a:fillRef>
+        <a:effectRef idx="2">
+          <a:scrgbClr r="0" g="0" b="0"/>
+        </a:effectRef>
+        <a:fontRef idx="minor">
+          <a:schemeClr val="lt1"/>
+        </a:fontRef>
+      </dsp:style>
+    </dsp:sp>
+  </dsp:spTree>
+</dsp:drawing>
+</file>
+
+<file path=ppt/diagrams/layout1.xml><?xml version="1.0" encoding="utf-8"?>
+<dgm:layoutDef xmlns:dgm="http://schemas.openxmlformats.org/drawingml/2006/diagram" xmlns:a="http://schemas.openxmlformats.org/drawingml/2006/main" uniqueId="urn:microsoft.com/office/officeart/2005/8/layout/cycle1">
+  <dgm:title val=""/>
+  <dgm:desc val=""/>
+  <dgm:catLst>
+    <dgm:cat type="cycle" pri="2000"/>
+  </dgm:catLst>
+  <dgm:sampData>
+    <dgm:dataModel>
+      <dgm:ptLst>
+        <dgm:pt modelId="0" type="doc"/>
+        <dgm:pt modelId="1">
+          <dgm:prSet phldr="1"/>
+        </dgm:pt>
+        <dgm:pt modelId="2">
+          <dgm:prSet phldr="1"/>
+        </dgm:pt>
+        <dgm:pt modelId="3">
+          <dgm:prSet phldr="1"/>
+        </dgm:pt>
+        <dgm:pt modelId="4">
+          <dgm:prSet phldr="1"/>
+        </dgm:pt>
+        <dgm:pt modelId="5">
+          <dgm:prSet phldr="1"/>
+        </dgm:pt>
+      </dgm:ptLst>
+      <dgm:cxnLst>
+        <dgm:cxn modelId="6" srcId="0" destId="1" srcOrd="0" destOrd="0"/>
+        <dgm:cxn modelId="7" srcId="0" destId="2" srcOrd="1" destOrd="0"/>
+        <dgm:cxn modelId="8" srcId="0" destId="3" srcOrd="2" destOrd="0"/>
+        <dgm:cxn modelId="9" srcId="0" destId="4" srcOrd="3" destOrd="0"/>
+        <dgm:cxn modelId="10" srcId="0" destId="5" srcOrd="4" destOrd="0"/>
+      </dgm:cxnLst>
+      <dgm:bg/>
+      <dgm:whole/>
+    </dgm:dataModel>
+  </dgm:sampData>
+  <dgm:styleData>
+    <dgm:dataModel>
+      <dgm:ptLst>
+        <dgm:pt modelId="0" type="doc"/>
+        <dgm:pt modelId="1"/>
+        <dgm:pt modelId="2"/>
+        <dgm:pt modelId="3"/>
+      </dgm:ptLst>
+      <dgm:cxnLst>
+        <dgm:cxn modelId="4" srcId="0" destId="1" srcOrd="0" destOrd="0"/>
+        <dgm:cxn modelId="5" srcId="0" destId="2" srcOrd="1" destOrd="0"/>
+        <dgm:cxn modelId="6" srcId="0" destId="3" srcOrd="2" destOrd="0"/>
+      </dgm:cxnLst>
+      <dgm:bg/>
+      <dgm:whole/>
+    </dgm:dataModel>
+  </dgm:styleData>
+  <dgm:clrData>
+    <dgm:dataModel>
+      <dgm:ptLst>
+        <dgm:pt modelId="0" type="doc"/>
+        <dgm:pt modelId="1"/>
+        <dgm:pt modelId="2"/>
+        <dgm:pt modelId="3"/>
+        <dgm:pt modelId="4"/>
+        <dgm:pt modelId="5"/>
+        <dgm:pt modelId="6"/>
+      </dgm:ptLst>
+      <dgm:cxnLst>
+        <dgm:cxn modelId="7" srcId="0" destId="1" srcOrd="0" destOrd="0"/>
+        <dgm:cxn modelId="8" srcId="0" destId="2" srcOrd="1" destOrd="0"/>
+        <dgm:cxn modelId="9" srcId="0" destId="3" srcOrd="2" destOrd="0"/>
+        <dgm:cxn modelId="10" srcId="0" destId="4" srcOrd="3" destOrd="0"/>
+        <dgm:cxn modelId="11" srcId="0" destId="5" srcOrd="4" destOrd="0"/>
+        <dgm:cxn modelId="12" srcId="0" destId="6" srcOrd="5" destOrd="0"/>
+      </dgm:cxnLst>
+      <dgm:bg/>
+      <dgm:whole/>
+    </dgm:dataModel>
+  </dgm:clrData>
+  <dgm:layoutNode name="cycle">
+    <dgm:varLst>
+      <dgm:dir/>
+      <dgm:resizeHandles val="exact"/>
+    </dgm:varLst>
+    <dgm:choose name="Name0">
+      <dgm:if name="Name1" func="var" arg="dir" op="equ" val="norm">
+        <dgm:alg type="cycle">
+          <dgm:param type="stAng" val="0"/>
+          <dgm:param type="spanAng" val="360"/>
+        </dgm:alg>
+      </dgm:if>
+      <dgm:else name="Name2">
+        <dgm:alg type="cycle">
+          <dgm:param type="stAng" val="0"/>
+          <dgm:param type="spanAng" val="-360"/>
+        </dgm:alg>
+      </dgm:else>
+    </dgm:choose>
+    <dgm:shape xmlns:r="http://schemas.openxmlformats.org/officeDocument/2006/relationships" r:blip="">
+      <dgm:adjLst/>
+    </dgm:shape>
+    <dgm:presOf/>
+    <dgm:choose name="Name3">
+      <dgm:if name="Name4" func="var" arg="dir" op="equ" val="norm">
+        <dgm:constrLst>
+          <dgm:constr type="diam" val="1"/>
+          <dgm:constr type="w" for="ch" forName="node" refType="w"/>
+          <dgm:constr type="w" for="ch" ptType="sibTrans" refType="w" refFor="ch" refForName="node" fact="0.5"/>
+          <dgm:constr type="h" for="ch" ptType="sibTrans" op="equ"/>
+          <dgm:constr type="diam" for="ch" ptType="sibTrans" refType="diam" op="equ"/>
+          <dgm:constr type="sibSp" refType="w" refFor="ch" refForName="node" fact="0.15"/>
+          <dgm:constr type="w" for="ch" forName="dummy" refType="sibSp" fact="2.8"/>
+          <dgm:constr type="primFontSz" for="ch" forName="node" op="equ" val="65"/>
+        </dgm:constrLst>
+      </dgm:if>
+      <dgm:else name="Name5">
+        <dgm:constrLst>
+          <dgm:constr type="diam" val="1"/>
+          <dgm:constr type="w" for="ch" forName="node" refType="w"/>
+          <dgm:constr type="w" for="ch" ptType="sibTrans" refType="w" refFor="ch" refForName="node" fact="0.5"/>
+          <dgm:constr type="h" for="ch" ptType="sibTrans" op="equ"/>
+          <dgm:constr type="diam" for="ch" ptType="sibTrans" refType="diam" op="equ" fact="-1"/>
+          <dgm:constr type="sibSp" refType="w" refFor="ch" refForName="node" fact="0.15"/>
+          <dgm:constr type="w" for="ch" forName="dummy" refType="sibSp" fact="2.8"/>
+          <dgm:constr type="primFontSz" for="ch" forName="node" op="equ" val="65"/>
+        </dgm:constrLst>
+      </dgm:else>
+    </dgm:choose>
+    <dgm:ruleLst>
+      <dgm:rule type="diam" val="INF" fact="NaN" max="NaN"/>
+    </dgm:ruleLst>
+    <dgm:forEach name="nodesForEach" axis="ch" ptType="node">
+      <dgm:choose name="Name6">
+        <dgm:if name="Name7" axis="par ch" ptType="doc node" func="cnt" op="gt" val="1">
+          <dgm:layoutNode name="dummy">
+            <dgm:alg type="sp"/>
+            <dgm:shape xmlns:r="http://schemas.openxmlformats.org/officeDocument/2006/relationships" r:blip="">
+              <dgm:adjLst/>
+            </dgm:shape>
+            <dgm:presOf/>
+            <dgm:constrLst>
+              <dgm:constr type="h" refType="w"/>
+            </dgm:constrLst>
+            <dgm:ruleLst/>
+          </dgm:layoutNode>
+        </dgm:if>
+        <dgm:else name="Name8"/>
+      </dgm:choose>
+      <dgm:layoutNode name="node" styleLbl="revTx">
+        <dgm:varLst>
+          <dgm:bulletEnabled val="1"/>
+        </dgm:varLst>
+        <dgm:alg type="tx">
+          <dgm:param type="txAnchorVertCh" val="mid"/>
+        </dgm:alg>
+        <dgm:shape xmlns:r="http://schemas.openxmlformats.org/officeDocument/2006/relationships" type="rect" r:blip="">
+          <dgm:adjLst/>
+        </dgm:shape>
+        <dgm:presOf axis="desOrSelf" ptType="node"/>
+        <dgm:constrLst>
+          <dgm:constr type="h" refType="w"/>
+          <dgm:constr type="lMarg" refType="primFontSz" fact="0.1"/>
+          <dgm:constr type="rMarg" refType="primFontSz" fact="0.1"/>
+          <dgm:constr type="tMarg" refType="primFontSz" fact="0.1"/>
+          <dgm:constr type="bMarg" refType="primFontSz" fact="0.1"/>
+        </dgm:constrLst>
+        <dgm:ruleLst>
+          <dgm:rule type="primFontSz" val="5" fact="NaN" max="NaN"/>
+        </dgm:ruleLst>
+      </dgm:layoutNode>
+      <dgm:choose name="Name9">
+        <dgm:if name="Name10" axis="par ch" ptType="doc node" func="cnt" op="gt" val="1">
+          <dgm:forEach name="Name11" axis="followSib" ptType="sibTrans" hideLastTrans="0" cnt="1">
+            <dgm:layoutNode name="sibTrans" styleLbl="node1">
+              <dgm:alg type="conn">
+                <dgm:param type="connRout" val="curve"/>
+                <dgm:param type="begPts" val="radial"/>
+                <dgm:param type="endPts" val="radial"/>
+              </dgm:alg>
+              <dgm:shape xmlns:r="http://schemas.openxmlformats.org/officeDocument/2006/relationships" type="conn" r:blip="">
+                <dgm:adjLst/>
+              </dgm:shape>
+              <dgm:presOf axis="self"/>
+              <dgm:constrLst>
+                <dgm:constr type="h" refType="w" fact="0.65"/>
+                <dgm:constr type="begPad"/>
+                <dgm:constr type="endPad"/>
+              </dgm:constrLst>
+              <dgm:ruleLst/>
+            </dgm:layoutNode>
+          </dgm:forEach>
+        </dgm:if>
+        <dgm:else name="Name12"/>
+      </dgm:choose>
+    </dgm:forEach>
+  </dgm:layoutNode>
+</dgm:layoutDef>
+</file>
+
+<file path=ppt/diagrams/quickStyle1.xml><?xml version="1.0" encoding="utf-8"?>
+<dgm:styleDef xmlns:dgm="http://schemas.openxmlformats.org/drawingml/2006/diagram" xmlns:a="http://schemas.openxmlformats.org/drawingml/2006/main" uniqueId="urn:microsoft.com/office/officeart/2005/8/quickstyle/simple4">
+  <dgm:title val=""/>
+  <dgm:desc val=""/>
+  <dgm:catLst>
+    <dgm:cat type="simple" pri="10400"/>
+  </dgm:catLst>
+  <dgm:scene3d>
+    <a:camera prst="orthographicFront"/>
+    <a:lightRig rig="threePt" dir="t"/>
+  </dgm:scene3d>
+  <dgm:styleLbl name="node0">
+    <dgm:scene3d>
+      <a:camera prst="orthographicFront"/>
+      <a:lightRig rig="threePt" dir="t"/>
+    </dgm:scene3d>
+    <dgm:sp3d/>
+    <dgm:txPr/>
+    <dgm:style>
+      <a:lnRef idx="0">
+        <a:scrgbClr r="0" g="0" b="0"/>
+      </a:lnRef>
+      <a:fillRef idx="3">
+        <a:scrgbClr r="0" g="0" b="0"/>
+      </a:fillRef>
+      <a:effectRef idx="2">
+        <a:scrgbClr r="0" g="0" b="0"/>
+      </a:effectRef>
+      <a:fontRef idx="minor">
+        <a:schemeClr val="lt1"/>
+      </a:fontRef>
+    </dgm:style>
+  </dgm:styleLbl>
+  <dgm:styleLbl name="lnNode1">
+    <dgm:scene3d>
+      <a:camera prst="orthographicFront"/>
+      <a:lightRig rig="threePt" dir="t"/>
+    </dgm:scene3d>
+    <dgm:sp3d/>
+    <dgm:txPr/>
+    <dgm:style>
+      <a:lnRef idx="1">
+        <a:scrgbClr r="0" g="0" b="0"/>
+      </a:lnRef>
+      <a:fillRef idx="3">
+        <a:scrgbClr r="0" g="0" b="0"/>
+      </a:fillRef>
+      <a:effectRef idx="2">
+        <a:scrgbClr r="0" g="0" b="0"/>
+      </a:effectRef>
+      <a:fontRef idx="minor">
+        <a:schemeClr val="lt1"/>
+      </a:fontRef>
+    </dgm:style>
+  </dgm:styleLbl>
+  <dgm:styleLbl name="vennNode1">
+    <dgm:scene3d>
+      <a:camera prst="orthographicFront"/>
+      <a:lightRig rig="threePt" dir="t"/>
+    </dgm:scene3d>
+    <dgm:sp3d/>
+    <dgm:txPr/>
+    <dgm:style>
+      <a:lnRef idx="0">
+        <a:scrgbClr r="0" g="0" b="0"/>
+      </a:lnRef>
+      <a:fillRef idx="3">
+        <a:scrgbClr r="0" g="0" b="0"/>
+      </a:fillRef>
+      <a:effectRef idx="0">
+        <a:scrgbClr r="0" g="0" b="0"/>
+      </a:effectRef>
+      <a:fontRef idx="minor">
+        <a:schemeClr val="tx1"/>
+      </a:fontRef>
+    </dgm:style>
+  </dgm:styleLbl>
+  <dgm:styleLbl name="alignNode1">
+    <dgm:scene3d>
+      <a:camera prst="orthographicFront"/>
+      <a:lightRig rig="threePt" dir="t"/>
+    </dgm:scene3d>
+    <dgm:sp3d/>
+    <dgm:txPr/>
+    <dgm:style>
+      <a:lnRef idx="1">
+        <a:scrgbClr r="0" g="0" b="0"/>
+      </a:lnRef>
+      <a:fillRef idx="3">
+        <a:scrgbClr r="0" g="0" b="0"/>
+      </a:fillRef>
+      <a:effectRef idx="2">
+        <a:scrgbClr r="0" g="0" b="0"/>
+      </a:effectRef>
+      <a:fontRef idx="minor">
+        <a:schemeClr val="lt1"/>
+      </a:fontRef>
+    </dgm:style>
+  </dgm:styleLbl>
+  <dgm:styleLbl name="node1">
+    <dgm:scene3d>
+      <a:camera prst="orthographicFront"/>
+      <a:lightRig rig="threePt" dir="t"/>
+    </dgm:scene3d>
+    <dgm:sp3d/>
+    <dgm:txPr/>
+    <dgm:style>
+      <a:lnRef idx="0">
+        <a:scrgbClr r="0" g="0" b="0"/>
+      </a:lnRef>
+      <a:fillRef idx="3">
+        <a:scrgbClr r="0" g="0" b="0"/>
+      </a:fillRef>
+      <a:effectRef idx="2">
+        <a:scrgbClr r="0" g="0" b="0"/>
+      </a:effectRef>
+      <a:fontRef idx="minor">
+        <a:schemeClr val="lt1"/>
+      </a:fontRef>
+    </dgm:style>
+  </dgm:styleLbl>
+  <dgm:styleLbl name="node2">
+    <dgm:scene3d>
+      <a:camera prst="orthographicFront"/>
+      <a:lightRig rig="threePt" dir="t"/>
+    </dgm:scene3d>
+    <dgm:sp3d/>
+    <dgm:txPr/>
+    <dgm:style>
+      <a:lnRef idx="0">
+        <a:scrgbClr r="0" g="0" b="0"/>
+      </a:lnRef>
+      <a:fillRef idx="3">
+        <a:scrgbClr r="0" g="0" b="0"/>
+      </a:fillRef>
+      <a:effectRef idx="2">
+        <a:scrgbClr r="0" g="0" b="0"/>
+      </a:effectRef>
+      <a:fontRef idx="minor">
+        <a:schemeClr val="lt1"/>
+      </a:fontRef>
+    </dgm:style>
+  </dgm:styleLbl>
+  <dgm:styleLbl name="node3">
+    <dgm:scene3d>
+      <a:camera prst="orthographicFront"/>
+      <a:lightRig rig="threePt" dir="t"/>
+    </dgm:scene3d>
+    <dgm:sp3d/>
+    <dgm:txPr/>
+    <dgm:style>
+      <a:lnRef idx="0">
+        <a:scrgbClr r="0" g="0" b="0"/>
+      </a:lnRef>
+      <a:fillRef idx="3">
+        <a:scrgbClr r="0" g="0" b="0"/>
+      </a:fillRef>
+      <a:effectRef idx="2">
+        <a:scrgbClr r="0" g="0" b="0"/>
+      </a:effectRef>
+      <a:fontRef idx="minor">
+        <a:schemeClr val="lt1"/>
+      </a:fontRef>
+    </dgm:style>
+  </dgm:styleLbl>
+  <dgm:styleLbl name="node4">
+    <dgm:scene3d>
+      <a:camera prst="orthographicFront"/>
+      <a:lightRig rig="threePt" dir="t"/>
+    </dgm:scene3d>
+    <dgm:sp3d/>
+    <dgm:txPr/>
+    <dgm:style>
+      <a:lnRef idx="0">
+        <a:scrgbClr r="0" g="0" b="0"/>
+      </a:lnRef>
+      <a:fillRef idx="3">
+        <a:scrgbClr r="0" g="0" b="0"/>
+      </a:fillRef>
+      <a:effectRef idx="2">
+        <a:scrgbClr r="0" g="0" b="0"/>
+      </a:effectRef>
+      <a:fontRef idx="minor">
+        <a:schemeClr val="lt1"/>
+      </a:fontRef>
+    </dgm:style>
+  </dgm:styleLbl>
+  <dgm:styleLbl name="fgImgPlace1">
+    <dgm:scene3d>
+      <a:camera prst="orthographicFront"/>
+      <a:lightRig rig="threePt" dir="t"/>
+    </dgm:scene3d>
+    <dgm:sp3d/>
+    <dgm:txPr/>
+    <dgm:style>
+      <a:lnRef idx="0">
+        <a:scrgbClr r="0" g="0" b="0"/>
+      </a:lnRef>
+      <a:fillRef idx="1">
+        <a:scrgbClr r="0" g="0" b="0"/>
+      </a:fillRef>
+      <a:effectRef idx="2">
+        <a:scrgbClr r="0" g="0" b="0"/>
+      </a:effectRef>
+      <a:fontRef idx="minor"/>
+    </dgm:style>
+  </dgm:styleLbl>
+  <dgm:styleLbl name="alignImgPlace1">
+    <dgm:scene3d>
+      <a:camera prst="orthographicFront"/>
+      <a:lightRig rig="threePt" dir="t"/>
+    </dgm:scene3d>
+    <dgm:sp3d/>
+    <dgm:txPr/>
+    <dgm:style>
+      <a:lnRef idx="0">
+        <a:scrgbClr r="0" g="0" b="0"/>
+      </a:lnRef>
+      <a:fillRef idx="1">
+        <a:scrgbClr r="0" g="0" b="0"/>
+      </a:fillRef>
+      <a:effectRef idx="2">
+        <a:scrgbClr r="0" g="0" b="0"/>
+      </a:effectRef>
+      <a:fontRef idx="minor"/>
+    </dgm:style>
+  </dgm:styleLbl>
+  <dgm:styleLbl name="bgImgPlace1">
+    <dgm:scene3d>
+      <a:camera prst="orthographicFront"/>
+      <a:lightRig rig="threePt" dir="t"/>
+    </dgm:scene3d>
+    <dgm:sp3d/>
+    <dgm:txPr/>
+    <dgm:style>
+      <a:lnRef idx="0">
+        <a:scrgbClr r="0" g="0" b="0"/>
+      </a:lnRef>
+      <a:fillRef idx="1">
+        <a:scrgbClr r="0" g="0" b="0"/>
+      </a:fillRef>
+      <a:effectRef idx="2">
+        <a:scrgbClr r="0" g="0" b="0"/>
+      </a:effectRef>
+      <a:fontRef idx="minor"/>
+    </dgm:style>
+  </dgm:styleLbl>
+  <dgm:styleLbl name="sibTrans2D1">
+    <dgm:scene3d>
+      <a:camera prst="orthographicFront"/>
+      <a:lightRig rig="threePt" dir="t"/>
+    </dgm:scene3d>
+    <dgm:sp3d/>
+    <dgm:txPr/>
+    <dgm:style>
+      <a:lnRef idx="0">
+        <a:scrgbClr r="0" g="0" b="0"/>
+      </a:lnRef>
+      <a:fillRef idx="3">
+        <a:scrgbClr r="0" g="0" b="0"/>
+      </a:fillRef>
+      <a:effectRef idx="2">
+        <a:scrgbClr r="0" g="0" b="0"/>
+      </a:effectRef>
+      <a:fontRef idx="minor">
+        <a:schemeClr val="lt1"/>
+      </a:fontRef>
+    </dgm:style>
+  </dgm:styleLbl>
+  <dgm:styleLbl name="fgSibTrans2D1">
+    <dgm:scene3d>
+      <a:camera prst="orthographicFront"/>
+      <a:lightRig rig="threePt" dir="t"/>
+    </dgm:scene3d>
+    <dgm:sp3d/>
+    <dgm:txPr/>
+    <dgm:style>
+      <a:lnRef idx="0">
+        <a:scrgbClr r="0" g="0" b="0"/>
+      </a:lnRef>
+      <a:fillRef idx="3">
+        <a:scrgbClr r="0" g="0" b="0"/>
+      </a:fillRef>
+      <a:effectRef idx="2">
+        <a:scrgbClr r="0" g="0" b="0"/>
+      </a:effectRef>
+      <a:fontRef idx="minor">
+        <a:schemeClr val="lt1"/>
+      </a:fontRef>
+    </dgm:style>
+  </dgm:styleLbl>
+  <dgm:styleLbl name="bgSibTrans2D1">
+    <dgm:scene3d>
+      <a:camera prst="orthographicFront"/>
+      <a:lightRig rig="threePt" dir="t"/>
+    </dgm:scene3d>
+    <dgm:sp3d/>
+    <dgm:txPr/>
+    <dgm:style>
+      <a:lnRef idx="0">
+        <a:scrgbClr r="0" g="0" b="0"/>
+      </a:lnRef>
+      <a:fillRef idx="3">
+        <a:scrgbClr r="0" g="0" b="0"/>
+      </a:fillRef>
+      <a:effectRef idx="2">
+        <a:scrgbClr r="0" g="0" b="0"/>
+      </a:effectRef>
+      <a:fontRef idx="minor">
+        <a:schemeClr val="lt1"/>
+      </a:fontRef>
+    </dgm:style>
+  </dgm:styleLbl>
+  <dgm:styleLbl name="sibTrans1D1">
+    <dgm:scene3d>
+      <a:camera prst="orthographicFront"/>
+      <a:lightRig rig="threePt" dir="t"/>
+    </dgm:scene3d>
+    <dgm:sp3d/>
+    <dgm:txPr/>
+    <dgm:style>
+      <a:lnRef idx="1">
+        <a:scrgbClr r="0" g="0" b="0"/>
+      </a:lnRef>
+      <a:fillRef idx="0">
+        <a:scrgbClr r="0" g="0" b="0"/>
+      </a:fillRef>
+      <a:effectRef idx="0">
+        <a:scrgbClr r="0" g="0" b="0"/>
+      </a:effectRef>
+      <a:fontRef idx="minor"/>
+    </dgm:style>
+  </dgm:styleLbl>
+  <dgm:styleLbl name="callout">
+    <dgm:scene3d>
+      <a:camera prst="orthographicFront"/>
+      <a:lightRig rig="threePt" dir="t"/>
+    </dgm:scene3d>
+    <dgm:sp3d/>
+    <dgm:txPr/>
+    <dgm:style>
+      <a:lnRef idx="2">
+        <a:scrgbClr r="0" g="0" b="0"/>
+      </a:lnRef>
+      <a:fillRef idx="1">
+        <a:scrgbClr r="0" g="0" b="0"/>
+      </a:fillRef>
+      <a:effectRef idx="1">
+        <a:scrgbClr r="0" g="0" b="0"/>
+      </a:effectRef>
+      <a:fontRef idx="minor"/>
+    </dgm:style>
+  </dgm:styleLbl>
+  <dgm:styleLbl name="asst0">
+    <dgm:scene3d>
+      <a:camera prst="orthographicFront"/>
+      <a:lightRig rig="threePt" dir="t"/>
+    </dgm:scene3d>
+    <dgm:sp3d/>
+    <dgm:txPr/>
+    <dgm:style>
+      <a:lnRef idx="0">
+        <a:scrgbClr r="0" g="0" b="0"/>
+      </a:lnRef>
+      <a:fillRef idx="3">
+        <a:scrgbClr r="0" g="0" b="0"/>
+      </a:fillRef>
+      <a:effectRef idx="2">
+        <a:scrgbClr r="0" g="0" b="0"/>
+      </a:effectRef>
+      <a:fontRef idx="minor">
+        <a:schemeClr val="lt1"/>
+      </a:fontRef>
+    </dgm:style>
+  </dgm:styleLbl>
+  <dgm:styleLbl name="asst1">
+    <dgm:scene3d>
+      <a:camera prst="orthographicFront"/>
+      <a:lightRig rig="threePt" dir="t"/>
+    </dgm:scene3d>
+    <dgm:sp3d/>
+    <dgm:txPr/>
+    <dgm:style>
+      <a:lnRef idx="0">
+        <a:scrgbClr r="0" g="0" b="0"/>
+      </a:lnRef>
+      <a:fillRef idx="3">
+        <a:scrgbClr r="0" g="0" b="0"/>
+      </a:fillRef>
+      <a:effectRef idx="2">
+        <a:scrgbClr r="0" g="0" b="0"/>
+      </a:effectRef>
+      <a:fontRef idx="minor">
+        <a:schemeClr val="lt1"/>
+      </a:fontRef>
+    </dgm:style>
+  </dgm:styleLbl>
+  <dgm:styleLbl name="asst2">
+    <dgm:scene3d>
+      <a:camera prst="orthographicFront"/>
+      <a:lightRig rig="threePt" dir="t"/>
+    </dgm:scene3d>
+    <dgm:sp3d/>
+    <dgm:txPr/>
+    <dgm:style>
+      <a:lnRef idx="0">
+        <a:scrgbClr r="0" g="0" b="0"/>
+      </a:lnRef>
+      <a:fillRef idx="3">
+        <a:scrgbClr r="0" g="0" b="0"/>
+      </a:fillRef>
+      <a:effectRef idx="2">
+        <a:scrgbClr r="0" g="0" b="0"/>
+      </a:effectRef>
+      <a:fontRef idx="minor">
+        <a:schemeClr val="lt1"/>
+      </a:fontRef>
+    </dgm:style>
+  </dgm:styleLbl>
+  <dgm:styleLbl name="asst3">
+    <dgm:scene3d>
+      <a:camera prst="orthographicFront"/>
+      <a:lightRig rig="threePt" dir="t"/>
+    </dgm:scene3d>
+    <dgm:sp3d/>
+    <dgm:txPr/>
+    <dgm:style>
+      <a:lnRef idx="0">
+        <a:scrgbClr r="0" g="0" b="0"/>
+      </a:lnRef>
+      <a:fillRef idx="3">
+        <a:scrgbClr r="0" g="0" b="0"/>
+      </a:fillRef>
+      <a:effectRef idx="2">
+        <a:scrgbClr r="0" g="0" b="0"/>
+      </a:effectRef>
+      <a:fontRef idx="minor">
+        <a:schemeClr val="lt1"/>
+      </a:fontRef>
+    </dgm:style>
+  </dgm:styleLbl>
+  <dgm:styleLbl name="asst4">
+    <dgm:scene3d>
+      <a:camera prst="orthographicFront"/>
+      <a:lightRig rig="threePt" dir="t"/>
+    </dgm:scene3d>
+    <dgm:sp3d/>
+    <dgm:txPr/>
+    <dgm:style>
+      <a:lnRef idx="0">
+        <a:scrgbClr r="0" g="0" b="0"/>
+      </a:lnRef>
+      <a:fillRef idx="3">
+        <a:scrgbClr r="0" g="0" b="0"/>
+      </a:fillRef>
+      <a:effectRef idx="2">
+        <a:scrgbClr r="0" g="0" b="0"/>
+      </a:effectRef>
+      <a:fontRef idx="minor">
+        <a:schemeClr val="lt1"/>
+      </a:fontRef>
+    </dgm:style>
+  </dgm:styleLbl>
+  <dgm:styleLbl name="parChTrans2D1">
+    <dgm:scene3d>
+      <a:camera prst="orthographicFront"/>
+      <a:lightRig rig="threePt" dir="t"/>
+    </dgm:scene3d>
+    <dgm:sp3d/>
+    <dgm:txPr/>
+    <dgm:style>
+      <a:lnRef idx="0">
+        <a:scrgbClr r="0" g="0" b="0"/>
+      </a:lnRef>
+      <a:fillRef idx="3">
+        <a:scrgbClr r="0" g="0" b="0"/>
+      </a:fillRef>
+      <a:effectRef idx="2">
+        <a:scrgbClr r="0" g="0" b="0"/>
+      </a:effectRef>
+      <a:fontRef idx="minor">
+        <a:schemeClr val="lt1"/>
+      </a:fontRef>
+    </dgm:style>
+  </dgm:styleLbl>
+  <dgm:styleLbl name="parChTrans2D2">
+    <dgm:scene3d>
+      <a:camera prst="orthographicFront"/>
+      <a:lightRig rig="threePt" dir="t"/>
+    </dgm:scene3d>
+    <dgm:sp3d/>
+    <dgm:txPr/>
+    <dgm:style>
+      <a:lnRef idx="0">
+        <a:scrgbClr r="0" g="0" b="0"/>
+      </a:lnRef>
+      <a:fillRef idx="3">
+        <a:scrgbClr r="0" g="0" b="0"/>
+      </a:fillRef>
+      <a:effectRef idx="2">
+        <a:scrgbClr r="0" g="0" b="0"/>
+      </a:effectRef>
+      <a:fontRef idx="minor">
+        <a:schemeClr val="lt1"/>
+      </a:fontRef>
+    </dgm:style>
+  </dgm:styleLbl>
+  <dgm:styleLbl name="parChTrans2D3">
+    <dgm:scene3d>
+      <a:camera prst="orthographicFront"/>
+      <a:lightRig rig="threePt" dir="t"/>
+    </dgm:scene3d>
+    <dgm:sp3d/>
+    <dgm:txPr/>
+    <dgm:style>
+      <a:lnRef idx="1">
+        <a:scrgbClr r="0" g="0" b="0"/>
+      </a:lnRef>
+      <a:fillRef idx="3">
+        <a:scrgbClr r="0" g="0" b="0"/>
+      </a:fillRef>
+      <a:effectRef idx="2">
+        <a:scrgbClr r="0" g="0" b="0"/>
+      </a:effectRef>
+      <a:fontRef idx="minor">
+        <a:schemeClr val="lt1"/>
+      </a:fontRef>
+    </dgm:style>
+  </dgm:styleLbl>
+  <dgm:styleLbl name="parChTrans2D4">
+    <dgm:scene3d>
+      <a:camera prst="orthographicFront"/>
+      <a:lightRig rig="threePt" dir="t"/>
+    </dgm:scene3d>
+    <dgm:sp3d/>
+    <dgm:txPr/>
+    <dgm:style>
+      <a:lnRef idx="1">
+        <a:scrgbClr r="0" g="0" b="0"/>
+      </a:lnRef>
+      <a:fillRef idx="3">
+        <a:scrgbClr r="0" g="0" b="0"/>
+      </a:fillRef>
+      <a:effectRef idx="2">
+        <a:scrgbClr r="0" g="0" b="0"/>
+      </a:effectRef>
+      <a:fontRef idx="minor">
+        <a:schemeClr val="lt1"/>
+      </a:fontRef>
+    </dgm:style>
+  </dgm:styleLbl>
+  <dgm:styleLbl name="parChTrans1D1">
+    <dgm:scene3d>
+      <a:camera prst="orthographicFront"/>
+      <a:lightRig rig="threePt" dir="t"/>
+    </dgm:scene3d>
+    <dgm:sp3d/>
+    <dgm:txPr/>
+    <dgm:style>
+      <a:lnRef idx="1">
+        <a:scrgbClr r="0" g="0" b="0"/>
+      </a:lnRef>
+      <a:fillRef idx="0">
+        <a:scrgbClr r="0" g="0" b="0"/>
+      </a:fillRef>
+      <a:effectRef idx="0">
+        <a:scrgbClr r="0" g="0" b="0"/>
+      </a:effectRef>
+      <a:fontRef idx="minor"/>
+    </dgm:style>
+  </dgm:styleLbl>
+  <dgm:styleLbl name="parChTrans1D2">
+    <dgm:scene3d>
+      <a:camera prst="orthographicFront"/>
+      <a:lightRig rig="threePt" dir="t"/>
+    </dgm:scene3d>
+    <dgm:sp3d/>
+    <dgm:txPr/>
+    <dgm:style>
+      <a:lnRef idx="1">
+        <a:scrgbClr r="0" g="0" b="0"/>
+      </a:lnRef>
+      <a:fillRef idx="0">
+        <a:scrgbClr r="0" g="0" b="0"/>
+      </a:fillRef>
+      <a:effectRef idx="0">
+        <a:scrgbClr r="0" g="0" b="0"/>
+      </a:effectRef>
+      <a:fontRef idx="minor"/>
+    </dgm:style>
+  </dgm:styleLbl>
+  <dgm:styleLbl name="parChTrans1D3">
+    <dgm:scene3d>
+      <a:camera prst="orthographicFront"/>
+      <a:lightRig rig="threePt" dir="t"/>
+    </dgm:scene3d>
+    <dgm:sp3d/>
+    <dgm:txPr/>
+    <dgm:style>
+      <a:lnRef idx="1">
+        <a:scrgbClr r="0" g="0" b="0"/>
+      </a:lnRef>
+      <a:fillRef idx="0">
+        <a:scrgbClr r="0" g="0" b="0"/>
+      </a:fillRef>
+      <a:effectRef idx="0">
+        <a:scrgbClr r="0" g="0" b="0"/>
+      </a:effectRef>
+      <a:fontRef idx="minor"/>
+    </dgm:style>
+  </dgm:styleLbl>
+  <dgm:styleLbl name="parChTrans1D4">
+    <dgm:scene3d>
+      <a:camera prst="orthographicFront"/>
+      <a:lightRig rig="threePt" dir="t"/>
+    </dgm:scene3d>
+    <dgm:sp3d/>
+    <dgm:txPr/>
+    <dgm:style>
+      <a:lnRef idx="1">
+        <a:scrgbClr r="0" g="0" b="0"/>
+      </a:lnRef>
+      <a:fillRef idx="0">
+        <a:scrgbClr r="0" g="0" b="0"/>
+      </a:fillRef>
+      <a:effectRef idx="0">
+        <a:scrgbClr r="0" g="0" b="0"/>
+      </a:effectRef>
+      <a:fontRef idx="minor"/>
+    </dgm:style>
+  </dgm:styleLbl>
+  <dgm:styleLbl name="fgAcc1">
+    <dgm:scene3d>
+      <a:camera prst="orthographicFront"/>
+      <a:lightRig rig="threePt" dir="t"/>
+    </dgm:scene3d>
+    <dgm:sp3d/>
+    <dgm:txPr/>
+    <dgm:style>
+      <a:lnRef idx="1">
+        <a:scrgbClr r="0" g="0" b="0"/>
+      </a:lnRef>
+      <a:fillRef idx="1">
+        <a:scrgbClr r="0" g="0" b="0"/>
+      </a:fillRef>
+      <a:effectRef idx="0">
+        <a:scrgbClr r="0" g="0" b="0"/>
+      </a:effectRef>
+      <a:fontRef idx="minor"/>
+    </dgm:style>
+  </dgm:styleLbl>
+  <dgm:styleLbl name="conFgAcc1">
+    <dgm:scene3d>
+      <a:camera prst="orthographicFront"/>
+      <a:lightRig rig="threePt" dir="t"/>
+    </dgm:scene3d>
+    <dgm:sp3d/>
+    <dgm:txPr/>
+    <dgm:style>
+      <a:lnRef idx="1">
+        <a:scrgbClr r="0" g="0" b="0"/>
+      </a:lnRef>
+      <a:fillRef idx="1">
+        <a:scrgbClr r="0" g="0" b="0"/>
+      </a:fillRef>
+      <a:effectRef idx="0">
+        <a:scrgbClr r="0" g="0" b="0"/>
+      </a:effectRef>
+      <a:fontRef idx="minor"/>
+    </dgm:style>
+  </dgm:styleLbl>
+  <dgm:styleLbl name="alignAcc1">
+    <dgm:scene3d>
+      <a:camera prst="orthographicFront"/>
+      <a:lightRig rig="threePt" dir="t"/>
+    </dgm:scene3d>
+    <dgm:sp3d/>
+    <dgm:txPr/>
+    <dgm:style>
+      <a:lnRef idx="1">
+        <a:scrgbClr r="0" g="0" b="0"/>
+      </a:lnRef>
+      <a:fillRef idx="1">
+        <a:scrgbClr r="0" g="0" b="0"/>
+      </a:fillRef>
+      <a:effectRef idx="0">
+        <a:scrgbClr r="0" g="0" b="0"/>
+      </a:effectRef>
+      <a:fontRef idx="minor"/>
+    </dgm:style>
+  </dgm:styleLbl>
+  <dgm:styleLbl name="trAlignAcc1">
+    <dgm:scene3d>
+      <a:camera prst="orthographicFront"/>
+      <a:lightRig rig="threePt" dir="t"/>
+    </dgm:scene3d>
+    <dgm:sp3d/>
+    <dgm:txPr/>
+    <dgm:style>
+      <a:lnRef idx="1">
+        <a:scrgbClr r="0" g="0" b="0"/>
+      </a:lnRef>
+      <a:fillRef idx="1">
+        <a:scrgbClr r="0" g="0" b="0"/>
+      </a:fillRef>
+      <a:effectRef idx="0">
+        <a:scrgbClr r="0" g="0" b="0"/>
+      </a:effectRef>
+      <a:fontRef idx="minor"/>
+    </dgm:style>
+  </dgm:styleLbl>
+  <dgm:styleLbl name="bgAcc1">
+    <dgm:scene3d>
+      <a:camera prst="orthographicFront"/>
+      <a:lightRig rig="threePt" dir="t"/>
+    </dgm:scene3d>
+    <dgm:sp3d/>
+    <dgm:txPr/>
+    <dgm:style>
+      <a:lnRef idx="1">
+        <a:scrgbClr r="0" g="0" b="0"/>
+      </a:lnRef>
+      <a:fillRef idx="1">
+        <a:scrgbClr r="0" g="0" b="0"/>
+      </a:fillRef>
+      <a:effectRef idx="0">
+        <a:scrgbClr r="0" g="0" b="0"/>
+      </a:effectRef>
+      <a:fontRef idx="minor"/>
+    </dgm:style>
+  </dgm:styleLbl>
+  <dgm:styleLbl name="solidFgAcc1">
+    <dgm:scene3d>
+      <a:camera prst="orthographicFront"/>
+      <a:lightRig rig="threePt" dir="t"/>
+    </dgm:scene3d>
+    <dgm:sp3d/>
+    <dgm:txPr/>
+    <dgm:style>
+      <a:lnRef idx="1">
+        <a:scrgbClr r="0" g="0" b="0"/>
+      </a:lnRef>
+      <a:fillRef idx="1">
+        <a:scrgbClr r="0" g="0" b="0"/>
+      </a:fillRef>
+      <a:effectRef idx="0">
+        <a:scrgbClr r="0" g="0" b="0"/>
+      </a:effectRef>
+      <a:fontRef idx="minor"/>
+    </dgm:style>
+  </dgm:styleLbl>
+  <dgm:styleLbl name="solidAlignAcc1">
+    <dgm:scene3d>
+      <a:camera prst="orthographicFront"/>
+      <a:lightRig rig="threePt" dir="t"/>
+    </dgm:scene3d>
+    <dgm:sp3d/>
+    <dgm:txPr/>
+    <dgm:style>
+      <a:lnRef idx="1">
+        <a:scrgbClr r="0" g="0" b="0"/>
+      </a:lnRef>
+      <a:fillRef idx="1">
+        <a:scrgbClr r="0" g="0" b="0"/>
+      </a:fillRef>
+      <a:effectRef idx="0">
+        <a:scrgbClr r="0" g="0" b="0"/>
+      </a:effectRef>
+      <a:fontRef idx="minor"/>
+    </dgm:style>
+  </dgm:styleLbl>
+  <dgm:styleLbl name="solidBgAcc1">
+    <dgm:scene3d>
+      <a:camera prst="orthographicFront"/>
+      <a:lightRig rig="threePt" dir="t"/>
+    </dgm:scene3d>
+    <dgm:sp3d/>
+    <dgm:txPr/>
+    <dgm:style>
+      <a:lnRef idx="1">
+        <a:scrgbClr r="0" g="0" b="0"/>
+      </a:lnRef>
+      <a:fillRef idx="1">
+        <a:scrgbClr r="0" g="0" b="0"/>
+      </a:fillRef>
+      <a:effectRef idx="0">
+        <a:scrgbClr r="0" g="0" b="0"/>
+      </a:effectRef>
+      <a:fontRef idx="minor"/>
+    </dgm:style>
+  </dgm:styleLbl>
+  <dgm:styleLbl name="fgAccFollowNode1">
+    <dgm:scene3d>
+      <a:camera prst="orthographicFront"/>
+      <a:lightRig rig="threePt" dir="t"/>
+    </dgm:scene3d>
+    <dgm:sp3d/>
+    <dgm:txPr/>
+    <dgm:style>
+      <a:lnRef idx="1">
+        <a:scrgbClr r="0" g="0" b="0"/>
+      </a:lnRef>
+      <a:fillRef idx="1">
+        <a:scrgbClr r="0" g="0" b="0"/>
+      </a:fillRef>
+      <a:effectRef idx="0">
+        <a:scrgbClr r="0" g="0" b="0"/>
+      </a:effectRef>
+      <a:fontRef idx="minor"/>
+    </dgm:style>
+  </dgm:styleLbl>
+  <dgm:styleLbl name="alignAccFollowNode1">
+    <dgm:scene3d>
+      <a:camera prst="orthographicFront"/>
+      <a:lightRig rig="threePt" dir="t"/>
+    </dgm:scene3d>
+    <dgm:sp3d/>
+    <dgm:txPr/>
+    <dgm:style>
+      <a:lnRef idx="1">
+        <a:scrgbClr r="0" g="0" b="0"/>
+      </a:lnRef>
+      <a:fillRef idx="1">
+        <a:scrgbClr r="0" g="0" b="0"/>
+      </a:fillRef>
+      <a:effectRef idx="0">
+        <a:scrgbClr r="0" g="0" b="0"/>
+      </a:effectRef>
+      <a:fontRef idx="minor"/>
+    </dgm:style>
+  </dgm:styleLbl>
+  <dgm:styleLbl name="bgAccFollowNode1">
+    <dgm:scene3d>
+      <a:camera prst="orthographicFront"/>
+      <a:lightRig rig="threePt" dir="t"/>
+    </dgm:scene3d>
+    <dgm:sp3d/>
+    <dgm:txPr/>
+    <dgm:style>
+      <a:lnRef idx="1">
+        <a:scrgbClr r="0" g="0" b="0"/>
+      </a:lnRef>
+      <a:fillRef idx="1">
+        <a:scrgbClr r="0" g="0" b="0"/>
+      </a:fillRef>
+      <a:effectRef idx="0">
+        <a:scrgbClr r="0" g="0" b="0"/>
+      </a:effectRef>
+      <a:fontRef idx="minor"/>
+    </dgm:style>
+  </dgm:styleLbl>
+  <dgm:styleLbl name="fgAcc0">
+    <dgm:scene3d>
+      <a:camera prst="orthographicFront"/>
+      <a:lightRig rig="threePt" dir="t"/>
+    </dgm:scene3d>
+    <dgm:sp3d/>
+    <dgm:txPr/>
+    <dgm:style>
+      <a:lnRef idx="1">
+        <a:scrgbClr r="0" g="0" b="0"/>
+      </a:lnRef>
+      <a:fillRef idx="1">
+        <a:scrgbClr r="0" g="0" b="0"/>
+      </a:fillRef>
+      <a:effectRef idx="0">
+        <a:scrgbClr r="0" g="0" b="0"/>
+      </a:effectRef>
+      <a:fontRef idx="minor"/>
+    </dgm:style>
+  </dgm:styleLbl>
+  <dgm:styleLbl name="fgAcc2">
+    <dgm:scene3d>
+      <a:camera prst="orthographicFront"/>
+      <a:lightRig rig="threePt" dir="t"/>
+    </dgm:scene3d>
+    <dgm:sp3d/>
+    <dgm:txPr/>
+    <dgm:style>
+      <a:lnRef idx="1">
+        <a:scrgbClr r="0" g="0" b="0"/>
+      </a:lnRef>
+      <a:fillRef idx="1">
+        <a:scrgbClr r="0" g="0" b="0"/>
+      </a:fillRef>
+      <a:effectRef idx="0">
+        <a:scrgbClr r="0" g="0" b="0"/>
+      </a:effectRef>
+      <a:fontRef idx="minor"/>
+    </dgm:style>
+  </dgm:styleLbl>
+  <dgm:styleLbl name="fgAcc3">
+    <dgm:scene3d>
+      <a:camera prst="orthographicFront"/>
+      <a:lightRig rig="threePt" dir="t"/>
+    </dgm:scene3d>
+    <dgm:sp3d/>
+    <dgm:txPr/>
+    <dgm:style>
+      <a:lnRef idx="1">
+        <a:scrgbClr r="0" g="0" b="0"/>
+      </a:lnRef>
+      <a:fillRef idx="1">
+        <a:scrgbClr r="0" g="0" b="0"/>
+      </a:fillRef>
+      <a:effectRef idx="0">
+        <a:scrgbClr r="0" g="0" b="0"/>
+      </a:effectRef>
+      <a:fontRef idx="minor"/>
+    </dgm:style>
+  </dgm:styleLbl>
+  <dgm:styleLbl name="fgAcc4">
+    <dgm:scene3d>
+      <a:camera prst="orthographicFront"/>
+      <a:lightRig rig="threePt" dir="t"/>
+    </dgm:scene3d>
+    <dgm:sp3d/>
+    <dgm:txPr/>
+    <dgm:style>
+      <a:lnRef idx="1">
+        <a:scrgbClr r="0" g="0" b="0"/>
+      </a:lnRef>
+      <a:fillRef idx="1">
+        <a:scrgbClr r="0" g="0" b="0"/>
+      </a:fillRef>
+      <a:effectRef idx="0">
+        <a:scrgbClr r="0" g="0" b="0"/>
+      </a:effectRef>
+      <a:fontRef idx="minor"/>
+    </dgm:style>
+  </dgm:styleLbl>
+  <dgm:styleLbl name="bgShp">
+    <dgm:scene3d>
+      <a:camera prst="orthographicFront"/>
+      <a:lightRig rig="threePt" dir="t"/>
+    </dgm:scene3d>
+    <dgm:sp3d/>
+    <dgm:txPr/>
+    <dgm:style>
+      <a:lnRef idx="0">
+        <a:scrgbClr r="0" g="0" b="0"/>
+      </a:lnRef>
+      <a:fillRef idx="1">
+        <a:scrgbClr r="0" g="0" b="0"/>
+      </a:fillRef>
+      <a:effectRef idx="2">
+        <a:scrgbClr r="0" g="0" b="0"/>
+      </a:effectRef>
+      <a:fontRef idx="minor"/>
+    </dgm:style>
+  </dgm:styleLbl>
+  <dgm:styleLbl name="dkBgShp">
+    <dgm:scene3d>
+      <a:camera prst="orthographicFront"/>
+      <a:lightRig rig="threePt" dir="t"/>
+    </dgm:scene3d>
+    <dgm:sp3d/>
+    <dgm:txPr/>
+    <dgm:style>
+      <a:lnRef idx="0">
+        <a:scrgbClr r="0" g="0" b="0"/>
+      </a:lnRef>
+      <a:fillRef idx="1">
+        <a:scrgbClr r="0" g="0" b="0"/>
+      </a:fillRef>
+      <a:effectRef idx="2">
+        <a:scrgbClr r="0" g="0" b="0"/>
+      </a:effectRef>
+      <a:fontRef idx="minor"/>
+    </dgm:style>
+  </dgm:styleLbl>
+  <dgm:styleLbl name="trBgShp">
+    <dgm:scene3d>
+      <a:camera prst="orthographicFront"/>
+      <a:lightRig rig="threePt" dir="t"/>
+    </dgm:scene3d>
+    <dgm:sp3d/>
+    <dgm:txPr/>
+    <dgm:style>
+      <a:lnRef idx="0">
+        <a:scrgbClr r="0" g="0" b="0"/>
+      </a:lnRef>
+      <a:fillRef idx="1">
+        <a:scrgbClr r="0" g="0" b="0"/>
+      </a:fillRef>
+      <a:effectRef idx="0">
+        <a:scrgbClr r="0" g="0" b="0"/>
+      </a:effectRef>
+      <a:fontRef idx="minor"/>
+    </dgm:style>
+  </dgm:styleLbl>
+  <dgm:styleLbl name="fgShp">
+    <dgm:scene3d>
+      <a:camera prst="orthographicFront"/>
+      <a:lightRig rig="threePt" dir="t"/>
+    </dgm:scene3d>
+    <dgm:sp3d/>
+    <dgm:txPr/>
+    <dgm:style>
+      <a:lnRef idx="0">
+        <a:scrgbClr r="0" g="0" b="0"/>
+      </a:lnRef>
+      <a:fillRef idx="3">
+        <a:scrgbClr r="0" g="0" b="0"/>
+      </a:fillRef>
+      <a:effectRef idx="2">
+        <a:scrgbClr r="0" g="0" b="0"/>
+      </a:effectRef>
+      <a:fontRef idx="minor"/>
+    </dgm:style>
+  </dgm:styleLbl>
+  <dgm:styleLbl name="revTx">
+    <dgm:scene3d>
+      <a:camera prst="orthographicFront"/>
+      <a:lightRig rig="threePt" dir="t"/>
+    </dgm:scene3d>
+    <dgm:sp3d/>
+    <dgm:txPr/>
+    <dgm:style>
+      <a:lnRef idx="0">
+        <a:scrgbClr r="0" g="0" b="0"/>
+      </a:lnRef>
+      <a:fillRef idx="0">
+        <a:scrgbClr r="0" g="0" b="0"/>
+      </a:fillRef>
+      <a:effectRef idx="0">
+        <a:scrgbClr r="0" g="0" b="0"/>
+      </a:effectRef>
+      <a:fontRef idx="minor"/>
+    </dgm:style>
+  </dgm:styleLbl>
+</dgm:styleDef>
 </file>
 
 <file path=ppt/notesMasters/notesMaster1.xml><?xml version="1.0" encoding="utf-8"?>
@@ -4358,7 +6776,7 @@
         </p:nvSpPr>
         <p:spPr>
           <a:xfrm>
-            <a:off x="-49213" y="-59192"/>
+            <a:off x="11112" y="-29688"/>
             <a:ext cx="30267275" cy="42794238"/>
           </a:xfrm>
           <a:prstGeom prst="rect">
@@ -4412,7 +6830,7 @@
         </p:nvSpPr>
         <p:spPr bwMode="auto">
           <a:xfrm>
-            <a:off x="1270000" y="7550150"/>
+            <a:off x="1270000" y="4611008"/>
             <a:ext cx="13495338" cy="9857317"/>
           </a:xfrm>
           <a:prstGeom prst="rect">
@@ -4775,8 +7193,8 @@
         </p:nvSpPr>
         <p:spPr bwMode="auto">
           <a:xfrm>
-            <a:off x="15768637" y="7550150"/>
-            <a:ext cx="13425488" cy="9555955"/>
+            <a:off x="15768637" y="4611008"/>
+            <a:ext cx="13425488" cy="9857317"/>
           </a:xfrm>
           <a:prstGeom prst="rect">
             <a:avLst/>
@@ -5109,8 +7527,8 @@
         </p:nvSpPr>
         <p:spPr bwMode="auto">
           <a:xfrm>
-            <a:off x="15894050" y="39353067"/>
-            <a:ext cx="13174663" cy="2538609"/>
+            <a:off x="15894050" y="38239701"/>
+            <a:ext cx="13174663" cy="3651976"/>
           </a:xfrm>
           <a:prstGeom prst="rect">
             <a:avLst/>
@@ -5322,8 +7740,8 @@
         </p:nvSpPr>
         <p:spPr bwMode="auto">
           <a:xfrm>
-            <a:off x="1270000" y="17811329"/>
-            <a:ext cx="13474701" cy="17399908"/>
+            <a:off x="1270000" y="15002823"/>
+            <a:ext cx="13474701" cy="21506936"/>
           </a:xfrm>
           <a:prstGeom prst="rect">
             <a:avLst/>
@@ -5749,8 +8167,8 @@
         </p:nvSpPr>
         <p:spPr bwMode="auto">
           <a:xfrm>
-            <a:off x="1031875" y="2570163"/>
-            <a:ext cx="28194000" cy="2147887"/>
+            <a:off x="1031875" y="1882240"/>
+            <a:ext cx="28194000" cy="2086826"/>
           </a:xfrm>
           <a:prstGeom prst="rect">
             <a:avLst/>
@@ -5926,59 +8344,59 @@
               <a:buNone/>
             </a:pPr>
             <a:r>
-              <a:rPr lang="nl-NL" altLang="nl-NL" sz="5400" dirty="0" err="1" smtClean="0">
+              <a:rPr lang="nl-NL" altLang="nl-NL" sz="5200" dirty="0" err="1" smtClean="0">
                 <a:latin typeface="Calibri" charset="0"/>
               </a:rPr>
               <a:t>Dekempeneer</a:t>
             </a:r>
             <a:r>
-              <a:rPr lang="nl-NL" altLang="nl-NL" sz="5400" dirty="0" smtClean="0">
+              <a:rPr lang="nl-NL" altLang="nl-NL" sz="5200" dirty="0" smtClean="0">
                 <a:latin typeface="Calibri" charset="0"/>
               </a:rPr>
               <a:t> Mathias, </a:t>
             </a:r>
             <a:r>
-              <a:rPr lang="nl-NL" altLang="nl-NL" sz="5400" dirty="0" err="1" smtClean="0">
+              <a:rPr lang="nl-NL" altLang="nl-NL" sz="5200" dirty="0" err="1" smtClean="0">
                 <a:latin typeface="Calibri" charset="0"/>
               </a:rPr>
               <a:t>Derkinderen</a:t>
             </a:r>
             <a:r>
-              <a:rPr lang="nl-NL" altLang="nl-NL" sz="5400" dirty="0" smtClean="0">
+              <a:rPr lang="nl-NL" altLang="nl-NL" sz="5200" dirty="0" smtClean="0">
                 <a:latin typeface="Calibri" charset="0"/>
               </a:rPr>
               <a:t> Vincent</a:t>
             </a:r>
             <a:br>
-              <a:rPr lang="nl-NL" altLang="nl-NL" sz="5400" dirty="0" smtClean="0">
+              <a:rPr lang="nl-NL" altLang="nl-NL" sz="5200" dirty="0" smtClean="0">
                 <a:latin typeface="Calibri" charset="0"/>
               </a:rPr>
             </a:br>
             <a:r>
-              <a:rPr lang="nl-NL" altLang="nl-NL" sz="5400" dirty="0" smtClean="0">
+              <a:rPr lang="nl-NL" altLang="nl-NL" sz="5200" dirty="0" smtClean="0">
                 <a:latin typeface="Calibri" charset="0"/>
               </a:rPr>
               <a:t>{</a:t>
             </a:r>
             <a:r>
-              <a:rPr lang="nl-NL" altLang="nl-NL" sz="5400" dirty="0" err="1" smtClean="0">
+              <a:rPr lang="nl-NL" altLang="nl-NL" sz="5200" dirty="0" err="1" smtClean="0">
                 <a:latin typeface="Calibri" charset="0"/>
               </a:rPr>
               <a:t>voornaam.achternaam</a:t>
             </a:r>
             <a:r>
-              <a:rPr lang="nl-NL" altLang="nl-NL" sz="5400" dirty="0" smtClean="0">
+              <a:rPr lang="nl-NL" altLang="nl-NL" sz="5200" dirty="0" smtClean="0">
                 <a:latin typeface="Calibri" charset="0"/>
               </a:rPr>
               <a:t>}@</a:t>
             </a:r>
             <a:r>
-              <a:rPr lang="nl-NL" altLang="nl-NL" sz="5400" dirty="0" err="1" smtClean="0">
+              <a:rPr lang="nl-NL" altLang="nl-NL" sz="5200" dirty="0" err="1" smtClean="0">
                 <a:latin typeface="Calibri" charset="0"/>
               </a:rPr>
               <a:t>student.kuleuven.be</a:t>
             </a:r>
-            <a:endParaRPr lang="nl-NL" altLang="nl-NL" sz="5400" dirty="0">
+            <a:endParaRPr lang="nl-NL" altLang="nl-NL" sz="5200" dirty="0">
               <a:latin typeface="Calibri" charset="0"/>
             </a:endParaRPr>
           </a:p>
@@ -6286,8 +8704,8 @@
         </p:nvSpPr>
         <p:spPr bwMode="auto">
           <a:xfrm>
-            <a:off x="15894050" y="29494163"/>
-            <a:ext cx="13174663" cy="4586287"/>
+            <a:off x="15894050" y="26725174"/>
+            <a:ext cx="13174663" cy="9778961"/>
           </a:xfrm>
           <a:prstGeom prst="rect">
             <a:avLst/>
@@ -6446,22 +8864,15 @@
               <a:buNone/>
             </a:pPr>
             <a:r>
-              <a:rPr lang="nl-NL" altLang="nl-NL" sz="3900" b="1" dirty="0" err="1" smtClean="0">
+              <a:rPr lang="nl-NL" altLang="nl-NL" sz="4800" b="1" dirty="0" smtClean="0">
                 <a:solidFill>
                   <a:srgbClr val="000000"/>
                 </a:solidFill>
-                <a:latin typeface="Calibri" charset="0"/>
+                <a:latin typeface="Avenir Next" charset="0"/>
+                <a:ea typeface="Avenir Next" charset="0"/>
+                <a:cs typeface="Avenir Next" charset="0"/>
               </a:rPr>
-              <a:t>Further</a:t>
-            </a:r>
-            <a:r>
-              <a:rPr lang="nl-NL" altLang="nl-NL" sz="3900" b="1" dirty="0" smtClean="0">
-                <a:solidFill>
-                  <a:srgbClr val="000000"/>
-                </a:solidFill>
-                <a:latin typeface="Calibri" charset="0"/>
-              </a:rPr>
-              <a:t> information</a:t>
+              <a:t>Conclusie</a:t>
             </a:r>
           </a:p>
           <a:p>
@@ -6473,270 +8884,18 @@
               <a:buNone/>
             </a:pPr>
             <a:r>
-              <a:rPr lang="nl-NL" altLang="nl-NL" sz="2500" b="1" dirty="0" smtClean="0"/>
-              <a:t>© </a:t>
-            </a:r>
-            <a:r>
-              <a:rPr lang="nl-NL" altLang="nl-NL" sz="2500" dirty="0" smtClean="0"/>
-              <a:t>Copyright Colin </a:t>
-            </a:r>
-            <a:r>
-              <a:rPr lang="nl-NL" altLang="nl-NL" sz="2500" dirty="0" err="1" smtClean="0"/>
-              <a:t>Purrington</a:t>
-            </a:r>
-            <a:r>
-              <a:rPr lang="nl-NL" altLang="nl-NL" sz="2500" dirty="0" smtClean="0"/>
-              <a:t>. </a:t>
-            </a:r>
-            <a:r>
-              <a:rPr lang="nl-NL" altLang="nl-NL" sz="2500" dirty="0" err="1" smtClean="0"/>
-              <a:t>You</a:t>
-            </a:r>
-            <a:r>
-              <a:rPr lang="nl-NL" altLang="nl-NL" sz="2500" dirty="0" smtClean="0"/>
-              <a:t> </a:t>
-            </a:r>
-            <a:r>
-              <a:rPr lang="nl-NL" altLang="nl-NL" sz="2500" dirty="0" err="1" smtClean="0"/>
-              <a:t>may</a:t>
-            </a:r>
-            <a:r>
-              <a:rPr lang="nl-NL" altLang="nl-NL" sz="2500" dirty="0" smtClean="0"/>
-              <a:t> </a:t>
-            </a:r>
-            <a:r>
-              <a:rPr lang="nl-NL" altLang="nl-NL" sz="2500" dirty="0" err="1" smtClean="0"/>
-              <a:t>use</a:t>
-            </a:r>
-            <a:r>
-              <a:rPr lang="nl-NL" altLang="nl-NL" sz="2500" dirty="0" smtClean="0"/>
-              <a:t> </a:t>
-            </a:r>
-            <a:r>
-              <a:rPr lang="nl-NL" altLang="nl-NL" sz="2500" dirty="0" err="1" smtClean="0"/>
-              <a:t>for</a:t>
-            </a:r>
-            <a:r>
-              <a:rPr lang="nl-NL" altLang="nl-NL" sz="2500" dirty="0" smtClean="0"/>
-              <a:t> making </a:t>
-            </a:r>
-            <a:r>
-              <a:rPr lang="nl-NL" altLang="nl-NL" sz="2500" dirty="0" err="1" smtClean="0"/>
-              <a:t>your</a:t>
-            </a:r>
-            <a:r>
-              <a:rPr lang="nl-NL" altLang="nl-NL" sz="2500" dirty="0" smtClean="0"/>
-              <a:t> poster, of course, but </a:t>
-            </a:r>
-            <a:r>
-              <a:rPr lang="nl-NL" altLang="nl-NL" sz="2500" dirty="0" err="1" smtClean="0"/>
-              <a:t>please</a:t>
-            </a:r>
-            <a:r>
-              <a:rPr lang="nl-NL" altLang="nl-NL" sz="2500" dirty="0" smtClean="0"/>
-              <a:t> do </a:t>
-            </a:r>
-            <a:r>
-              <a:rPr lang="nl-NL" altLang="nl-NL" sz="2500" dirty="0" err="1" smtClean="0"/>
-              <a:t>not</a:t>
-            </a:r>
-            <a:r>
-              <a:rPr lang="nl-NL" altLang="nl-NL" sz="2500" dirty="0" smtClean="0"/>
-              <a:t> </a:t>
-            </a:r>
-            <a:r>
-              <a:rPr lang="nl-NL" altLang="nl-NL" sz="2500" dirty="0" err="1" smtClean="0"/>
-              <a:t>repost</a:t>
-            </a:r>
-            <a:r>
-              <a:rPr lang="nl-NL" altLang="nl-NL" sz="2500" dirty="0" smtClean="0"/>
-              <a:t> </a:t>
-            </a:r>
-            <a:r>
-              <a:rPr lang="nl-NL" altLang="nl-NL" sz="2500" dirty="0" err="1" smtClean="0"/>
-              <a:t>the</a:t>
-            </a:r>
-            <a:r>
-              <a:rPr lang="nl-NL" altLang="nl-NL" sz="2500" dirty="0" smtClean="0"/>
-              <a:t> template on </a:t>
-            </a:r>
-            <a:r>
-              <a:rPr lang="nl-NL" altLang="nl-NL" sz="2500" dirty="0" err="1" smtClean="0"/>
-              <a:t>your</a:t>
-            </a:r>
-            <a:r>
-              <a:rPr lang="nl-NL" altLang="nl-NL" sz="2500" dirty="0" smtClean="0"/>
-              <a:t> </a:t>
-            </a:r>
-            <a:r>
-              <a:rPr lang="nl-NL" altLang="nl-NL" sz="2500" dirty="0" err="1" smtClean="0"/>
-              <a:t>own</a:t>
-            </a:r>
-            <a:r>
-              <a:rPr lang="nl-NL" altLang="nl-NL" sz="2500" dirty="0" smtClean="0"/>
-              <a:t> site or upload </a:t>
-            </a:r>
-            <a:r>
-              <a:rPr lang="nl-NL" altLang="nl-NL" sz="2500" dirty="0" err="1" smtClean="0"/>
-              <a:t>to</a:t>
-            </a:r>
-            <a:r>
-              <a:rPr lang="nl-NL" altLang="nl-NL" sz="2500" dirty="0" smtClean="0"/>
-              <a:t> file-</a:t>
-            </a:r>
-            <a:r>
-              <a:rPr lang="nl-NL" altLang="nl-NL" sz="2500" dirty="0" err="1" smtClean="0"/>
-              <a:t>sharing</a:t>
-            </a:r>
-            <a:r>
-              <a:rPr lang="nl-NL" altLang="nl-NL" sz="2500" dirty="0" smtClean="0"/>
-              <a:t> sites </a:t>
-            </a:r>
-            <a:r>
-              <a:rPr lang="nl-NL" altLang="nl-NL" sz="2500" dirty="0" err="1" smtClean="0"/>
-              <a:t>such</a:t>
-            </a:r>
-            <a:r>
-              <a:rPr lang="nl-NL" altLang="nl-NL" sz="2500" dirty="0" smtClean="0"/>
-              <a:t> as </a:t>
-            </a:r>
-            <a:r>
-              <a:rPr lang="nl-NL" altLang="nl-NL" sz="2500" dirty="0" err="1" smtClean="0"/>
-              <a:t>doctoc.com</a:t>
-            </a:r>
-            <a:r>
-              <a:rPr lang="nl-NL" altLang="nl-NL" sz="2500" dirty="0" smtClean="0"/>
-              <a:t>. </a:t>
-            </a:r>
-            <a:r>
-              <a:rPr lang="nl-NL" altLang="nl-NL" sz="2500" dirty="0" err="1" smtClean="0"/>
-              <a:t>This</a:t>
-            </a:r>
-            <a:r>
-              <a:rPr lang="nl-NL" altLang="nl-NL" sz="2500" dirty="0" smtClean="0"/>
-              <a:t> </a:t>
-            </a:r>
-            <a:r>
-              <a:rPr lang="nl-NL" altLang="nl-NL" sz="2500" dirty="0" err="1" smtClean="0"/>
-              <a:t>verbiage</a:t>
-            </a:r>
-            <a:r>
-              <a:rPr lang="nl-NL" altLang="nl-NL" sz="2500" dirty="0" smtClean="0"/>
-              <a:t> sounds </a:t>
-            </a:r>
-            <a:r>
-              <a:rPr lang="nl-NL" altLang="nl-NL" sz="2500" dirty="0" err="1" smtClean="0"/>
-              <a:t>mean-spirited</a:t>
-            </a:r>
-            <a:r>
-              <a:rPr lang="nl-NL" altLang="nl-NL" sz="2500" dirty="0" smtClean="0"/>
-              <a:t>, </a:t>
-            </a:r>
-            <a:r>
-              <a:rPr lang="nl-NL" altLang="nl-NL" sz="2500" dirty="0" err="1" smtClean="0"/>
-              <a:t>perhaps</a:t>
-            </a:r>
-            <a:r>
-              <a:rPr lang="nl-NL" altLang="nl-NL" sz="2500" dirty="0" smtClean="0"/>
-              <a:t>, but </a:t>
-            </a:r>
-            <a:r>
-              <a:rPr lang="nl-NL" altLang="nl-NL" sz="2500" dirty="0" err="1" smtClean="0"/>
-              <a:t>I</a:t>
-            </a:r>
-            <a:r>
-              <a:rPr lang="nl-NL" altLang="en-US" sz="2500" dirty="0" err="1" smtClean="0"/>
-              <a:t>’</a:t>
-            </a:r>
-            <a:r>
-              <a:rPr lang="nl-NL" altLang="nl-NL" sz="2500" dirty="0" err="1" smtClean="0"/>
-              <a:t>ve</a:t>
-            </a:r>
-            <a:r>
-              <a:rPr lang="nl-NL" altLang="nl-NL" sz="2500" dirty="0" smtClean="0"/>
-              <a:t> had </a:t>
-            </a:r>
-            <a:r>
-              <a:rPr lang="nl-NL" altLang="nl-NL" sz="2500" dirty="0" err="1" smtClean="0"/>
-              <a:t>people</a:t>
-            </a:r>
-            <a:r>
-              <a:rPr lang="nl-NL" altLang="nl-NL" sz="2500" dirty="0" smtClean="0"/>
-              <a:t> </a:t>
-            </a:r>
-            <a:r>
-              <a:rPr lang="nl-NL" altLang="nl-NL" sz="2500" dirty="0" err="1" smtClean="0"/>
-              <a:t>siphon</a:t>
-            </a:r>
-            <a:r>
-              <a:rPr lang="nl-NL" altLang="nl-NL" sz="2500" dirty="0" smtClean="0"/>
-              <a:t> off </a:t>
-            </a:r>
-            <a:r>
-              <a:rPr lang="nl-NL" altLang="nl-NL" sz="2500" dirty="0" err="1" smtClean="0"/>
-              <a:t>my</a:t>
-            </a:r>
-            <a:r>
-              <a:rPr lang="nl-NL" altLang="nl-NL" sz="2500" dirty="0" smtClean="0"/>
-              <a:t> </a:t>
-            </a:r>
-            <a:r>
-              <a:rPr lang="nl-NL" altLang="nl-NL" sz="2500" dirty="0" err="1" smtClean="0"/>
-              <a:t>whole</a:t>
-            </a:r>
-            <a:r>
-              <a:rPr lang="nl-NL" altLang="nl-NL" sz="2500" dirty="0" smtClean="0"/>
-              <a:t> site </a:t>
-            </a:r>
-            <a:r>
-              <a:rPr lang="nl-NL" altLang="nl-NL" sz="2500" dirty="0" err="1" smtClean="0"/>
-              <a:t>and</a:t>
-            </a:r>
-            <a:r>
-              <a:rPr lang="nl-NL" altLang="nl-NL" sz="2500" dirty="0" smtClean="0"/>
-              <a:t> </a:t>
-            </a:r>
-            <a:r>
-              <a:rPr lang="nl-NL" altLang="nl-NL" sz="2500" dirty="0" err="1" smtClean="0"/>
-              <a:t>then</a:t>
-            </a:r>
-            <a:r>
-              <a:rPr lang="nl-NL" altLang="nl-NL" sz="2500" dirty="0" smtClean="0"/>
-              <a:t> claim </a:t>
-            </a:r>
-            <a:r>
-              <a:rPr lang="nl-NL" altLang="nl-NL" sz="2500" dirty="0" err="1" smtClean="0"/>
-              <a:t>my</a:t>
-            </a:r>
-            <a:r>
-              <a:rPr lang="nl-NL" altLang="nl-NL" sz="2500" dirty="0" smtClean="0"/>
-              <a:t> content was public domain </a:t>
-            </a:r>
-            <a:r>
-              <a:rPr lang="nl-NL" altLang="nl-NL" sz="2500" dirty="0" err="1" smtClean="0"/>
-              <a:t>because</a:t>
-            </a:r>
-            <a:r>
-              <a:rPr lang="nl-NL" altLang="nl-NL" sz="2500" dirty="0" smtClean="0"/>
-              <a:t> </a:t>
-            </a:r>
-            <a:r>
-              <a:rPr lang="nl-NL" altLang="nl-NL" sz="2500" dirty="0" err="1" smtClean="0"/>
-              <a:t>they</a:t>
-            </a:r>
-            <a:r>
-              <a:rPr lang="nl-NL" altLang="nl-NL" sz="2500" dirty="0" smtClean="0"/>
-              <a:t> found </a:t>
-            </a:r>
-            <a:r>
-              <a:rPr lang="nl-NL" altLang="nl-NL" sz="2500" dirty="0" err="1" smtClean="0"/>
-              <a:t>it</a:t>
-            </a:r>
-            <a:r>
-              <a:rPr lang="nl-NL" altLang="nl-NL" sz="2500" dirty="0" smtClean="0"/>
-              <a:t> via Google. </a:t>
-            </a:r>
-            <a:endParaRPr lang="nl-NL" altLang="nl-NL" sz="2500" dirty="0"/>
+              <a:rPr lang="nl-NL" altLang="nl-NL" sz="3600" dirty="0" smtClean="0">
+                <a:latin typeface="Avenir Next" charset="0"/>
+                <a:ea typeface="Avenir Next" charset="0"/>
+                <a:cs typeface="Avenir Next" charset="0"/>
+              </a:rPr>
+              <a:t>Blablabla</a:t>
+            </a:r>
+            <a:endParaRPr lang="nl-NL" altLang="nl-NL" sz="3600" dirty="0">
+              <a:latin typeface="Avenir Next" charset="0"/>
+              <a:ea typeface="Avenir Next" charset="0"/>
+              <a:cs typeface="Avenir Next" charset="0"/>
+            </a:endParaRPr>
           </a:p>
         </p:txBody>
       </p:sp>
@@ -6750,8 +8909,8 @@
         </p:nvSpPr>
         <p:spPr bwMode="auto">
           <a:xfrm>
-            <a:off x="530225" y="1290638"/>
-            <a:ext cx="29229050" cy="1865312"/>
+            <a:off x="530225" y="737274"/>
+            <a:ext cx="29229050" cy="1404503"/>
           </a:xfrm>
           <a:prstGeom prst="rect">
             <a:avLst/>
@@ -6788,7 +8947,7 @@
           <a:p>
             <a:pPr algn="ctr" eaLnBrk="1" hangingPunct="1"/>
             <a:r>
-              <a:rPr lang="nl-NL" altLang="nl-NL" sz="11600" dirty="0" err="1" smtClean="0">
+              <a:rPr lang="nl-NL" altLang="nl-NL" sz="8600" dirty="0" err="1" smtClean="0">
                 <a:latin typeface="Avenir Next" charset="0"/>
                 <a:ea typeface="Avenir Next" charset="0"/>
                 <a:cs typeface="Avenir Next" charset="0"/>
@@ -6796,7 +8955,7 @@
               <a:t>Optimal</a:t>
             </a:r>
             <a:r>
-              <a:rPr lang="nl-NL" altLang="nl-NL" sz="11600" dirty="0" smtClean="0">
+              <a:rPr lang="nl-NL" altLang="nl-NL" sz="8600" dirty="0" smtClean="0">
                 <a:latin typeface="Avenir Next" charset="0"/>
                 <a:ea typeface="Avenir Next" charset="0"/>
                 <a:cs typeface="Avenir Next" charset="0"/>
@@ -6804,7 +8963,7 @@
               <a:t> </a:t>
             </a:r>
             <a:r>
-              <a:rPr lang="nl-NL" altLang="nl-NL" sz="11600" dirty="0" err="1" smtClean="0">
+              <a:rPr lang="nl-NL" altLang="nl-NL" sz="8600" dirty="0" err="1" smtClean="0">
                 <a:latin typeface="Avenir Next" charset="0"/>
                 <a:ea typeface="Avenir Next" charset="0"/>
                 <a:cs typeface="Avenir Next" charset="0"/>
@@ -6812,7 +8971,7 @@
               <a:t>Size</a:t>
             </a:r>
             <a:r>
-              <a:rPr lang="nl-NL" altLang="nl-NL" sz="11600" dirty="0" smtClean="0">
+              <a:rPr lang="nl-NL" altLang="nl-NL" sz="8600" dirty="0" smtClean="0">
                 <a:latin typeface="Avenir Next" charset="0"/>
                 <a:ea typeface="Avenir Next" charset="0"/>
                 <a:cs typeface="Avenir Next" charset="0"/>
@@ -6820,7 +8979,7 @@
               <a:t> </a:t>
             </a:r>
             <a:r>
-              <a:rPr lang="nl-NL" altLang="nl-NL" sz="11600" dirty="0" err="1" smtClean="0">
+              <a:rPr lang="nl-NL" altLang="nl-NL" sz="8600" dirty="0" err="1" smtClean="0">
                 <a:latin typeface="Avenir Next" charset="0"/>
                 <a:ea typeface="Avenir Next" charset="0"/>
                 <a:cs typeface="Avenir Next" charset="0"/>
@@ -6828,14 +8987,14 @@
               <a:t>Sorting</a:t>
             </a:r>
             <a:r>
-              <a:rPr lang="nl-NL" altLang="nl-NL" sz="11600" dirty="0" smtClean="0">
+              <a:rPr lang="nl-NL" altLang="nl-NL" sz="8600" dirty="0" smtClean="0">
                 <a:latin typeface="Avenir Next" charset="0"/>
                 <a:ea typeface="Avenir Next" charset="0"/>
                 <a:cs typeface="Avenir Next" charset="0"/>
               </a:rPr>
               <a:t> Network</a:t>
             </a:r>
-            <a:endParaRPr lang="nl-NL" altLang="nl-NL" sz="11600" dirty="0">
+            <a:endParaRPr lang="nl-NL" altLang="nl-NL" sz="8600" dirty="0">
               <a:latin typeface="Avenir Next" charset="0"/>
               <a:ea typeface="Avenir Next" charset="0"/>
               <a:cs typeface="Avenir Next" charset="0"/>
@@ -6851,7 +9010,7 @@
         </p:nvSpPr>
         <p:spPr>
           <a:xfrm>
-            <a:off x="3917950" y="35319609"/>
+            <a:off x="3917950" y="37377009"/>
             <a:ext cx="317500" cy="288925"/>
           </a:xfrm>
           <a:prstGeom prst="ellipse">
@@ -6904,7 +9063,7 @@
         </p:nvSpPr>
         <p:spPr>
           <a:xfrm>
-            <a:off x="6708775" y="35319609"/>
+            <a:off x="6708775" y="37377009"/>
             <a:ext cx="317500" cy="288925"/>
           </a:xfrm>
           <a:prstGeom prst="ellipse">
@@ -6957,7 +9116,7 @@
         </p:nvSpPr>
         <p:spPr>
           <a:xfrm>
-            <a:off x="9501188" y="35319609"/>
+            <a:off x="9501188" y="37377009"/>
             <a:ext cx="317500" cy="288925"/>
           </a:xfrm>
           <a:prstGeom prst="ellipse">
@@ -7010,7 +9169,7 @@
         </p:nvSpPr>
         <p:spPr>
           <a:xfrm>
-            <a:off x="12293600" y="35319609"/>
+            <a:off x="12293600" y="37377009"/>
             <a:ext cx="317500" cy="288925"/>
           </a:xfrm>
           <a:prstGeom prst="ellipse">
@@ -7063,7 +9222,7 @@
         </p:nvSpPr>
         <p:spPr>
           <a:xfrm>
-            <a:off x="15084425" y="35319609"/>
+            <a:off x="15084425" y="37377009"/>
             <a:ext cx="317500" cy="288925"/>
           </a:xfrm>
           <a:prstGeom prst="ellipse">
@@ -7116,7 +9275,7 @@
         </p:nvSpPr>
         <p:spPr>
           <a:xfrm>
-            <a:off x="17876838" y="35319609"/>
+            <a:off x="17876838" y="37377009"/>
             <a:ext cx="317500" cy="288925"/>
           </a:xfrm>
           <a:prstGeom prst="ellipse">
@@ -7169,7 +9328,7 @@
         </p:nvSpPr>
         <p:spPr>
           <a:xfrm>
-            <a:off x="20667663" y="35319609"/>
+            <a:off x="20667663" y="37377009"/>
             <a:ext cx="317500" cy="288925"/>
           </a:xfrm>
           <a:prstGeom prst="ellipse">
@@ -7222,7 +9381,7 @@
         </p:nvSpPr>
         <p:spPr>
           <a:xfrm>
-            <a:off x="23460075" y="35319609"/>
+            <a:off x="23460075" y="37377009"/>
             <a:ext cx="317500" cy="288925"/>
           </a:xfrm>
           <a:prstGeom prst="ellipse">
@@ -7275,7 +9434,7 @@
         </p:nvSpPr>
         <p:spPr>
           <a:xfrm>
-            <a:off x="26250900" y="35319609"/>
+            <a:off x="26250900" y="37377009"/>
             <a:ext cx="317500" cy="288925"/>
           </a:xfrm>
           <a:prstGeom prst="ellipse">
@@ -7382,7 +9541,7 @@
         </p:nvCxnSpPr>
         <p:spPr>
           <a:xfrm>
-            <a:off x="0" y="4718050"/>
+            <a:off x="0" y="4130224"/>
             <a:ext cx="30267275" cy="0"/>
           </a:xfrm>
           <a:prstGeom prst="line">
@@ -7406,7 +9565,7 @@
       </p:cxnSp>
       <p:pic>
         <p:nvPicPr>
-          <p:cNvPr id="12" name="Afbeelding 11"/>
+          <p:cNvPr id="14" name="Afbeelding 13"/>
           <p:cNvPicPr>
             <a:picLocks noChangeAspect="1"/>
           </p:cNvPicPr>
@@ -7426,94 +9585,17 @@
         </p:blipFill>
         <p:spPr>
           <a:xfrm>
-            <a:off x="16496572" y="22829586"/>
-            <a:ext cx="5480596" cy="3600000"/>
+            <a:off x="16665163" y="7321111"/>
+            <a:ext cx="4320000" cy="1936552"/>
           </a:xfrm>
           <a:prstGeom prst="rect">
             <a:avLst/>
           </a:prstGeom>
         </p:spPr>
       </p:pic>
-      <p:cxnSp>
-        <p:nvCxnSpPr>
-          <p:cNvPr id="5" name="Rechte verbindingslijn met pijl 4"/>
-          <p:cNvCxnSpPr>
-            <a:cxnSpLocks/>
-          </p:cNvCxnSpPr>
-          <p:nvPr/>
-        </p:nvCxnSpPr>
-        <p:spPr>
-          <a:xfrm flipV="1">
-            <a:off x="17696838" y="24712245"/>
-            <a:ext cx="360000" cy="1080000"/>
-          </a:xfrm>
-          <a:prstGeom prst="straightConnector1">
-            <a:avLst/>
-          </a:prstGeom>
-          <a:ln w="127000" cap="flat" cmpd="sng">
-            <a:solidFill>
-              <a:srgbClr val="0000FF"/>
-            </a:solidFill>
-            <a:tailEnd type="triangle"/>
-          </a:ln>
-        </p:spPr>
-        <p:style>
-          <a:lnRef idx="3">
-            <a:schemeClr val="accent6"/>
-          </a:lnRef>
-          <a:fillRef idx="0">
-            <a:schemeClr val="accent6"/>
-          </a:fillRef>
-          <a:effectRef idx="2">
-            <a:schemeClr val="accent6"/>
-          </a:effectRef>
-          <a:fontRef idx="minor">
-            <a:schemeClr val="tx1"/>
-          </a:fontRef>
-        </p:style>
-      </p:cxnSp>
-      <p:cxnSp>
-        <p:nvCxnSpPr>
-          <p:cNvPr id="25" name="Rechte verbindingslijn met pijl 24"/>
-          <p:cNvCxnSpPr>
-            <a:cxnSpLocks/>
-          </p:cNvCxnSpPr>
-          <p:nvPr/>
-        </p:nvCxnSpPr>
-        <p:spPr>
-          <a:xfrm flipV="1">
-            <a:off x="19077104" y="24823153"/>
-            <a:ext cx="360000" cy="1080000"/>
-          </a:xfrm>
-          <a:prstGeom prst="straightConnector1">
-            <a:avLst/>
-          </a:prstGeom>
-          <a:ln w="127000" cap="flat" cmpd="sng">
-            <a:solidFill>
-              <a:srgbClr val="0000FF"/>
-            </a:solidFill>
-            <a:headEnd type="triangle"/>
-            <a:tailEnd type="none"/>
-          </a:ln>
-        </p:spPr>
-        <p:style>
-          <a:lnRef idx="3">
-            <a:schemeClr val="accent6"/>
-          </a:lnRef>
-          <a:fillRef idx="0">
-            <a:schemeClr val="accent6"/>
-          </a:fillRef>
-          <a:effectRef idx="2">
-            <a:schemeClr val="accent6"/>
-          </a:effectRef>
-          <a:fontRef idx="minor">
-            <a:schemeClr val="tx1"/>
-          </a:fontRef>
-        </p:style>
-      </p:cxnSp>
       <p:pic>
         <p:nvPicPr>
-          <p:cNvPr id="14" name="Afbeelding 13"/>
+          <p:cNvPr id="15" name="Afbeelding 14"/>
           <p:cNvPicPr>
             <a:picLocks noChangeAspect="1"/>
           </p:cNvPicPr>
@@ -7533,8 +9615,8 @@
         </p:blipFill>
         <p:spPr>
           <a:xfrm>
-            <a:off x="22737048" y="20906954"/>
-            <a:ext cx="6905625" cy="3095625"/>
+            <a:off x="22737048" y="7421499"/>
+            <a:ext cx="4320000" cy="1936547"/>
           </a:xfrm>
           <a:prstGeom prst="rect">
             <a:avLst/>
@@ -7543,7 +9625,7 @@
       </p:pic>
       <p:pic>
         <p:nvPicPr>
-          <p:cNvPr id="15" name="Afbeelding 14"/>
+          <p:cNvPr id="26" name="Afbeelding 25"/>
           <p:cNvPicPr>
             <a:picLocks noChangeAspect="1"/>
           </p:cNvPicPr>
@@ -7563,14 +9645,112 @@
         </p:blipFill>
         <p:spPr>
           <a:xfrm>
-            <a:off x="15831423" y="17811329"/>
-            <a:ext cx="6905625" cy="3095625"/>
+            <a:off x="18288001" y="9734798"/>
+            <a:ext cx="7200000" cy="3443050"/>
           </a:xfrm>
           <a:prstGeom prst="rect">
             <a:avLst/>
           </a:prstGeom>
         </p:spPr>
       </p:pic>
+      <p:graphicFrame>
+        <p:nvGraphicFramePr>
+          <p:cNvPr id="27" name="Diagram 26"/>
+          <p:cNvGraphicFramePr/>
+          <p:nvPr>
+            <p:extLst>
+              <p:ext uri="{D42A27DB-BD31-4B8C-83A1-F6EECF244321}">
+                <p14:modId xmlns:p14="http://schemas.microsoft.com/office/powerpoint/2010/main" val="1244037782"/>
+              </p:ext>
+            </p:extLst>
+          </p:nvPr>
+        </p:nvGraphicFramePr>
+        <p:xfrm>
+          <a:off x="15806058" y="14017915"/>
+          <a:ext cx="13662100" cy="13069384"/>
+        </p:xfrm>
+        <a:graphic>
+          <a:graphicData uri="http://schemas.openxmlformats.org/drawingml/2006/diagram">
+            <dgm:relIds xmlns:dgm="http://schemas.openxmlformats.org/drawingml/2006/diagram" xmlns:r="http://schemas.openxmlformats.org/officeDocument/2006/relationships" r:dm="rId8" r:lo="rId9" r:qs="rId10" r:cs="rId11"/>
+          </a:graphicData>
+        </a:graphic>
+      </p:graphicFrame>
+      <p:sp>
+        <p:nvSpPr>
+          <p:cNvPr id="28" name="Tekstvak 27"/>
+          <p:cNvSpPr txBox="1"/>
+          <p:nvPr/>
+        </p:nvSpPr>
+        <p:spPr>
+          <a:xfrm>
+            <a:off x="20883261" y="17329885"/>
+            <a:ext cx="3507694" cy="1015663"/>
+          </a:xfrm>
+          <a:prstGeom prst="rect">
+            <a:avLst/>
+          </a:prstGeom>
+          <a:noFill/>
+        </p:spPr>
+        <p:txBody>
+          <a:bodyPr wrap="square" rtlCol="0">
+            <a:spAutoFit/>
+          </a:bodyPr>
+          <a:lstStyle/>
+          <a:p>
+            <a:r>
+              <a:rPr lang="nl-NL" sz="6000" dirty="0" err="1" smtClean="0">
+                <a:latin typeface="Avenir Next" charset="0"/>
+                <a:ea typeface="Avenir Next" charset="0"/>
+                <a:cs typeface="Avenir Next" charset="0"/>
+              </a:rPr>
+              <a:t>Generate</a:t>
+            </a:r>
+            <a:endParaRPr lang="nl-NL" sz="3600" dirty="0">
+              <a:latin typeface="Avenir Next" charset="0"/>
+              <a:ea typeface="Avenir Next" charset="0"/>
+              <a:cs typeface="Avenir Next" charset="0"/>
+            </a:endParaRPr>
+          </a:p>
+        </p:txBody>
+      </p:sp>
+      <p:sp>
+        <p:nvSpPr>
+          <p:cNvPr id="38" name="Tekstvak 37"/>
+          <p:cNvSpPr txBox="1"/>
+          <p:nvPr/>
+        </p:nvSpPr>
+        <p:spPr>
+          <a:xfrm>
+            <a:off x="21475851" y="23194945"/>
+            <a:ext cx="2322513" cy="1015663"/>
+          </a:xfrm>
+          <a:prstGeom prst="rect">
+            <a:avLst/>
+          </a:prstGeom>
+          <a:noFill/>
+        </p:spPr>
+        <p:txBody>
+          <a:bodyPr wrap="square" rtlCol="0">
+            <a:spAutoFit/>
+          </a:bodyPr>
+          <a:lstStyle/>
+          <a:p>
+            <a:r>
+              <a:rPr lang="nl-NL" sz="6000" smtClean="0">
+                <a:latin typeface="Avenir Next" charset="0"/>
+                <a:ea typeface="Avenir Next" charset="0"/>
+                <a:cs typeface="Avenir Next" charset="0"/>
+              </a:rPr>
+              <a:t>Prune</a:t>
+            </a:r>
+            <a:endParaRPr lang="nl-NL" dirty="0">
+              <a:latin typeface="Avenir Next" charset="0"/>
+              <a:ea typeface="Avenir Next" charset="0"/>
+              <a:cs typeface="Avenir Next" charset="0"/>
+            </a:endParaRPr>
+          </a:p>
+        </p:txBody>
+      </p:sp>
     </p:spTree>
   </p:cSld>
   <p:clrMapOvr>

--- a/Poster/Poster_nieuw.pptx
+++ b/Poster/Poster_nieuw.pptx
@@ -1057,47 +1057,82 @@
         </dgm:presLayoutVars>
       </dgm:prSet>
       <dgm:spPr/>
+      <dgm:t>
+        <a:bodyPr/>
+        <a:lstStyle/>
+        <a:p>
+          <a:endParaRPr lang="nl-NL"/>
+        </a:p>
+      </dgm:t>
     </dgm:pt>
     <dgm:pt modelId="{E2C86FB7-0B88-6640-A606-59A0865E58CB}" type="pres">
       <dgm:prSet presAssocID="{4BA5B9B9-D4B3-1D4C-A08A-FC44E422CFDB}" presName="dummy" presStyleCnt="0"/>
       <dgm:spPr/>
     </dgm:pt>
     <dgm:pt modelId="{DB3E0501-CC1F-F345-A426-DE9532CD387E}" type="pres">
-      <dgm:prSet presAssocID="{4BA5B9B9-D4B3-1D4C-A08A-FC44E422CFDB}" presName="node" presStyleLbl="revTx" presStyleIdx="0" presStyleCnt="2" custScaleY="21187">
+      <dgm:prSet presAssocID="{4BA5B9B9-D4B3-1D4C-A08A-FC44E422CFDB}" presName="node" presStyleLbl="revTx" presStyleIdx="0" presStyleCnt="2" custScaleX="21345" custScaleY="21187">
         <dgm:presLayoutVars>
           <dgm:bulletEnabled val="1"/>
         </dgm:presLayoutVars>
       </dgm:prSet>
       <dgm:spPr/>
+      <dgm:t>
+        <a:bodyPr/>
+        <a:lstStyle/>
+        <a:p>
+          <a:endParaRPr lang="nl-NL"/>
+        </a:p>
+      </dgm:t>
     </dgm:pt>
     <dgm:pt modelId="{98A474B5-D0EE-844D-BB78-CBBE9280E876}" type="pres">
       <dgm:prSet presAssocID="{242F5323-24B4-2D4E-915B-4803422B58EC}" presName="sibTrans" presStyleLbl="node1" presStyleIdx="0" presStyleCnt="2"/>
       <dgm:spPr/>
+      <dgm:t>
+        <a:bodyPr/>
+        <a:lstStyle/>
+        <a:p>
+          <a:endParaRPr lang="nl-NL"/>
+        </a:p>
+      </dgm:t>
     </dgm:pt>
     <dgm:pt modelId="{4A670C85-2966-7F4D-9402-5AB3AB2F5E14}" type="pres">
       <dgm:prSet presAssocID="{A9A8773B-48A9-E441-8E3A-A30D2A514B65}" presName="dummy" presStyleCnt="0"/>
       <dgm:spPr/>
     </dgm:pt>
     <dgm:pt modelId="{162C1480-8610-0246-99C5-1C606DB83CEE}" type="pres">
-      <dgm:prSet presAssocID="{A9A8773B-48A9-E441-8E3A-A30D2A514B65}" presName="node" presStyleLbl="revTx" presStyleIdx="1" presStyleCnt="2" custScaleY="17193">
+      <dgm:prSet presAssocID="{A9A8773B-48A9-E441-8E3A-A30D2A514B65}" presName="node" presStyleLbl="revTx" presStyleIdx="1" presStyleCnt="2" custScaleX="27791" custScaleY="17193">
         <dgm:presLayoutVars>
           <dgm:bulletEnabled val="1"/>
         </dgm:presLayoutVars>
       </dgm:prSet>
       <dgm:spPr/>
+      <dgm:t>
+        <a:bodyPr/>
+        <a:lstStyle/>
+        <a:p>
+          <a:endParaRPr lang="nl-NL"/>
+        </a:p>
+      </dgm:t>
     </dgm:pt>
     <dgm:pt modelId="{82A1DAD5-D719-C24A-A140-7F7493E5FA5C}" type="pres">
       <dgm:prSet presAssocID="{D970EA3B-F985-D74F-8758-0B05E31B786D}" presName="sibTrans" presStyleLbl="node1" presStyleIdx="1" presStyleCnt="2" custScaleY="99997"/>
       <dgm:spPr/>
+      <dgm:t>
+        <a:bodyPr/>
+        <a:lstStyle/>
+        <a:p>
+          <a:endParaRPr lang="nl-NL"/>
+        </a:p>
+      </dgm:t>
     </dgm:pt>
   </dgm:ptLst>
   <dgm:cxnLst>
+    <dgm:cxn modelId="{46E67A6D-1BF9-9547-9B0A-944B87C45C2B}" srcId="{F4187A54-95E0-374F-A8AE-582124F55431}" destId="{A9A8773B-48A9-E441-8E3A-A30D2A514B65}" srcOrd="1" destOrd="0" parTransId="{92B6FFF6-3B99-B942-9BEE-D58FCF0D2E34}" sibTransId="{D970EA3B-F985-D74F-8758-0B05E31B786D}"/>
+    <dgm:cxn modelId="{F2F00010-8B0B-A943-AB70-2A048F9BABBA}" srcId="{F4187A54-95E0-374F-A8AE-582124F55431}" destId="{4BA5B9B9-D4B3-1D4C-A08A-FC44E422CFDB}" srcOrd="0" destOrd="0" parTransId="{0AC6053B-2816-7441-B8EF-74E567413217}" sibTransId="{242F5323-24B4-2D4E-915B-4803422B58EC}"/>
     <dgm:cxn modelId="{E4D66E38-451F-194B-9716-382651C6C254}" type="presOf" srcId="{D970EA3B-F985-D74F-8758-0B05E31B786D}" destId="{82A1DAD5-D719-C24A-A140-7F7493E5FA5C}" srcOrd="0" destOrd="0" presId="urn:microsoft.com/office/officeart/2005/8/layout/cycle1"/>
+    <dgm:cxn modelId="{C5C3887C-4403-FE47-A54E-092C7D834B6A}" type="presOf" srcId="{A9A8773B-48A9-E441-8E3A-A30D2A514B65}" destId="{162C1480-8610-0246-99C5-1C606DB83CEE}" srcOrd="0" destOrd="0" presId="urn:microsoft.com/office/officeart/2005/8/layout/cycle1"/>
+    <dgm:cxn modelId="{87AF03F2-A74B-8A4E-947A-D325F9233D28}" type="presOf" srcId="{F4187A54-95E0-374F-A8AE-582124F55431}" destId="{180F8959-E184-A345-8F18-A7908437FE87}" srcOrd="0" destOrd="0" presId="urn:microsoft.com/office/officeart/2005/8/layout/cycle1"/>
     <dgm:cxn modelId="{516B21BA-86F4-0C43-89E7-6EB9E263EAB9}" type="presOf" srcId="{4BA5B9B9-D4B3-1D4C-A08A-FC44E422CFDB}" destId="{DB3E0501-CC1F-F345-A426-DE9532CD387E}" srcOrd="0" destOrd="0" presId="urn:microsoft.com/office/officeart/2005/8/layout/cycle1"/>
-    <dgm:cxn modelId="{C5C3887C-4403-FE47-A54E-092C7D834B6A}" type="presOf" srcId="{A9A8773B-48A9-E441-8E3A-A30D2A514B65}" destId="{162C1480-8610-0246-99C5-1C606DB83CEE}" srcOrd="0" destOrd="0" presId="urn:microsoft.com/office/officeart/2005/8/layout/cycle1"/>
-    <dgm:cxn modelId="{F2F00010-8B0B-A943-AB70-2A048F9BABBA}" srcId="{F4187A54-95E0-374F-A8AE-582124F55431}" destId="{4BA5B9B9-D4B3-1D4C-A08A-FC44E422CFDB}" srcOrd="0" destOrd="0" parTransId="{0AC6053B-2816-7441-B8EF-74E567413217}" sibTransId="{242F5323-24B4-2D4E-915B-4803422B58EC}"/>
-    <dgm:cxn modelId="{46E67A6D-1BF9-9547-9B0A-944B87C45C2B}" srcId="{F4187A54-95E0-374F-A8AE-582124F55431}" destId="{A9A8773B-48A9-E441-8E3A-A30D2A514B65}" srcOrd="1" destOrd="0" parTransId="{92B6FFF6-3B99-B942-9BEE-D58FCF0D2E34}" sibTransId="{D970EA3B-F985-D74F-8758-0B05E31B786D}"/>
-    <dgm:cxn modelId="{87AF03F2-A74B-8A4E-947A-D325F9233D28}" type="presOf" srcId="{F4187A54-95E0-374F-A8AE-582124F55431}" destId="{180F8959-E184-A345-8F18-A7908437FE87}" srcOrd="0" destOrd="0" presId="urn:microsoft.com/office/officeart/2005/8/layout/cycle1"/>
     <dgm:cxn modelId="{77F5FFA4-41F0-E446-8B4E-F7C3E9204062}" type="presOf" srcId="{242F5323-24B4-2D4E-915B-4803422B58EC}" destId="{98A474B5-D0EE-844D-BB78-CBBE9280E876}" srcOrd="0" destOrd="0" presId="urn:microsoft.com/office/officeart/2005/8/layout/cycle1"/>
     <dgm:cxn modelId="{640436A8-AB16-1B4D-8B1B-A86557380086}" type="presParOf" srcId="{180F8959-E184-A345-8F18-A7908437FE87}" destId="{E2C86FB7-0B88-6640-A606-59A0865E58CB}" srcOrd="0" destOrd="0" presId="urn:microsoft.com/office/officeart/2005/8/layout/cycle1"/>
     <dgm:cxn modelId="{5728AE86-375A-AD4B-B9B7-DD008B276538}" type="presParOf" srcId="{180F8959-E184-A345-8F18-A7908437FE87}" destId="{DB3E0501-CC1F-F345-A426-DE9532CD387E}" srcOrd="1" destOrd="0" presId="urn:microsoft.com/office/officeart/2005/8/layout/cycle1"/>
@@ -1131,8 +1166,8 @@
       </dsp:nvSpPr>
       <dsp:spPr>
         <a:xfrm>
-          <a:off x="8474393" y="5985596"/>
-          <a:ext cx="5183326" cy="1098191"/>
+          <a:off x="6562351" y="3443355"/>
+          <a:ext cx="630330" cy="625664"/>
         </a:xfrm>
         <a:prstGeom prst="rect">
           <a:avLst/>
@@ -1156,12 +1191,12 @@
         <a:fontRef idx="minor"/>
       </dsp:style>
       <dsp:txBody>
-        <a:bodyPr spcFirstLastPara="0" vert="horz" wrap="square" lIns="71120" tIns="71120" rIns="71120" bIns="71120" numCol="1" spcCol="1270" anchor="ctr" anchorCtr="0">
+        <a:bodyPr spcFirstLastPara="0" vert="horz" wrap="square" lIns="40640" tIns="40640" rIns="40640" bIns="40640" numCol="1" spcCol="1270" anchor="ctr" anchorCtr="0">
           <a:noAutofit/>
         </a:bodyPr>
         <a:lstStyle/>
         <a:p>
-          <a:pPr lvl="0" algn="ctr" defTabSz="2489200">
+          <a:pPr lvl="0" algn="ctr" defTabSz="1422400">
             <a:lnSpc>
               <a:spcPct val="90000"/>
             </a:lnSpc>
@@ -1173,15 +1208,15 @@
             </a:spcAft>
           </a:pPr>
           <a:r>
-            <a:rPr lang="nl-NL" sz="5600" kern="1200" dirty="0" smtClean="0"/>
+            <a:rPr lang="nl-NL" sz="3200" kern="1200" dirty="0" smtClean="0"/>
             <a:t>N</a:t>
           </a:r>
-          <a:endParaRPr lang="nl-NL" sz="5600" kern="1200" dirty="0"/>
+          <a:endParaRPr lang="nl-NL" sz="3200" kern="1200" dirty="0"/>
         </a:p>
       </dsp:txBody>
       <dsp:txXfrm>
-        <a:off x="8474393" y="5985596"/>
-        <a:ext cx="5183326" cy="1098191"/>
+        <a:off x="6562351" y="3443355"/>
+        <a:ext cx="630330" cy="625664"/>
       </dsp:txXfrm>
     </dsp:sp>
     <dsp:sp modelId="{98A474B5-D0EE-844D-BB78-CBBE9280E876}">
@@ -1191,16 +1226,16 @@
       </dsp:nvSpPr>
       <dsp:spPr>
         <a:xfrm>
-          <a:off x="1501065" y="1204707"/>
-          <a:ext cx="10659969" cy="10659969"/>
+          <a:off x="1433623" y="722323"/>
+          <a:ext cx="6067727" cy="6067727"/>
         </a:xfrm>
         <a:prstGeom prst="circularArrow">
           <a:avLst>
-            <a:gd name="adj1" fmla="val 9482"/>
-            <a:gd name="adj2" fmla="val 684857"/>
-            <a:gd name="adj3" fmla="val 9752771"/>
-            <a:gd name="adj4" fmla="val 446984"/>
-            <a:gd name="adj5" fmla="val 11062"/>
+            <a:gd name="adj1" fmla="val 9490"/>
+            <a:gd name="adj2" fmla="val 685642"/>
+            <a:gd name="adj3" fmla="val 9751571"/>
+            <a:gd name="adj4" fmla="val 447497"/>
+            <a:gd name="adj5" fmla="val 11072"/>
           </a:avLst>
         </a:prstGeom>
         <a:gradFill rotWithShape="0">
@@ -1263,8 +1298,8 @@
       </dsp:nvSpPr>
       <dsp:spPr>
         <a:xfrm>
-          <a:off x="4380" y="6089107"/>
-          <a:ext cx="5183326" cy="891169"/>
+          <a:off x="1647114" y="3502327"/>
+          <a:ext cx="820685" cy="507719"/>
         </a:xfrm>
         <a:prstGeom prst="rect">
           <a:avLst/>
@@ -1288,12 +1323,12 @@
         <a:fontRef idx="minor"/>
       </dsp:style>
       <dsp:txBody>
-        <a:bodyPr spcFirstLastPara="0" vert="horz" wrap="square" lIns="71120" tIns="71120" rIns="71120" bIns="71120" numCol="1" spcCol="1270" anchor="ctr" anchorCtr="0">
+        <a:bodyPr spcFirstLastPara="0" vert="horz" wrap="square" lIns="40640" tIns="40640" rIns="40640" bIns="40640" numCol="1" spcCol="1270" anchor="ctr" anchorCtr="0">
           <a:noAutofit/>
         </a:bodyPr>
         <a:lstStyle/>
         <a:p>
-          <a:pPr lvl="0" algn="ctr" defTabSz="2489200">
+          <a:pPr lvl="0" algn="ctr" defTabSz="1422400">
             <a:lnSpc>
               <a:spcPct val="90000"/>
             </a:lnSpc>
@@ -1305,15 +1340,15 @@
             </a:spcAft>
           </a:pPr>
           <a:r>
-            <a:rPr lang="nl-NL" sz="5600" kern="1200" dirty="0" smtClean="0"/>
+            <a:rPr lang="nl-NL" sz="3200" kern="1200" dirty="0" smtClean="0"/>
             <a:t>R</a:t>
           </a:r>
-          <a:endParaRPr lang="nl-NL" sz="5600" kern="1200" dirty="0"/>
+          <a:endParaRPr lang="nl-NL" sz="3200" kern="1200" dirty="0"/>
         </a:p>
       </dsp:txBody>
       <dsp:txXfrm>
-        <a:off x="4380" y="6089107"/>
-        <a:ext cx="5183326" cy="891169"/>
+        <a:off x="1647114" y="3502327"/>
+        <a:ext cx="820685" cy="507719"/>
       </dsp:txXfrm>
     </dsp:sp>
     <dsp:sp modelId="{82A1DAD5-D719-C24A-A140-7F7493E5FA5C}">
@@ -1323,16 +1358,16 @@
       </dsp:nvSpPr>
       <dsp:spPr>
         <a:xfrm>
-          <a:off x="1501065" y="1204867"/>
-          <a:ext cx="10659969" cy="10659649"/>
+          <a:off x="1433623" y="722414"/>
+          <a:ext cx="6067727" cy="6067545"/>
         </a:xfrm>
         <a:prstGeom prst="circularArrow">
           <a:avLst>
-            <a:gd name="adj1" fmla="val 9482"/>
-            <a:gd name="adj2" fmla="val 684857"/>
-            <a:gd name="adj3" fmla="val 20468159"/>
-            <a:gd name="adj4" fmla="val 11162372"/>
-            <a:gd name="adj5" fmla="val 11062"/>
+            <a:gd name="adj1" fmla="val 9490"/>
+            <a:gd name="adj2" fmla="val 685642"/>
+            <a:gd name="adj3" fmla="val 20466861"/>
+            <a:gd name="adj4" fmla="val 11162787"/>
+            <a:gd name="adj5" fmla="val 11072"/>
           </a:avLst>
         </a:prstGeom>
         <a:gradFill rotWithShape="0">
@@ -6830,8 +6865,8 @@
         </p:nvSpPr>
         <p:spPr bwMode="auto">
           <a:xfrm>
-            <a:off x="1270000" y="4611008"/>
-            <a:ext cx="13495338" cy="9857317"/>
+            <a:off x="-16968431" y="4369583"/>
+            <a:ext cx="13495338" cy="10730429"/>
           </a:xfrm>
           <a:prstGeom prst="rect">
             <a:avLst/>
@@ -7121,11 +7156,6 @@
               </a:rPr>
               <a:t>bestaat erin</a:t>
             </a:r>
-            <a:endParaRPr lang="nl-NL" altLang="nl-NL" sz="3600" dirty="0" smtClean="0">
-              <a:latin typeface="Avenir Next" charset="0"/>
-              <a:ea typeface="Avenir Next" charset="0"/>
-              <a:cs typeface="Avenir Next" charset="0"/>
-            </a:endParaRPr>
           </a:p>
           <a:p>
             <a:pPr marL="457200" indent="-457200" algn="just" eaLnBrk="1" hangingPunct="1">
@@ -7740,8 +7770,8 @@
         </p:nvSpPr>
         <p:spPr bwMode="auto">
           <a:xfrm>
-            <a:off x="1270000" y="15002823"/>
-            <a:ext cx="13474701" cy="21506936"/>
+            <a:off x="1270000" y="17329885"/>
+            <a:ext cx="13474701" cy="19473358"/>
           </a:xfrm>
           <a:prstGeom prst="rect">
             <a:avLst/>
@@ -8705,7 +8735,7 @@
         <p:spPr bwMode="auto">
           <a:xfrm>
             <a:off x="15894050" y="26725174"/>
-            <a:ext cx="13174663" cy="9778961"/>
+            <a:ext cx="13174663" cy="10078068"/>
           </a:xfrm>
           <a:prstGeom prst="rect">
             <a:avLst/>
@@ -9660,14 +9690,14 @@
           <p:nvPr>
             <p:extLst>
               <p:ext uri="{D42A27DB-BD31-4B8C-83A1-F6EECF244321}">
-                <p14:modId xmlns:p14="http://schemas.microsoft.com/office/powerpoint/2010/main" val="1244037782"/>
+                <p14:modId xmlns:p14="http://schemas.microsoft.com/office/powerpoint/2010/main" val="349535917"/>
               </p:ext>
             </p:extLst>
           </p:nvPr>
         </p:nvGraphicFramePr>
         <p:xfrm>
-          <a:off x="15806058" y="14017915"/>
-          <a:ext cx="13662100" cy="13069384"/>
+          <a:off x="10851130" y="12533702"/>
+          <a:ext cx="7773609" cy="7512375"/>
         </p:xfrm>
         <a:graphic>
           <a:graphicData uri="http://schemas.openxmlformats.org/drawingml/2006/diagram">
@@ -9744,6 +9774,222 @@
               <a:t>Prune</a:t>
             </a:r>
             <a:endParaRPr lang="nl-NL" dirty="0">
+              <a:latin typeface="Avenir Next" charset="0"/>
+              <a:ea typeface="Avenir Next" charset="0"/>
+              <a:cs typeface="Avenir Next" charset="0"/>
+            </a:endParaRPr>
+          </a:p>
+        </p:txBody>
+      </p:sp>
+      <p:sp>
+        <p:nvSpPr>
+          <p:cNvPr id="6" name="Afgeschuind enkele hoek rechthoek 5"/>
+          <p:cNvSpPr/>
+          <p:nvPr/>
+        </p:nvSpPr>
+        <p:spPr>
+          <a:xfrm rot="5400000">
+            <a:off x="2762847" y="3118160"/>
+            <a:ext cx="10489005" cy="13474701"/>
+          </a:xfrm>
+          <a:prstGeom prst="snip1Rect">
+            <a:avLst>
+              <a:gd name="adj" fmla="val 25385"/>
+            </a:avLst>
+          </a:prstGeom>
+          <a:solidFill>
+            <a:schemeClr val="bg1"/>
+          </a:solidFill>
+          <a:ln>
+            <a:solidFill>
+              <a:schemeClr val="tx1"/>
+            </a:solidFill>
+          </a:ln>
+        </p:spPr>
+        <p:style>
+          <a:lnRef idx="1">
+            <a:schemeClr val="accent1"/>
+          </a:lnRef>
+          <a:fillRef idx="3">
+            <a:schemeClr val="accent1"/>
+          </a:fillRef>
+          <a:effectRef idx="2">
+            <a:schemeClr val="accent1"/>
+          </a:effectRef>
+          <a:fontRef idx="minor">
+            <a:schemeClr val="lt1"/>
+          </a:fontRef>
+        </p:style>
+        <p:txBody>
+          <a:bodyPr vert="vert270" lIns="540000" tIns="0" bIns="720000" rtlCol="0" anchor="t"/>
+          <a:lstStyle/>
+          <a:p>
+            <a:pPr algn="just" eaLnBrk="1" hangingPunct="1">
+              <a:spcBef>
+                <a:spcPct val="50000"/>
+              </a:spcBef>
+              <a:buFontTx/>
+              <a:buNone/>
+            </a:pPr>
+            <a:r>
+              <a:rPr lang="nl-NL" altLang="nl-NL" sz="4800" b="1" dirty="0" smtClean="0">
+                <a:solidFill>
+                  <a:srgbClr val="191919"/>
+                </a:solidFill>
+                <a:latin typeface="Avenir Next" charset="0"/>
+                <a:ea typeface="Avenir Next" charset="0"/>
+                <a:cs typeface="Avenir Next" charset="0"/>
+              </a:rPr>
+              <a:t>Introductie</a:t>
+            </a:r>
+          </a:p>
+          <a:p>
+            <a:pPr algn="just" eaLnBrk="1" hangingPunct="1">
+              <a:spcBef>
+                <a:spcPct val="10000"/>
+              </a:spcBef>
+              <a:buFontTx/>
+              <a:buNone/>
+            </a:pPr>
+            <a:r>
+              <a:rPr lang="nl-NL" altLang="nl-NL" sz="3600" dirty="0" smtClean="0">
+                <a:solidFill>
+                  <a:srgbClr val="191919"/>
+                </a:solidFill>
+                <a:latin typeface="Avenir Next" charset="0"/>
+                <a:ea typeface="Avenir Next" charset="0"/>
+                <a:cs typeface="Avenir Next" charset="0"/>
+              </a:rPr>
+              <a:t>Sorteernetwerken zorgen voor een klassiek formeel model voor de presentatie van sorteeralgoritmen. </a:t>
+            </a:r>
+          </a:p>
+          <a:p>
+            <a:pPr algn="just" eaLnBrk="1" hangingPunct="1">
+              <a:spcBef>
+                <a:spcPct val="10000"/>
+              </a:spcBef>
+              <a:buFontTx/>
+              <a:buNone/>
+            </a:pPr>
+            <a:r>
+              <a:rPr lang="nl-NL" altLang="nl-NL" sz="3600" dirty="0" smtClean="0">
+                <a:solidFill>
+                  <a:srgbClr val="191919"/>
+                </a:solidFill>
+                <a:latin typeface="Avenir Next" charset="0"/>
+                <a:ea typeface="Avenir Next" charset="0"/>
+                <a:cs typeface="Avenir Next" charset="0"/>
+              </a:rPr>
+              <a:t>Door onderzoek naar deze sorteernetwerken kunnen mogelijk inzichten ontstaan over veel voorkomende problemen, sorteerproblemen. Zo heeft [ref] </a:t>
+            </a:r>
+            <a:r>
+              <a:rPr lang="nl-NL" altLang="nl-NL" sz="3600" dirty="0" err="1" smtClean="0">
+                <a:solidFill>
+                  <a:srgbClr val="191919"/>
+                </a:solidFill>
+                <a:latin typeface="Avenir Next" charset="0"/>
+                <a:ea typeface="Avenir Next" charset="0"/>
+                <a:cs typeface="Avenir Next" charset="0"/>
+              </a:rPr>
+              <a:t>aange-toond</a:t>
+            </a:r>
+            <a:r>
+              <a:rPr lang="nl-NL" altLang="nl-NL" sz="3600" dirty="0" smtClean="0">
+                <a:solidFill>
+                  <a:srgbClr val="191919"/>
+                </a:solidFill>
+                <a:latin typeface="Avenir Next" charset="0"/>
+                <a:ea typeface="Avenir Next" charset="0"/>
+                <a:cs typeface="Avenir Next" charset="0"/>
+              </a:rPr>
+              <a:t>, via sorteernetwerken, dat het sorteren van 9 elementen een minimum van 25 vergelijkingen (com-paratoren) vereist. Dit onderzoek bouwt hierop verder.</a:t>
+            </a:r>
+          </a:p>
+          <a:p>
+            <a:pPr algn="just" eaLnBrk="1" hangingPunct="1">
+              <a:spcBef>
+                <a:spcPct val="10000"/>
+              </a:spcBef>
+              <a:buFontTx/>
+              <a:buNone/>
+            </a:pPr>
+            <a:r>
+              <a:rPr lang="nl-NL" altLang="nl-NL" sz="3600" dirty="0" smtClean="0">
+                <a:solidFill>
+                  <a:srgbClr val="191919"/>
+                </a:solidFill>
+                <a:latin typeface="Avenir Next" charset="0"/>
+                <a:ea typeface="Avenir Next" charset="0"/>
+                <a:cs typeface="Avenir Next" charset="0"/>
+              </a:rPr>
+              <a:t>Het doel bestaat erin</a:t>
+            </a:r>
+          </a:p>
+          <a:p>
+            <a:pPr marL="571500" indent="-571500" algn="just" eaLnBrk="1" hangingPunct="1">
+              <a:spcBef>
+                <a:spcPct val="10000"/>
+              </a:spcBef>
+              <a:buFont typeface="Arial" charset="0"/>
+              <a:buChar char="•"/>
+            </a:pPr>
+            <a:r>
+              <a:rPr lang="nl-NL" altLang="nl-NL" sz="3600" dirty="0" smtClean="0">
+                <a:solidFill>
+                  <a:srgbClr val="191919"/>
+                </a:solidFill>
+                <a:latin typeface="Avenir Next" charset="0"/>
+                <a:ea typeface="Avenir Next" charset="0"/>
+                <a:cs typeface="Avenir Next" charset="0"/>
+              </a:rPr>
+              <a:t>het reproduceren van de resultaten voor een sorteer-netwerk van 9 kanalen, 25 </a:t>
+            </a:r>
+            <a:r>
+              <a:rPr lang="nl-NL" altLang="nl-NL" sz="3600" dirty="0" err="1" smtClean="0">
+                <a:solidFill>
+                  <a:srgbClr val="191919"/>
+                </a:solidFill>
+                <a:latin typeface="Avenir Next" charset="0"/>
+                <a:ea typeface="Avenir Next" charset="0"/>
+                <a:cs typeface="Avenir Next" charset="0"/>
+              </a:rPr>
+              <a:t>comparatoren</a:t>
+            </a:r>
+            <a:r>
+              <a:rPr lang="nl-NL" altLang="nl-NL" sz="3600" dirty="0" smtClean="0">
+                <a:solidFill>
+                  <a:srgbClr val="191919"/>
+                </a:solidFill>
+                <a:latin typeface="Avenir Next" charset="0"/>
+                <a:ea typeface="Avenir Next" charset="0"/>
+                <a:cs typeface="Avenir Next" charset="0"/>
+              </a:rPr>
+              <a:t>. [1]</a:t>
+            </a:r>
+          </a:p>
+          <a:p>
+            <a:pPr marL="571500" indent="-571500" algn="just" eaLnBrk="1" hangingPunct="1">
+              <a:spcBef>
+                <a:spcPct val="10000"/>
+              </a:spcBef>
+              <a:buFont typeface="Arial" charset="0"/>
+              <a:buChar char="•"/>
+            </a:pPr>
+            <a:r>
+              <a:rPr lang="nl-NL" altLang="nl-NL" sz="3600" dirty="0" smtClean="0">
+                <a:solidFill>
+                  <a:srgbClr val="191919"/>
+                </a:solidFill>
+                <a:latin typeface="Avenir Next" charset="0"/>
+                <a:ea typeface="Avenir Next" charset="0"/>
+                <a:cs typeface="Avenir Next" charset="0"/>
+              </a:rPr>
+              <a:t>het verbeteren van de methode om een sorteer-netwerk voor 11 kanalen te bekomen met optimale grootte.</a:t>
+            </a:r>
+            <a:endParaRPr lang="nl-NL" altLang="nl-NL" sz="3600" dirty="0">
+              <a:solidFill>
+                <a:srgbClr val="191919"/>
+              </a:solidFill>
               <a:latin typeface="Avenir Next" charset="0"/>
               <a:ea typeface="Avenir Next" charset="0"/>
               <a:cs typeface="Avenir Next" charset="0"/>

--- a/Poster/Poster_nieuw.pptx
+++ b/Poster/Poster_nieuw.pptx
@@ -2764,7 +2764,7 @@
               <a:pPr>
                 <a:defRPr/>
               </a:pPr>
-              <a:t>2/16/16</a:t>
+              <a:t>2/18/16</a:t>
             </a:fld>
             <a:endParaRPr lang="en-US" altLang="nl-NL"/>
           </a:p>
@@ -7770,7 +7770,7 @@
         </p:nvSpPr>
         <p:spPr bwMode="auto">
           <a:xfrm>
-            <a:off x="1270000" y="17329885"/>
+            <a:off x="-18047513" y="22027529"/>
             <a:ext cx="13474701" cy="19473358"/>
           </a:xfrm>
           <a:prstGeom prst="rect">
@@ -9994,6 +9994,520 @@
               <a:ea typeface="Avenir Next" charset="0"/>
               <a:cs typeface="Avenir Next" charset="0"/>
             </a:endParaRPr>
+          </a:p>
+        </p:txBody>
+      </p:sp>
+      <p:sp>
+        <p:nvSpPr>
+          <p:cNvPr id="3" name="Afgeschuind enkele hoek rechthoek 2"/>
+          <p:cNvSpPr/>
+          <p:nvPr/>
+        </p:nvSpPr>
+        <p:spPr>
+          <a:xfrm>
+            <a:off x="1280419" y="17329885"/>
+            <a:ext cx="13474701" cy="19473357"/>
+          </a:xfrm>
+          <a:prstGeom prst="snip1Rect">
+            <a:avLst>
+              <a:gd name="adj" fmla="val 19636"/>
+            </a:avLst>
+          </a:prstGeom>
+          <a:solidFill>
+            <a:schemeClr val="bg1"/>
+          </a:solidFill>
+          <a:ln>
+            <a:solidFill>
+              <a:srgbClr val="191919"/>
+            </a:solidFill>
+          </a:ln>
+        </p:spPr>
+        <p:style>
+          <a:lnRef idx="1">
+            <a:schemeClr val="accent1"/>
+          </a:lnRef>
+          <a:fillRef idx="3">
+            <a:schemeClr val="accent1"/>
+          </a:fillRef>
+          <a:effectRef idx="2">
+            <a:schemeClr val="accent1"/>
+          </a:effectRef>
+          <a:fontRef idx="minor">
+            <a:schemeClr val="lt1"/>
+          </a:fontRef>
+        </p:style>
+        <p:txBody>
+          <a:bodyPr lIns="720000" tIns="0" rIns="0" bIns="0" rtlCol="0" anchor="t"/>
+          <a:lstStyle/>
+          <a:p>
+            <a:pPr algn="just" eaLnBrk="1" hangingPunct="1">
+              <a:spcBef>
+                <a:spcPct val="50000"/>
+              </a:spcBef>
+              <a:buFontTx/>
+              <a:buNone/>
+            </a:pPr>
+            <a:r>
+              <a:rPr lang="nl-NL" altLang="nl-NL" sz="4800" b="1" dirty="0">
+                <a:solidFill>
+                  <a:srgbClr val="191919"/>
+                </a:solidFill>
+                <a:latin typeface="Avenir Next" charset="0"/>
+                <a:ea typeface="Avenir Next" charset="0"/>
+                <a:cs typeface="Avenir Next" charset="0"/>
+              </a:rPr>
+              <a:t>Achtergrondinformatie</a:t>
+            </a:r>
+            <a:endParaRPr lang="nl-NL" altLang="nl-NL" sz="4000" b="1" dirty="0">
+              <a:solidFill>
+                <a:srgbClr val="191919"/>
+              </a:solidFill>
+              <a:latin typeface="Avenir Next" charset="0"/>
+              <a:ea typeface="Avenir Next" charset="0"/>
+              <a:cs typeface="Avenir Next" charset="0"/>
+            </a:endParaRPr>
+          </a:p>
+          <a:p>
+            <a:pPr algn="just" eaLnBrk="1" hangingPunct="1">
+              <a:spcBef>
+                <a:spcPct val="10000"/>
+              </a:spcBef>
+              <a:buFontTx/>
+              <a:buNone/>
+            </a:pPr>
+            <a:r>
+              <a:rPr lang="nl-NL" altLang="nl-NL" sz="3600" dirty="0">
+                <a:solidFill>
+                  <a:srgbClr val="191919"/>
+                </a:solidFill>
+                <a:latin typeface="Avenir Next" charset="0"/>
+                <a:ea typeface="Avenir Next" charset="0"/>
+                <a:cs typeface="Avenir Next" charset="0"/>
+              </a:rPr>
+              <a:t>Een </a:t>
+            </a:r>
+            <a:r>
+              <a:rPr lang="nl-NL" altLang="nl-NL" sz="3600" dirty="0" err="1">
+                <a:solidFill>
+                  <a:srgbClr val="191919"/>
+                </a:solidFill>
+                <a:latin typeface="Avenir Next" charset="0"/>
+                <a:ea typeface="Avenir Next" charset="0"/>
+                <a:cs typeface="Avenir Next" charset="0"/>
+              </a:rPr>
+              <a:t>comparator</a:t>
+            </a:r>
+            <a:r>
+              <a:rPr lang="nl-NL" altLang="nl-NL" sz="3600" dirty="0">
+                <a:solidFill>
+                  <a:srgbClr val="191919"/>
+                </a:solidFill>
+                <a:latin typeface="Avenir Next" charset="0"/>
+                <a:ea typeface="Avenir Next" charset="0"/>
+                <a:cs typeface="Avenir Next" charset="0"/>
+              </a:rPr>
+              <a:t> netwerk is een netwerk dat gegeven een bepaalde input, een bepaalde output levert.</a:t>
+            </a:r>
+          </a:p>
+          <a:p>
+            <a:pPr algn="just" eaLnBrk="1" hangingPunct="1">
+              <a:spcBef>
+                <a:spcPct val="10000"/>
+              </a:spcBef>
+              <a:buFontTx/>
+              <a:buNone/>
+            </a:pPr>
+            <a:r>
+              <a:rPr lang="nl-NL" altLang="nl-NL" sz="3600" dirty="0">
+                <a:solidFill>
+                  <a:srgbClr val="191919"/>
+                </a:solidFill>
+                <a:latin typeface="Avenir Next" charset="0"/>
+                <a:ea typeface="Avenir Next" charset="0"/>
+                <a:cs typeface="Avenir Next" charset="0"/>
+              </a:rPr>
+              <a:t>Een </a:t>
+            </a:r>
+            <a:r>
+              <a:rPr lang="nl-NL" altLang="nl-NL" sz="3600" dirty="0" err="1">
+                <a:solidFill>
+                  <a:srgbClr val="191919"/>
+                </a:solidFill>
+                <a:latin typeface="Avenir Next" charset="0"/>
+                <a:ea typeface="Avenir Next" charset="0"/>
+                <a:cs typeface="Avenir Next" charset="0"/>
+              </a:rPr>
+              <a:t>comparator</a:t>
+            </a:r>
+            <a:r>
+              <a:rPr lang="nl-NL" altLang="nl-NL" sz="3600" dirty="0">
+                <a:solidFill>
+                  <a:srgbClr val="191919"/>
+                </a:solidFill>
+                <a:latin typeface="Avenir Next" charset="0"/>
+                <a:ea typeface="Avenir Next" charset="0"/>
+                <a:cs typeface="Avenir Next" charset="0"/>
+              </a:rPr>
+              <a:t> netwerk bestaat uit</a:t>
+            </a:r>
+          </a:p>
+          <a:p>
+            <a:pPr marL="571500" indent="-571500" algn="just" eaLnBrk="1" hangingPunct="1">
+              <a:spcBef>
+                <a:spcPct val="10000"/>
+              </a:spcBef>
+              <a:buFont typeface="Arial" charset="0"/>
+              <a:buChar char="•"/>
+            </a:pPr>
+            <a:r>
+              <a:rPr lang="nl-NL" altLang="nl-NL" sz="3600" dirty="0">
+                <a:solidFill>
+                  <a:srgbClr val="191919"/>
+                </a:solidFill>
+                <a:latin typeface="Avenir Next" charset="0"/>
+                <a:ea typeface="Avenir Next" charset="0"/>
+                <a:cs typeface="Avenir Next" charset="0"/>
+              </a:rPr>
+              <a:t>N kanalen;</a:t>
+            </a:r>
+          </a:p>
+          <a:p>
+            <a:pPr marL="571500" indent="-571500" algn="just" eaLnBrk="1" hangingPunct="1">
+              <a:spcBef>
+                <a:spcPct val="10000"/>
+              </a:spcBef>
+              <a:buFont typeface="Arial" charset="0"/>
+              <a:buChar char="•"/>
+            </a:pPr>
+            <a:r>
+              <a:rPr lang="nl-NL" altLang="nl-NL" sz="3600" dirty="0">
+                <a:solidFill>
+                  <a:srgbClr val="191919"/>
+                </a:solidFill>
+                <a:latin typeface="Avenir Next" charset="0"/>
+                <a:ea typeface="Avenir Next" charset="0"/>
+                <a:cs typeface="Avenir Next" charset="0"/>
+              </a:rPr>
+              <a:t>een aantal </a:t>
+            </a:r>
+            <a:r>
+              <a:rPr lang="nl-NL" altLang="nl-NL" sz="3600" dirty="0" err="1">
+                <a:solidFill>
+                  <a:srgbClr val="191919"/>
+                </a:solidFill>
+                <a:latin typeface="Avenir Next" charset="0"/>
+                <a:ea typeface="Avenir Next" charset="0"/>
+                <a:cs typeface="Avenir Next" charset="0"/>
+              </a:rPr>
+              <a:t>comparatoren</a:t>
+            </a:r>
+            <a:r>
+              <a:rPr lang="nl-NL" altLang="nl-NL" sz="3600" dirty="0">
+                <a:solidFill>
+                  <a:srgbClr val="191919"/>
+                </a:solidFill>
+                <a:latin typeface="Avenir Next" charset="0"/>
+                <a:ea typeface="Avenir Next" charset="0"/>
+                <a:cs typeface="Avenir Next" charset="0"/>
+              </a:rPr>
+              <a:t>.</a:t>
+            </a:r>
+          </a:p>
+          <a:p>
+            <a:pPr algn="just" eaLnBrk="1" hangingPunct="1">
+              <a:spcBef>
+                <a:spcPct val="10000"/>
+              </a:spcBef>
+              <a:buNone/>
+            </a:pPr>
+            <a:endParaRPr lang="nl-NL" altLang="nl-NL" sz="1600" dirty="0">
+              <a:solidFill>
+                <a:srgbClr val="191919"/>
+              </a:solidFill>
+              <a:latin typeface="Avenir Next" charset="0"/>
+              <a:ea typeface="Avenir Next" charset="0"/>
+              <a:cs typeface="Avenir Next" charset="0"/>
+            </a:endParaRPr>
+          </a:p>
+          <a:p>
+            <a:pPr algn="just" eaLnBrk="1" hangingPunct="1">
+              <a:spcBef>
+                <a:spcPct val="10000"/>
+              </a:spcBef>
+              <a:buNone/>
+            </a:pPr>
+            <a:r>
+              <a:rPr lang="nl-NL" altLang="nl-NL" sz="4000" b="1" dirty="0">
+                <a:solidFill>
+                  <a:srgbClr val="191919"/>
+                </a:solidFill>
+                <a:latin typeface="Avenir Next" charset="0"/>
+                <a:ea typeface="Avenir Next" charset="0"/>
+                <a:cs typeface="Avenir Next" charset="0"/>
+              </a:rPr>
+              <a:t>Kanaal</a:t>
+            </a:r>
+            <a:endParaRPr lang="nl-NL" altLang="nl-NL" b="1" dirty="0">
+              <a:solidFill>
+                <a:srgbClr val="191919"/>
+              </a:solidFill>
+              <a:latin typeface="Avenir Next" charset="0"/>
+              <a:ea typeface="Avenir Next" charset="0"/>
+              <a:cs typeface="Avenir Next" charset="0"/>
+            </a:endParaRPr>
+          </a:p>
+          <a:p>
+            <a:pPr algn="just" eaLnBrk="1" hangingPunct="1">
+              <a:spcBef>
+                <a:spcPct val="10000"/>
+              </a:spcBef>
+              <a:buNone/>
+            </a:pPr>
+            <a:r>
+              <a:rPr lang="nl-NL" altLang="nl-NL" sz="3600" dirty="0">
+                <a:solidFill>
+                  <a:srgbClr val="191919"/>
+                </a:solidFill>
+                <a:latin typeface="Avenir Next" charset="0"/>
+                <a:ea typeface="Avenir Next" charset="0"/>
+                <a:cs typeface="Avenir Next" charset="0"/>
+              </a:rPr>
+              <a:t>Een kanaal wordt voorgesteld als een horizontale lijn die in het begin een input neemt en op het einde een output levert. Tussen het begin en het einde kan een </a:t>
+            </a:r>
+            <a:r>
+              <a:rPr lang="nl-NL" altLang="nl-NL" sz="3600" dirty="0" err="1">
+                <a:solidFill>
+                  <a:srgbClr val="191919"/>
+                </a:solidFill>
+                <a:latin typeface="Avenir Next" charset="0"/>
+                <a:ea typeface="Avenir Next" charset="0"/>
+                <a:cs typeface="Avenir Next" charset="0"/>
+              </a:rPr>
+              <a:t>comparator</a:t>
+            </a:r>
+            <a:r>
+              <a:rPr lang="nl-NL" altLang="nl-NL" sz="3600" dirty="0">
+                <a:solidFill>
+                  <a:srgbClr val="191919"/>
+                </a:solidFill>
+                <a:latin typeface="Avenir Next" charset="0"/>
+                <a:ea typeface="Avenir Next" charset="0"/>
+                <a:cs typeface="Avenir Next" charset="0"/>
+              </a:rPr>
+              <a:t> de data “manipuleren”</a:t>
+            </a:r>
+          </a:p>
+          <a:p>
+            <a:pPr algn="just" eaLnBrk="1" hangingPunct="1">
+              <a:spcBef>
+                <a:spcPct val="10000"/>
+              </a:spcBef>
+              <a:buNone/>
+            </a:pPr>
+            <a:endParaRPr lang="nl-NL" altLang="nl-NL" sz="1600" dirty="0">
+              <a:solidFill>
+                <a:srgbClr val="191919"/>
+              </a:solidFill>
+              <a:latin typeface="Avenir Next" charset="0"/>
+              <a:ea typeface="Avenir Next" charset="0"/>
+              <a:cs typeface="Avenir Next" charset="0"/>
+            </a:endParaRPr>
+          </a:p>
+          <a:p>
+            <a:pPr algn="just" eaLnBrk="1" hangingPunct="1">
+              <a:spcBef>
+                <a:spcPct val="10000"/>
+              </a:spcBef>
+              <a:buNone/>
+            </a:pPr>
+            <a:r>
+              <a:rPr lang="nl-NL" altLang="nl-NL" sz="4000" b="1" dirty="0" err="1">
+                <a:solidFill>
+                  <a:srgbClr val="191919"/>
+                </a:solidFill>
+                <a:latin typeface="Avenir Next" charset="0"/>
+                <a:ea typeface="Avenir Next" charset="0"/>
+                <a:cs typeface="Avenir Next" charset="0"/>
+              </a:rPr>
+              <a:t>Comparator</a:t>
+            </a:r>
+            <a:endParaRPr lang="nl-NL" altLang="nl-NL" b="1" dirty="0">
+              <a:solidFill>
+                <a:srgbClr val="191919"/>
+              </a:solidFill>
+              <a:latin typeface="Avenir Next" charset="0"/>
+              <a:ea typeface="Avenir Next" charset="0"/>
+              <a:cs typeface="Avenir Next" charset="0"/>
+            </a:endParaRPr>
+          </a:p>
+          <a:p>
+            <a:pPr algn="just" eaLnBrk="1" hangingPunct="1">
+              <a:spcBef>
+                <a:spcPct val="10000"/>
+              </a:spcBef>
+              <a:buNone/>
+            </a:pPr>
+            <a:r>
+              <a:rPr lang="nl-NL" altLang="nl-NL" sz="3600" dirty="0">
+                <a:solidFill>
+                  <a:srgbClr val="191919"/>
+                </a:solidFill>
+                <a:latin typeface="Avenir Next" charset="0"/>
+                <a:ea typeface="Avenir Next" charset="0"/>
+                <a:cs typeface="Avenir Next" charset="0"/>
+              </a:rPr>
+              <a:t>Een </a:t>
+            </a:r>
+            <a:r>
+              <a:rPr lang="nl-NL" altLang="nl-NL" sz="3600" dirty="0" err="1">
+                <a:solidFill>
+                  <a:srgbClr val="191919"/>
+                </a:solidFill>
+                <a:latin typeface="Avenir Next" charset="0"/>
+                <a:ea typeface="Avenir Next" charset="0"/>
+                <a:cs typeface="Avenir Next" charset="0"/>
+              </a:rPr>
+              <a:t>comparator</a:t>
+            </a:r>
+            <a:r>
+              <a:rPr lang="nl-NL" altLang="nl-NL" sz="3600" dirty="0">
+                <a:solidFill>
+                  <a:srgbClr val="191919"/>
+                </a:solidFill>
+                <a:latin typeface="Avenir Next" charset="0"/>
+                <a:ea typeface="Avenir Next" charset="0"/>
+                <a:cs typeface="Avenir Next" charset="0"/>
+              </a:rPr>
+              <a:t> wordt voorgesteld als een verticale lijn die twee kanalen met elkaar verbindt. Een </a:t>
+            </a:r>
+            <a:r>
+              <a:rPr lang="nl-NL" altLang="nl-NL" sz="3600" dirty="0" err="1">
+                <a:solidFill>
+                  <a:srgbClr val="191919"/>
+                </a:solidFill>
+                <a:latin typeface="Avenir Next" charset="0"/>
+                <a:ea typeface="Avenir Next" charset="0"/>
+                <a:cs typeface="Avenir Next" charset="0"/>
+              </a:rPr>
+              <a:t>comparator</a:t>
+            </a:r>
+            <a:r>
+              <a:rPr lang="nl-NL" altLang="nl-NL" sz="3600" dirty="0">
+                <a:solidFill>
+                  <a:srgbClr val="191919"/>
+                </a:solidFill>
+                <a:latin typeface="Avenir Next" charset="0"/>
+                <a:ea typeface="Avenir Next" charset="0"/>
+                <a:cs typeface="Avenir Next" charset="0"/>
+              </a:rPr>
+              <a:t> manipuleert de data die binnenkomt via die twee kanalen door de input van de twee kanalen te vergelijken en de kleinste waarde in het bovenste kanaal te plaatsen en de hoogste waarde in het onderste kanaal.</a:t>
+            </a:r>
+          </a:p>
+          <a:p>
+            <a:pPr algn="just" eaLnBrk="1" hangingPunct="1">
+              <a:spcBef>
+                <a:spcPct val="10000"/>
+              </a:spcBef>
+              <a:buNone/>
+            </a:pPr>
+            <a:endParaRPr lang="nl-NL" altLang="nl-NL" sz="1600" dirty="0">
+              <a:solidFill>
+                <a:srgbClr val="191919"/>
+              </a:solidFill>
+              <a:latin typeface="Avenir Next" charset="0"/>
+              <a:ea typeface="Avenir Next" charset="0"/>
+              <a:cs typeface="Avenir Next" charset="0"/>
+            </a:endParaRPr>
+          </a:p>
+          <a:p>
+            <a:pPr algn="just" eaLnBrk="1" hangingPunct="1">
+              <a:spcBef>
+                <a:spcPct val="10000"/>
+              </a:spcBef>
+              <a:buNone/>
+            </a:pPr>
+            <a:r>
+              <a:rPr lang="nl-NL" altLang="nl-NL" sz="4000" b="1" dirty="0">
+                <a:solidFill>
+                  <a:srgbClr val="191919"/>
+                </a:solidFill>
+                <a:latin typeface="Avenir Next" charset="0"/>
+                <a:ea typeface="Avenir Next" charset="0"/>
+                <a:cs typeface="Avenir Next" charset="0"/>
+              </a:rPr>
+              <a:t>Sorteernetwerk</a:t>
+            </a:r>
+            <a:endParaRPr lang="nl-NL" altLang="nl-NL" sz="3200" b="1" dirty="0">
+              <a:solidFill>
+                <a:srgbClr val="191919"/>
+              </a:solidFill>
+              <a:latin typeface="Avenir Next" charset="0"/>
+              <a:ea typeface="Avenir Next" charset="0"/>
+              <a:cs typeface="Avenir Next" charset="0"/>
+            </a:endParaRPr>
+          </a:p>
+          <a:p>
+            <a:pPr algn="just" eaLnBrk="1" hangingPunct="1">
+              <a:spcBef>
+                <a:spcPct val="10000"/>
+              </a:spcBef>
+              <a:buNone/>
+            </a:pPr>
+            <a:r>
+              <a:rPr lang="nl-NL" altLang="nl-NL" sz="3600" dirty="0">
+                <a:solidFill>
+                  <a:srgbClr val="191919"/>
+                </a:solidFill>
+                <a:latin typeface="Avenir Next" charset="0"/>
+                <a:ea typeface="Avenir Next" charset="0"/>
+                <a:cs typeface="Avenir Next" charset="0"/>
+              </a:rPr>
+              <a:t>Een sorteernetwerk is een </a:t>
+            </a:r>
+            <a:r>
+              <a:rPr lang="nl-NL" altLang="nl-NL" sz="3600" dirty="0" err="1">
+                <a:solidFill>
+                  <a:srgbClr val="191919"/>
+                </a:solidFill>
+                <a:latin typeface="Avenir Next" charset="0"/>
+                <a:ea typeface="Avenir Next" charset="0"/>
+                <a:cs typeface="Avenir Next" charset="0"/>
+              </a:rPr>
+              <a:t>comparator</a:t>
+            </a:r>
+            <a:r>
+              <a:rPr lang="nl-NL" altLang="nl-NL" sz="3600" dirty="0">
+                <a:solidFill>
+                  <a:srgbClr val="191919"/>
+                </a:solidFill>
+                <a:latin typeface="Avenir Next" charset="0"/>
+                <a:ea typeface="Avenir Next" charset="0"/>
+                <a:cs typeface="Avenir Next" charset="0"/>
+              </a:rPr>
+              <a:t> netwerk dat voor elk mogelijke input een gesorteerde output levert. Er wordt onder meer onderzoek verricht naar de optimale grootte bij sorteernetwerken. “Een sorteernetwerk met optimale grootte voor n-input” houdt in dat er geen ander sorteer netwerk bestaat voor n-input met minder </a:t>
+            </a:r>
+            <a:r>
+              <a:rPr lang="nl-NL" altLang="nl-NL" sz="3600" dirty="0" err="1">
+                <a:solidFill>
+                  <a:srgbClr val="191919"/>
+                </a:solidFill>
+                <a:latin typeface="Avenir Next" charset="0"/>
+                <a:ea typeface="Avenir Next" charset="0"/>
+                <a:cs typeface="Avenir Next" charset="0"/>
+              </a:rPr>
+              <a:t>comparatoren</a:t>
+            </a:r>
+            <a:r>
+              <a:rPr lang="nl-NL" altLang="nl-NL" sz="3600" dirty="0" smtClean="0">
+                <a:solidFill>
+                  <a:srgbClr val="191919"/>
+                </a:solidFill>
+                <a:latin typeface="Avenir Next" charset="0"/>
+                <a:ea typeface="Avenir Next" charset="0"/>
+                <a:cs typeface="Avenir Next" charset="0"/>
+              </a:rPr>
+              <a:t>.</a:t>
+            </a:r>
           </a:p>
         </p:txBody>
       </p:sp>

--- a/Poster/Poster_nieuw.pptx
+++ b/Poster/Poster_nieuw.pptx
@@ -968,17 +968,25 @@
       </dgm:t>
     </dgm:pt>
     <dgm:pt modelId="{4BA5B9B9-D4B3-1D4C-A08A-FC44E422CFDB}">
-      <dgm:prSet phldrT="[Tekst]"/>
+      <dgm:prSet phldrT="[Tekst]" custT="1"/>
       <dgm:spPr/>
       <dgm:t>
         <a:bodyPr/>
         <a:lstStyle/>
         <a:p>
           <a:r>
-            <a:rPr lang="nl-NL" dirty="0" smtClean="0"/>
+            <a:rPr lang="nl-NL" sz="4800" dirty="0" smtClean="0">
+              <a:latin typeface="Avenir Next" charset="0"/>
+              <a:ea typeface="Avenir Next" charset="0"/>
+              <a:cs typeface="Avenir Next" charset="0"/>
+            </a:rPr>
             <a:t>N</a:t>
           </a:r>
-          <a:endParaRPr lang="nl-NL" dirty="0"/>
+          <a:endParaRPr lang="nl-NL" sz="4800" dirty="0">
+            <a:latin typeface="Avenir Next" charset="0"/>
+            <a:ea typeface="Avenir Next" charset="0"/>
+            <a:cs typeface="Avenir Next" charset="0"/>
+          </a:endParaRPr>
         </a:p>
       </dgm:t>
     </dgm:pt>
@@ -995,7 +1003,11 @@
     </dgm:pt>
     <dgm:pt modelId="{242F5323-24B4-2D4E-915B-4803422B58EC}" type="sibTrans" cxnId="{F2F00010-8B0B-A943-AB70-2A048F9BABBA}">
       <dgm:prSet/>
-      <dgm:spPr/>
+      <dgm:spPr>
+        <a:solidFill>
+          <a:srgbClr val="256BA1"/>
+        </a:solidFill>
+      </dgm:spPr>
       <dgm:t>
         <a:bodyPr/>
         <a:lstStyle/>
@@ -1005,17 +1017,25 @@
       </dgm:t>
     </dgm:pt>
     <dgm:pt modelId="{A9A8773B-48A9-E441-8E3A-A30D2A514B65}">
-      <dgm:prSet phldrT="[Tekst]"/>
+      <dgm:prSet phldrT="[Tekst]" custT="1"/>
       <dgm:spPr/>
       <dgm:t>
         <a:bodyPr/>
         <a:lstStyle/>
         <a:p>
           <a:r>
-            <a:rPr lang="nl-NL" dirty="0" smtClean="0"/>
+            <a:rPr lang="nl-NL" sz="4800" dirty="0" smtClean="0">
+              <a:latin typeface="Avenir Next" charset="0"/>
+              <a:ea typeface="Avenir Next" charset="0"/>
+              <a:cs typeface="Avenir Next" charset="0"/>
+            </a:rPr>
             <a:t>R</a:t>
           </a:r>
-          <a:endParaRPr lang="nl-NL" dirty="0"/>
+          <a:endParaRPr lang="nl-NL" sz="4800" dirty="0">
+            <a:latin typeface="Avenir Next" charset="0"/>
+            <a:ea typeface="Avenir Next" charset="0"/>
+            <a:cs typeface="Avenir Next" charset="0"/>
+          </a:endParaRPr>
         </a:p>
       </dgm:t>
     </dgm:pt>
@@ -1033,6 +1053,9 @@
     <dgm:pt modelId="{D970EA3B-F985-D74F-8758-0B05E31B786D}" type="sibTrans" cxnId="{46E67A6D-1BF9-9547-9B0A-944B87C45C2B}">
       <dgm:prSet/>
       <dgm:spPr>
+        <a:solidFill>
+          <a:srgbClr val="256BA1"/>
+        </a:solidFill>
         <a:effectLst>
           <a:outerShdw blurRad="40000" dir="5400000" rotWithShape="0">
             <a:srgbClr val="000000">
@@ -1070,7 +1093,7 @@
       <dgm:spPr/>
     </dgm:pt>
     <dgm:pt modelId="{DB3E0501-CC1F-F345-A426-DE9532CD387E}" type="pres">
-      <dgm:prSet presAssocID="{4BA5B9B9-D4B3-1D4C-A08A-FC44E422CFDB}" presName="node" presStyleLbl="revTx" presStyleIdx="0" presStyleCnt="2" custScaleX="21345" custScaleY="21187">
+      <dgm:prSet presAssocID="{4BA5B9B9-D4B3-1D4C-A08A-FC44E422CFDB}" presName="node" presStyleLbl="revTx" presStyleIdx="0" presStyleCnt="2" custScaleX="21345" custScaleY="38402">
         <dgm:presLayoutVars>
           <dgm:bulletEnabled val="1"/>
         </dgm:presLayoutVars>
@@ -1100,7 +1123,7 @@
       <dgm:spPr/>
     </dgm:pt>
     <dgm:pt modelId="{162C1480-8610-0246-99C5-1C606DB83CEE}" type="pres">
-      <dgm:prSet presAssocID="{A9A8773B-48A9-E441-8E3A-A30D2A514B65}" presName="node" presStyleLbl="revTx" presStyleIdx="1" presStyleCnt="2" custScaleX="27791" custScaleY="17193">
+      <dgm:prSet presAssocID="{A9A8773B-48A9-E441-8E3A-A30D2A514B65}" presName="node" presStyleLbl="revTx" presStyleIdx="1" presStyleCnt="2" custScaleX="27791" custScaleY="38403" custRadScaleRad="98594">
         <dgm:presLayoutVars>
           <dgm:bulletEnabled val="1"/>
         </dgm:presLayoutVars>
@@ -1141,11 +1164,13 @@
     <dgm:cxn modelId="{CFCD92B6-BEDF-2140-8DE8-D30880453A67}" type="presParOf" srcId="{180F8959-E184-A345-8F18-A7908437FE87}" destId="{162C1480-8610-0246-99C5-1C606DB83CEE}" srcOrd="4" destOrd="0" presId="urn:microsoft.com/office/officeart/2005/8/layout/cycle1"/>
     <dgm:cxn modelId="{EB7AB2E2-BB20-AF43-BEB9-A0FBFD4EF013}" type="presParOf" srcId="{180F8959-E184-A345-8F18-A7908437FE87}" destId="{82A1DAD5-D719-C24A-A140-7F7493E5FA5C}" srcOrd="5" destOrd="0" presId="urn:microsoft.com/office/officeart/2005/8/layout/cycle1"/>
   </dgm:cxnLst>
-  <dgm:bg/>
+  <dgm:bg>
+    <a:noFill/>
+  </dgm:bg>
   <dgm:whole/>
   <dgm:extLst>
     <a:ext uri="http://schemas.microsoft.com/office/drawing/2008/diagram">
-      <dsp:dataModelExt xmlns:dsp="http://schemas.microsoft.com/office/drawing/2008/diagram" relId="rId12" minVer="http://schemas.openxmlformats.org/drawingml/2006/diagram"/>
+      <dsp:dataModelExt xmlns:dsp="http://schemas.microsoft.com/office/drawing/2008/diagram" relId="rId9" minVer="http://schemas.openxmlformats.org/drawingml/2006/diagram"/>
     </a:ext>
   </dgm:extLst>
 </dgm:dataModel>
@@ -1166,8 +1191,8 @@
       </dsp:nvSpPr>
       <dsp:spPr>
         <a:xfrm>
-          <a:off x="6562351" y="3443355"/>
-          <a:ext cx="630330" cy="625664"/>
+          <a:off x="6562351" y="3189170"/>
+          <a:ext cx="630330" cy="1134034"/>
         </a:xfrm>
         <a:prstGeom prst="rect">
           <a:avLst/>
@@ -1191,12 +1216,12 @@
         <a:fontRef idx="minor"/>
       </dsp:style>
       <dsp:txBody>
-        <a:bodyPr spcFirstLastPara="0" vert="horz" wrap="square" lIns="40640" tIns="40640" rIns="40640" bIns="40640" numCol="1" spcCol="1270" anchor="ctr" anchorCtr="0">
+        <a:bodyPr spcFirstLastPara="0" vert="horz" wrap="square" lIns="60960" tIns="60960" rIns="60960" bIns="60960" numCol="1" spcCol="1270" anchor="ctr" anchorCtr="0">
           <a:noAutofit/>
         </a:bodyPr>
         <a:lstStyle/>
         <a:p>
-          <a:pPr lvl="0" algn="ctr" defTabSz="1422400">
+          <a:pPr lvl="0" algn="ctr" defTabSz="2133600">
             <a:lnSpc>
               <a:spcPct val="90000"/>
             </a:lnSpc>
@@ -1208,15 +1233,23 @@
             </a:spcAft>
           </a:pPr>
           <a:r>
-            <a:rPr lang="nl-NL" sz="3200" kern="1200" dirty="0" smtClean="0"/>
+            <a:rPr lang="nl-NL" sz="4800" kern="1200" dirty="0" smtClean="0">
+              <a:latin typeface="Avenir Next" charset="0"/>
+              <a:ea typeface="Avenir Next" charset="0"/>
+              <a:cs typeface="Avenir Next" charset="0"/>
+            </a:rPr>
             <a:t>N</a:t>
           </a:r>
-          <a:endParaRPr lang="nl-NL" sz="3200" kern="1200" dirty="0"/>
+          <a:endParaRPr lang="nl-NL" sz="4800" kern="1200" dirty="0">
+            <a:latin typeface="Avenir Next" charset="0"/>
+            <a:ea typeface="Avenir Next" charset="0"/>
+            <a:cs typeface="Avenir Next" charset="0"/>
+          </a:endParaRPr>
         </a:p>
       </dsp:txBody>
       <dsp:txXfrm>
-        <a:off x="6562351" y="3443355"/>
-        <a:ext cx="630330" cy="625664"/>
+        <a:off x="6562351" y="3189170"/>
+        <a:ext cx="630330" cy="1134034"/>
       </dsp:txXfrm>
     </dsp:sp>
     <dsp:sp modelId="{98A474B5-D0EE-844D-BB78-CBBE9280E876}">
@@ -1226,45 +1259,21 @@
       </dsp:nvSpPr>
       <dsp:spPr>
         <a:xfrm>
-          <a:off x="1433623" y="722323"/>
+          <a:off x="1451062" y="654595"/>
           <a:ext cx="6067727" cy="6067727"/>
         </a:xfrm>
         <a:prstGeom prst="circularArrow">
           <a:avLst>
             <a:gd name="adj1" fmla="val 9490"/>
             <a:gd name="adj2" fmla="val 685642"/>
-            <a:gd name="adj3" fmla="val 9751571"/>
-            <a:gd name="adj4" fmla="val 447497"/>
+            <a:gd name="adj3" fmla="val 9198106"/>
+            <a:gd name="adj4" fmla="val 916230"/>
             <a:gd name="adj5" fmla="val 11072"/>
           </a:avLst>
         </a:prstGeom>
-        <a:gradFill rotWithShape="0">
-          <a:gsLst>
-            <a:gs pos="0">
-              <a:schemeClr val="accent1">
-                <a:hueOff val="0"/>
-                <a:satOff val="0"/>
-                <a:lumOff val="0"/>
-                <a:alphaOff val="0"/>
-                <a:tint val="100000"/>
-                <a:shade val="100000"/>
-                <a:satMod val="130000"/>
-              </a:schemeClr>
-            </a:gs>
-            <a:gs pos="100000">
-              <a:schemeClr val="accent1">
-                <a:hueOff val="0"/>
-                <a:satOff val="0"/>
-                <a:lumOff val="0"/>
-                <a:alphaOff val="0"/>
-                <a:tint val="50000"/>
-                <a:shade val="100000"/>
-                <a:satMod val="350000"/>
-              </a:schemeClr>
-            </a:gs>
-          </a:gsLst>
-          <a:lin ang="16200000" scaled="0"/>
-        </a:gradFill>
+        <a:solidFill>
+          <a:srgbClr val="256BA1"/>
+        </a:solidFill>
         <a:ln>
           <a:noFill/>
         </a:ln>
@@ -1298,8 +1307,8 @@
       </dsp:nvSpPr>
       <dsp:spPr>
         <a:xfrm>
-          <a:off x="1647114" y="3502327"/>
-          <a:ext cx="820685" cy="507719"/>
+          <a:off x="1680999" y="3189155"/>
+          <a:ext cx="820685" cy="1134063"/>
         </a:xfrm>
         <a:prstGeom prst="rect">
           <a:avLst/>
@@ -1323,12 +1332,12 @@
         <a:fontRef idx="minor"/>
       </dsp:style>
       <dsp:txBody>
-        <a:bodyPr spcFirstLastPara="0" vert="horz" wrap="square" lIns="40640" tIns="40640" rIns="40640" bIns="40640" numCol="1" spcCol="1270" anchor="ctr" anchorCtr="0">
+        <a:bodyPr spcFirstLastPara="0" vert="horz" wrap="square" lIns="60960" tIns="60960" rIns="60960" bIns="60960" numCol="1" spcCol="1270" anchor="ctr" anchorCtr="0">
           <a:noAutofit/>
         </a:bodyPr>
         <a:lstStyle/>
         <a:p>
-          <a:pPr lvl="0" algn="ctr" defTabSz="1422400">
+          <a:pPr lvl="0" algn="ctr" defTabSz="2133600">
             <a:lnSpc>
               <a:spcPct val="90000"/>
             </a:lnSpc>
@@ -1340,15 +1349,23 @@
             </a:spcAft>
           </a:pPr>
           <a:r>
-            <a:rPr lang="nl-NL" sz="3200" kern="1200" dirty="0" smtClean="0"/>
+            <a:rPr lang="nl-NL" sz="4800" kern="1200" dirty="0" smtClean="0">
+              <a:latin typeface="Avenir Next" charset="0"/>
+              <a:ea typeface="Avenir Next" charset="0"/>
+              <a:cs typeface="Avenir Next" charset="0"/>
+            </a:rPr>
             <a:t>R</a:t>
           </a:r>
-          <a:endParaRPr lang="nl-NL" sz="3200" kern="1200" dirty="0"/>
+          <a:endParaRPr lang="nl-NL" sz="4800" kern="1200" dirty="0">
+            <a:latin typeface="Avenir Next" charset="0"/>
+            <a:ea typeface="Avenir Next" charset="0"/>
+            <a:cs typeface="Avenir Next" charset="0"/>
+          </a:endParaRPr>
         </a:p>
       </dsp:txBody>
       <dsp:txXfrm>
-        <a:off x="1647114" y="3502327"/>
-        <a:ext cx="820685" cy="507719"/>
+        <a:off x="1680999" y="3189155"/>
+        <a:ext cx="820685" cy="1134063"/>
       </dsp:txXfrm>
     </dsp:sp>
     <dsp:sp modelId="{82A1DAD5-D719-C24A-A140-7F7493E5FA5C}">
@@ -1358,45 +1375,21 @@
       </dsp:nvSpPr>
       <dsp:spPr>
         <a:xfrm>
-          <a:off x="1433623" y="722414"/>
+          <a:off x="1451062" y="790142"/>
           <a:ext cx="6067727" cy="6067545"/>
         </a:xfrm>
         <a:prstGeom prst="circularArrow">
           <a:avLst>
             <a:gd name="adj1" fmla="val 9490"/>
             <a:gd name="adj2" fmla="val 685642"/>
-            <a:gd name="adj3" fmla="val 20466861"/>
-            <a:gd name="adj4" fmla="val 11162787"/>
+            <a:gd name="adj3" fmla="val 19998128"/>
+            <a:gd name="adj4" fmla="val 11716252"/>
             <a:gd name="adj5" fmla="val 11072"/>
           </a:avLst>
         </a:prstGeom>
-        <a:gradFill rotWithShape="0">
-          <a:gsLst>
-            <a:gs pos="0">
-              <a:schemeClr val="accent1">
-                <a:hueOff val="0"/>
-                <a:satOff val="0"/>
-                <a:lumOff val="0"/>
-                <a:alphaOff val="0"/>
-                <a:tint val="100000"/>
-                <a:shade val="100000"/>
-                <a:satMod val="130000"/>
-              </a:schemeClr>
-            </a:gs>
-            <a:gs pos="100000">
-              <a:schemeClr val="accent1">
-                <a:hueOff val="0"/>
-                <a:satOff val="0"/>
-                <a:lumOff val="0"/>
-                <a:alphaOff val="0"/>
-                <a:tint val="50000"/>
-                <a:shade val="100000"/>
-                <a:satMod val="350000"/>
-              </a:schemeClr>
-            </a:gs>
-          </a:gsLst>
-          <a:lin ang="16200000" scaled="0"/>
-        </a:gradFill>
+        <a:solidFill>
+          <a:srgbClr val="256BA1"/>
+        </a:solidFill>
         <a:ln>
           <a:noFill/>
         </a:ln>
@@ -7223,7 +7216,7 @@
         </p:nvSpPr>
         <p:spPr bwMode="auto">
           <a:xfrm>
-            <a:off x="15768637" y="4611008"/>
+            <a:off x="33288754" y="4926851"/>
             <a:ext cx="13425488" cy="9857317"/>
           </a:xfrm>
           <a:prstGeom prst="rect">
@@ -7557,8 +7550,8 @@
         </p:nvSpPr>
         <p:spPr bwMode="auto">
           <a:xfrm>
-            <a:off x="15894050" y="38239701"/>
-            <a:ext cx="13174663" cy="3651976"/>
+            <a:off x="15719627" y="38239701"/>
+            <a:ext cx="13506247" cy="3651976"/>
           </a:xfrm>
           <a:prstGeom prst="rect">
             <a:avLst/>
@@ -8442,8 +8435,8 @@
         </p:nvSpPr>
         <p:spPr bwMode="auto">
           <a:xfrm>
-            <a:off x="1270000" y="38239700"/>
-            <a:ext cx="13495541" cy="3657600"/>
+            <a:off x="965200" y="38239700"/>
+            <a:ext cx="13474700" cy="3657600"/>
           </a:xfrm>
           <a:prstGeom prst="rect">
             <a:avLst/>
@@ -8734,7 +8727,7 @@
         </p:nvSpPr>
         <p:spPr bwMode="auto">
           <a:xfrm>
-            <a:off x="15894050" y="26725174"/>
+            <a:off x="38959623" y="28394288"/>
             <a:ext cx="13174663" cy="10078068"/>
           </a:xfrm>
           <a:prstGeom prst="rect">
@@ -8977,7 +8970,7 @@
           <a:p>
             <a:pPr algn="ctr" eaLnBrk="1" hangingPunct="1"/>
             <a:r>
-              <a:rPr lang="nl-NL" altLang="nl-NL" sz="8600" dirty="0" err="1" smtClean="0">
+              <a:rPr lang="nl-NL" altLang="nl-NL" sz="8600" b="1" dirty="0" err="1" smtClean="0">
                 <a:latin typeface="Avenir Next" charset="0"/>
                 <a:ea typeface="Avenir Next" charset="0"/>
                 <a:cs typeface="Avenir Next" charset="0"/>
@@ -8985,7 +8978,7 @@
               <a:t>Optimal</a:t>
             </a:r>
             <a:r>
-              <a:rPr lang="nl-NL" altLang="nl-NL" sz="8600" dirty="0" smtClean="0">
+              <a:rPr lang="nl-NL" altLang="nl-NL" sz="8600" b="1" dirty="0" smtClean="0">
                 <a:latin typeface="Avenir Next" charset="0"/>
                 <a:ea typeface="Avenir Next" charset="0"/>
                 <a:cs typeface="Avenir Next" charset="0"/>
@@ -8993,7 +8986,7 @@
               <a:t> </a:t>
             </a:r>
             <a:r>
-              <a:rPr lang="nl-NL" altLang="nl-NL" sz="8600" dirty="0" err="1" smtClean="0">
+              <a:rPr lang="nl-NL" altLang="nl-NL" sz="8600" b="1" dirty="0" err="1" smtClean="0">
                 <a:latin typeface="Avenir Next" charset="0"/>
                 <a:ea typeface="Avenir Next" charset="0"/>
                 <a:cs typeface="Avenir Next" charset="0"/>
@@ -9001,7 +8994,7 @@
               <a:t>Size</a:t>
             </a:r>
             <a:r>
-              <a:rPr lang="nl-NL" altLang="nl-NL" sz="8600" dirty="0" smtClean="0">
+              <a:rPr lang="nl-NL" altLang="nl-NL" sz="8600" b="1" dirty="0" smtClean="0">
                 <a:latin typeface="Avenir Next" charset="0"/>
                 <a:ea typeface="Avenir Next" charset="0"/>
                 <a:cs typeface="Avenir Next" charset="0"/>
@@ -9009,7 +9002,7 @@
               <a:t> </a:t>
             </a:r>
             <a:r>
-              <a:rPr lang="nl-NL" altLang="nl-NL" sz="8600" dirty="0" err="1" smtClean="0">
+              <a:rPr lang="nl-NL" altLang="nl-NL" sz="8600" b="1" dirty="0" err="1" smtClean="0">
                 <a:latin typeface="Avenir Next" charset="0"/>
                 <a:ea typeface="Avenir Next" charset="0"/>
                 <a:cs typeface="Avenir Next" charset="0"/>
@@ -9017,14 +9010,14 @@
               <a:t>Sorting</a:t>
             </a:r>
             <a:r>
-              <a:rPr lang="nl-NL" altLang="nl-NL" sz="8600" dirty="0" smtClean="0">
+              <a:rPr lang="nl-NL" altLang="nl-NL" sz="8600" b="1" dirty="0" smtClean="0">
                 <a:latin typeface="Avenir Next" charset="0"/>
                 <a:ea typeface="Avenir Next" charset="0"/>
                 <a:cs typeface="Avenir Next" charset="0"/>
               </a:rPr>
               <a:t> Network</a:t>
             </a:r>
-            <a:endParaRPr lang="nl-NL" altLang="nl-NL" sz="8600" dirty="0">
+            <a:endParaRPr lang="nl-NL" altLang="nl-NL" sz="8600" b="1" dirty="0">
               <a:latin typeface="Avenir Next" charset="0"/>
               <a:ea typeface="Avenir Next" charset="0"/>
               <a:cs typeface="Avenir Next" charset="0"/>
@@ -9040,7 +9033,7 @@
         </p:nvSpPr>
         <p:spPr>
           <a:xfrm>
-            <a:off x="3917950" y="37377009"/>
+            <a:off x="3765550" y="37377009"/>
             <a:ext cx="317500" cy="288925"/>
           </a:xfrm>
           <a:prstGeom prst="ellipse">
@@ -9093,7 +9086,7 @@
         </p:nvSpPr>
         <p:spPr>
           <a:xfrm>
-            <a:off x="6708775" y="37377009"/>
+            <a:off x="6556375" y="37377009"/>
             <a:ext cx="317500" cy="288925"/>
           </a:xfrm>
           <a:prstGeom prst="ellipse">
@@ -9146,7 +9139,7 @@
         </p:nvSpPr>
         <p:spPr>
           <a:xfrm>
-            <a:off x="9501188" y="37377009"/>
+            <a:off x="9348788" y="37377009"/>
             <a:ext cx="317500" cy="288925"/>
           </a:xfrm>
           <a:prstGeom prst="ellipse">
@@ -9199,7 +9192,7 @@
         </p:nvSpPr>
         <p:spPr>
           <a:xfrm>
-            <a:off x="12293600" y="37377009"/>
+            <a:off x="12141200" y="37377009"/>
             <a:ext cx="317500" cy="288925"/>
           </a:xfrm>
           <a:prstGeom prst="ellipse">
@@ -9252,7 +9245,7 @@
         </p:nvSpPr>
         <p:spPr>
           <a:xfrm>
-            <a:off x="15084425" y="37377009"/>
+            <a:off x="14932025" y="37377009"/>
             <a:ext cx="317500" cy="288925"/>
           </a:xfrm>
           <a:prstGeom prst="ellipse">
@@ -9305,7 +9298,7 @@
         </p:nvSpPr>
         <p:spPr>
           <a:xfrm>
-            <a:off x="17876838" y="37377009"/>
+            <a:off x="17724438" y="37377009"/>
             <a:ext cx="317500" cy="288925"/>
           </a:xfrm>
           <a:prstGeom prst="ellipse">
@@ -9358,7 +9351,7 @@
         </p:nvSpPr>
         <p:spPr>
           <a:xfrm>
-            <a:off x="20667663" y="37377009"/>
+            <a:off x="20515263" y="37377009"/>
             <a:ext cx="317500" cy="288925"/>
           </a:xfrm>
           <a:prstGeom prst="ellipse">
@@ -9411,7 +9404,7 @@
         </p:nvSpPr>
         <p:spPr>
           <a:xfrm>
-            <a:off x="23460075" y="37377009"/>
+            <a:off x="23307675" y="37377009"/>
             <a:ext cx="317500" cy="288925"/>
           </a:xfrm>
           <a:prstGeom prst="ellipse">
@@ -9464,7 +9457,7 @@
         </p:nvSpPr>
         <p:spPr>
           <a:xfrm>
-            <a:off x="26250900" y="37377009"/>
+            <a:off x="26098500" y="37377009"/>
             <a:ext cx="317500" cy="288925"/>
           </a:xfrm>
           <a:prstGeom prst="ellipse">
@@ -9532,7 +9525,7 @@
         </p:blipFill>
         <p:spPr bwMode="auto">
           <a:xfrm>
-            <a:off x="22737048" y="39645510"/>
+            <a:off x="22889448" y="39615030"/>
             <a:ext cx="6350000" cy="2273300"/>
           </a:xfrm>
           <a:prstGeom prst="rect">
@@ -9593,96 +9586,6 @@
           </a:fontRef>
         </p:style>
       </p:cxnSp>
-      <p:pic>
-        <p:nvPicPr>
-          <p:cNvPr id="14" name="Afbeelding 13"/>
-          <p:cNvPicPr>
-            <a:picLocks noChangeAspect="1"/>
-          </p:cNvPicPr>
-          <p:nvPr/>
-        </p:nvPicPr>
-        <p:blipFill>
-          <a:blip r:embed="rId5">
-            <a:extLst>
-              <a:ext uri="{28A0092B-C50C-407E-A947-70E740481C1C}">
-                <a14:useLocalDpi xmlns:a14="http://schemas.microsoft.com/office/drawing/2010/main" val="0"/>
-              </a:ext>
-            </a:extLst>
-          </a:blip>
-          <a:stretch>
-            <a:fillRect/>
-          </a:stretch>
-        </p:blipFill>
-        <p:spPr>
-          <a:xfrm>
-            <a:off x="16665163" y="7321111"/>
-            <a:ext cx="4320000" cy="1936552"/>
-          </a:xfrm>
-          <a:prstGeom prst="rect">
-            <a:avLst/>
-          </a:prstGeom>
-        </p:spPr>
-      </p:pic>
-      <p:pic>
-        <p:nvPicPr>
-          <p:cNvPr id="15" name="Afbeelding 14"/>
-          <p:cNvPicPr>
-            <a:picLocks noChangeAspect="1"/>
-          </p:cNvPicPr>
-          <p:nvPr/>
-        </p:nvPicPr>
-        <p:blipFill>
-          <a:blip r:embed="rId6">
-            <a:extLst>
-              <a:ext uri="{28A0092B-C50C-407E-A947-70E740481C1C}">
-                <a14:useLocalDpi xmlns:a14="http://schemas.microsoft.com/office/drawing/2010/main" val="0"/>
-              </a:ext>
-            </a:extLst>
-          </a:blip>
-          <a:stretch>
-            <a:fillRect/>
-          </a:stretch>
-        </p:blipFill>
-        <p:spPr>
-          <a:xfrm>
-            <a:off x="22737048" y="7421499"/>
-            <a:ext cx="4320000" cy="1936547"/>
-          </a:xfrm>
-          <a:prstGeom prst="rect">
-            <a:avLst/>
-          </a:prstGeom>
-        </p:spPr>
-      </p:pic>
-      <p:pic>
-        <p:nvPicPr>
-          <p:cNvPr id="26" name="Afbeelding 25"/>
-          <p:cNvPicPr>
-            <a:picLocks noChangeAspect="1"/>
-          </p:cNvPicPr>
-          <p:nvPr/>
-        </p:nvPicPr>
-        <p:blipFill>
-          <a:blip r:embed="rId7">
-            <a:extLst>
-              <a:ext uri="{28A0092B-C50C-407E-A947-70E740481C1C}">
-                <a14:useLocalDpi xmlns:a14="http://schemas.microsoft.com/office/drawing/2010/main" val="0"/>
-              </a:ext>
-            </a:extLst>
-          </a:blip>
-          <a:stretch>
-            <a:fillRect/>
-          </a:stretch>
-        </p:blipFill>
-        <p:spPr>
-          <a:xfrm>
-            <a:off x="18288001" y="9734798"/>
-            <a:ext cx="7200000" cy="3443050"/>
-          </a:xfrm>
-          <a:prstGeom prst="rect">
-            <a:avLst/>
-          </a:prstGeom>
-        </p:spPr>
-      </p:pic>
       <p:graphicFrame>
         <p:nvGraphicFramePr>
           <p:cNvPr id="27" name="Diagram 26"/>
@@ -9690,18 +9593,18 @@
           <p:nvPr>
             <p:extLst>
               <p:ext uri="{D42A27DB-BD31-4B8C-83A1-F6EECF244321}">
-                <p14:modId xmlns:p14="http://schemas.microsoft.com/office/powerpoint/2010/main" val="349535917"/>
+                <p14:modId xmlns:p14="http://schemas.microsoft.com/office/powerpoint/2010/main" val="1657200841"/>
               </p:ext>
             </p:extLst>
           </p:nvPr>
         </p:nvGraphicFramePr>
         <p:xfrm>
-          <a:off x="10851130" y="12533702"/>
+          <a:off x="10596363" y="12484618"/>
           <a:ext cx="7773609" cy="7512375"/>
         </p:xfrm>
         <a:graphic>
           <a:graphicData uri="http://schemas.openxmlformats.org/drawingml/2006/diagram">
-            <dgm:relIds xmlns:dgm="http://schemas.openxmlformats.org/drawingml/2006/diagram" xmlns:r="http://schemas.openxmlformats.org/officeDocument/2006/relationships" r:dm="rId8" r:lo="rId9" r:qs="rId10" r:cs="rId11"/>
+            <dgm:relIds xmlns:dgm="http://schemas.openxmlformats.org/drawingml/2006/diagram" xmlns:r="http://schemas.openxmlformats.org/officeDocument/2006/relationships" r:dm="rId5" r:lo="rId6" r:qs="rId7" r:cs="rId8"/>
           </a:graphicData>
         </a:graphic>
       </p:graphicFrame>
@@ -9713,7 +9616,7 @@
         </p:nvSpPr>
         <p:spPr>
           <a:xfrm>
-            <a:off x="20883261" y="17329885"/>
+            <a:off x="35448754" y="16064122"/>
             <a:ext cx="3507694" cy="1015663"/>
           </a:xfrm>
           <a:prstGeom prst="rect">
@@ -9751,7 +9654,7 @@
         </p:nvSpPr>
         <p:spPr>
           <a:xfrm>
-            <a:off x="21475851" y="23194945"/>
+            <a:off x="38956448" y="17767364"/>
             <a:ext cx="2322513" cy="1015663"/>
           </a:xfrm>
           <a:prstGeom prst="rect">
@@ -9789,7 +9692,7 @@
         </p:nvSpPr>
         <p:spPr>
           <a:xfrm rot="5400000">
-            <a:off x="2762847" y="3118160"/>
+            <a:off x="2458047" y="3118160"/>
             <a:ext cx="10489005" cy="13474701"/>
           </a:xfrm>
           <a:prstGeom prst="snip1Rect">
@@ -9821,7 +9724,7 @@
           </a:fontRef>
         </p:style>
         <p:txBody>
-          <a:bodyPr vert="vert270" lIns="540000" tIns="0" bIns="720000" rtlCol="0" anchor="t"/>
+          <a:bodyPr vert="vert270" lIns="1080000" tIns="0" rIns="180000" bIns="720000" rtlCol="0" anchor="t"/>
           <a:lstStyle/>
           <a:p>
             <a:pPr algn="just" eaLnBrk="1" hangingPunct="1">
@@ -10005,7 +9908,7 @@
         </p:nvSpPr>
         <p:spPr>
           <a:xfrm>
-            <a:off x="1280419" y="17329885"/>
+            <a:off x="975619" y="17329885"/>
             <a:ext cx="13474701" cy="19473357"/>
           </a:xfrm>
           <a:prstGeom prst="snip1Rect">
@@ -10202,7 +10105,7 @@
               <a:t>comparatoren</a:t>
             </a:r>
             <a:r>
-              <a:rPr lang="nl-NL" altLang="nl-NL" sz="3600" dirty="0">
+              <a:rPr lang="nl-NL" altLang="nl-NL" sz="3600" dirty="0" smtClean="0">
                 <a:solidFill>
                   <a:srgbClr val="191919"/>
                 </a:solidFill>
@@ -10212,6 +10115,91 @@
               </a:rPr>
               <a:t>.</a:t>
             </a:r>
+          </a:p>
+          <a:p>
+            <a:pPr marL="571500" indent="-571500" algn="just" eaLnBrk="1" hangingPunct="1">
+              <a:spcBef>
+                <a:spcPct val="10000"/>
+              </a:spcBef>
+              <a:buFont typeface="Arial" charset="0"/>
+              <a:buChar char="•"/>
+            </a:pPr>
+            <a:endParaRPr lang="nl-NL" altLang="nl-NL" sz="3600" dirty="0">
+              <a:solidFill>
+                <a:srgbClr val="191919"/>
+              </a:solidFill>
+              <a:latin typeface="Avenir Next" charset="0"/>
+              <a:ea typeface="Avenir Next" charset="0"/>
+              <a:cs typeface="Avenir Next" charset="0"/>
+            </a:endParaRPr>
+          </a:p>
+          <a:p>
+            <a:pPr marL="571500" indent="-571500" algn="just" eaLnBrk="1" hangingPunct="1">
+              <a:spcBef>
+                <a:spcPct val="10000"/>
+              </a:spcBef>
+              <a:buFont typeface="Arial" charset="0"/>
+              <a:buChar char="•"/>
+            </a:pPr>
+            <a:endParaRPr lang="nl-NL" altLang="nl-NL" sz="3600" dirty="0" smtClean="0">
+              <a:solidFill>
+                <a:srgbClr val="191919"/>
+              </a:solidFill>
+              <a:latin typeface="Avenir Next" charset="0"/>
+              <a:ea typeface="Avenir Next" charset="0"/>
+              <a:cs typeface="Avenir Next" charset="0"/>
+            </a:endParaRPr>
+          </a:p>
+          <a:p>
+            <a:pPr marL="571500" indent="-571500" algn="just" eaLnBrk="1" hangingPunct="1">
+              <a:spcBef>
+                <a:spcPct val="10000"/>
+              </a:spcBef>
+              <a:buFont typeface="Arial" charset="0"/>
+              <a:buChar char="•"/>
+            </a:pPr>
+            <a:endParaRPr lang="nl-NL" altLang="nl-NL" sz="3600" dirty="0">
+              <a:solidFill>
+                <a:srgbClr val="191919"/>
+              </a:solidFill>
+              <a:latin typeface="Avenir Next" charset="0"/>
+              <a:ea typeface="Avenir Next" charset="0"/>
+              <a:cs typeface="Avenir Next" charset="0"/>
+            </a:endParaRPr>
+          </a:p>
+          <a:p>
+            <a:pPr marL="571500" indent="-571500" algn="just" eaLnBrk="1" hangingPunct="1">
+              <a:spcBef>
+                <a:spcPct val="10000"/>
+              </a:spcBef>
+              <a:buFont typeface="Arial" charset="0"/>
+              <a:buChar char="•"/>
+            </a:pPr>
+            <a:endParaRPr lang="nl-NL" altLang="nl-NL" sz="3600" dirty="0" smtClean="0">
+              <a:solidFill>
+                <a:srgbClr val="191919"/>
+              </a:solidFill>
+              <a:latin typeface="Avenir Next" charset="0"/>
+              <a:ea typeface="Avenir Next" charset="0"/>
+              <a:cs typeface="Avenir Next" charset="0"/>
+            </a:endParaRPr>
+          </a:p>
+          <a:p>
+            <a:pPr marL="571500" indent="-571500" algn="just" eaLnBrk="1" hangingPunct="1">
+              <a:spcBef>
+                <a:spcPct val="10000"/>
+              </a:spcBef>
+              <a:buFont typeface="Arial" charset="0"/>
+              <a:buChar char="•"/>
+            </a:pPr>
+            <a:endParaRPr lang="nl-NL" altLang="nl-NL" sz="3600" dirty="0">
+              <a:solidFill>
+                <a:srgbClr val="191919"/>
+              </a:solidFill>
+              <a:latin typeface="Avenir Next" charset="0"/>
+              <a:ea typeface="Avenir Next" charset="0"/>
+              <a:cs typeface="Avenir Next" charset="0"/>
+            </a:endParaRPr>
           </a:p>
           <a:p>
             <a:pPr algn="just" eaLnBrk="1" hangingPunct="1">
@@ -10400,8 +10388,115 @@
                 <a:ea typeface="Avenir Next" charset="0"/>
                 <a:cs typeface="Avenir Next" charset="0"/>
               </a:rPr>
-              <a:t> manipuleert de data die binnenkomt via die twee kanalen door de input van de twee kanalen te vergelijken en de kleinste waarde in het bovenste kanaal te plaatsen en de hoogste waarde in het onderste kanaal.</a:t>
-            </a:r>
+              <a:t> manipuleert de data die binnenkomt via die twee kanalen door de input van de twee kanalen te vergelijken en de kleinste waarde in het bovenste kanaal te plaatsen en de hoogste waarde in het onderste kanaal</a:t>
+            </a:r>
+            <a:r>
+              <a:rPr lang="nl-NL" altLang="nl-NL" sz="3600" dirty="0" smtClean="0">
+                <a:solidFill>
+                  <a:srgbClr val="191919"/>
+                </a:solidFill>
+                <a:latin typeface="Avenir Next" charset="0"/>
+                <a:ea typeface="Avenir Next" charset="0"/>
+                <a:cs typeface="Avenir Next" charset="0"/>
+              </a:rPr>
+              <a:t>.</a:t>
+            </a:r>
+          </a:p>
+          <a:p>
+            <a:pPr algn="just" eaLnBrk="1" hangingPunct="1">
+              <a:spcBef>
+                <a:spcPct val="10000"/>
+              </a:spcBef>
+              <a:buNone/>
+            </a:pPr>
+            <a:endParaRPr lang="nl-NL" altLang="nl-NL" sz="3600" dirty="0">
+              <a:solidFill>
+                <a:srgbClr val="191919"/>
+              </a:solidFill>
+              <a:latin typeface="Avenir Next" charset="0"/>
+              <a:ea typeface="Avenir Next" charset="0"/>
+              <a:cs typeface="Avenir Next" charset="0"/>
+            </a:endParaRPr>
+          </a:p>
+          <a:p>
+            <a:pPr algn="just" eaLnBrk="1" hangingPunct="1">
+              <a:spcBef>
+                <a:spcPct val="10000"/>
+              </a:spcBef>
+              <a:buNone/>
+            </a:pPr>
+            <a:endParaRPr lang="nl-NL" altLang="nl-NL" sz="3600" dirty="0" smtClean="0">
+              <a:solidFill>
+                <a:srgbClr val="191919"/>
+              </a:solidFill>
+              <a:latin typeface="Avenir Next" charset="0"/>
+              <a:ea typeface="Avenir Next" charset="0"/>
+              <a:cs typeface="Avenir Next" charset="0"/>
+            </a:endParaRPr>
+          </a:p>
+          <a:p>
+            <a:pPr algn="just" eaLnBrk="1" hangingPunct="1">
+              <a:spcBef>
+                <a:spcPct val="10000"/>
+              </a:spcBef>
+              <a:buNone/>
+            </a:pPr>
+            <a:endParaRPr lang="nl-NL" altLang="nl-NL" sz="3600" dirty="0">
+              <a:solidFill>
+                <a:srgbClr val="191919"/>
+              </a:solidFill>
+              <a:latin typeface="Avenir Next" charset="0"/>
+              <a:ea typeface="Avenir Next" charset="0"/>
+              <a:cs typeface="Avenir Next" charset="0"/>
+            </a:endParaRPr>
+          </a:p>
+          <a:p>
+            <a:pPr algn="just" eaLnBrk="1" hangingPunct="1">
+              <a:spcBef>
+                <a:spcPct val="10000"/>
+              </a:spcBef>
+              <a:buNone/>
+            </a:pPr>
+            <a:endParaRPr lang="nl-NL" altLang="nl-NL" sz="3600" dirty="0" smtClean="0">
+              <a:solidFill>
+                <a:srgbClr val="191919"/>
+              </a:solidFill>
+              <a:latin typeface="Avenir Next" charset="0"/>
+              <a:ea typeface="Avenir Next" charset="0"/>
+              <a:cs typeface="Avenir Next" charset="0"/>
+            </a:endParaRPr>
+          </a:p>
+          <a:p>
+            <a:pPr algn="just" eaLnBrk="1" hangingPunct="1">
+              <a:spcBef>
+                <a:spcPct val="10000"/>
+              </a:spcBef>
+              <a:buNone/>
+            </a:pPr>
+            <a:endParaRPr lang="nl-NL" altLang="nl-NL" sz="3600" dirty="0">
+              <a:solidFill>
+                <a:srgbClr val="191919"/>
+              </a:solidFill>
+              <a:latin typeface="Avenir Next" charset="0"/>
+              <a:ea typeface="Avenir Next" charset="0"/>
+              <a:cs typeface="Avenir Next" charset="0"/>
+            </a:endParaRPr>
+          </a:p>
+          <a:p>
+            <a:pPr algn="just" eaLnBrk="1" hangingPunct="1">
+              <a:spcBef>
+                <a:spcPct val="10000"/>
+              </a:spcBef>
+              <a:buNone/>
+            </a:pPr>
+            <a:endParaRPr lang="nl-NL" altLang="nl-NL" sz="3600" dirty="0">
+              <a:solidFill>
+                <a:srgbClr val="191919"/>
+              </a:solidFill>
+              <a:latin typeface="Avenir Next" charset="0"/>
+              <a:ea typeface="Avenir Next" charset="0"/>
+              <a:cs typeface="Avenir Next" charset="0"/>
+            </a:endParaRPr>
           </a:p>
           <a:p>
             <a:pPr algn="just" eaLnBrk="1" hangingPunct="1">
@@ -10419,6 +10514,50 @@
               <a:cs typeface="Avenir Next" charset="0"/>
             </a:endParaRPr>
           </a:p>
+        </p:txBody>
+      </p:sp>
+      <p:sp>
+        <p:nvSpPr>
+          <p:cNvPr id="30" name="Afgeschuind enkele hoek rechthoek 29"/>
+          <p:cNvSpPr/>
+          <p:nvPr/>
+        </p:nvSpPr>
+        <p:spPr>
+          <a:xfrm rot="16200000" flipH="1">
+            <a:off x="17244256" y="3118160"/>
+            <a:ext cx="10489006" cy="13474701"/>
+          </a:xfrm>
+          <a:prstGeom prst="snip1Rect">
+            <a:avLst>
+              <a:gd name="adj" fmla="val 25385"/>
+            </a:avLst>
+          </a:prstGeom>
+          <a:solidFill>
+            <a:schemeClr val="bg1"/>
+          </a:solidFill>
+          <a:ln>
+            <a:solidFill>
+              <a:schemeClr val="tx1"/>
+            </a:solidFill>
+          </a:ln>
+        </p:spPr>
+        <p:style>
+          <a:lnRef idx="1">
+            <a:schemeClr val="accent1"/>
+          </a:lnRef>
+          <a:fillRef idx="3">
+            <a:schemeClr val="accent1"/>
+          </a:fillRef>
+          <a:effectRef idx="2">
+            <a:schemeClr val="accent1"/>
+          </a:effectRef>
+          <a:fontRef idx="minor">
+            <a:schemeClr val="lt1"/>
+          </a:fontRef>
+        </p:style>
+        <p:txBody>
+          <a:bodyPr vert="vert" lIns="180000" tIns="0" rIns="1080000" bIns="720000" rtlCol="0" anchor="t"/>
+          <a:lstStyle/>
           <a:p>
             <a:pPr algn="just" eaLnBrk="1" hangingPunct="1">
               <a:spcBef>
@@ -10498,7 +10637,7 @@
               <a:t>comparatoren</a:t>
             </a:r>
             <a:r>
-              <a:rPr lang="nl-NL" altLang="nl-NL" sz="3600" dirty="0" smtClean="0">
+              <a:rPr lang="nl-NL" altLang="nl-NL" sz="3600" dirty="0">
                 <a:solidFill>
                   <a:srgbClr val="191919"/>
                 </a:solidFill>
@@ -10508,6 +10647,467 @@
               </a:rPr>
               <a:t>.</a:t>
             </a:r>
+          </a:p>
+        </p:txBody>
+      </p:sp>
+      <p:sp>
+        <p:nvSpPr>
+          <p:cNvPr id="31" name="Afgeschuind enkele hoek rechthoek 30"/>
+          <p:cNvSpPr/>
+          <p:nvPr/>
+        </p:nvSpPr>
+        <p:spPr>
+          <a:xfrm flipH="1">
+            <a:off x="15719627" y="17329885"/>
+            <a:ext cx="13474701" cy="19473357"/>
+          </a:xfrm>
+          <a:prstGeom prst="snip1Rect">
+            <a:avLst>
+              <a:gd name="adj" fmla="val 19636"/>
+            </a:avLst>
+          </a:prstGeom>
+          <a:solidFill>
+            <a:schemeClr val="bg1"/>
+          </a:solidFill>
+          <a:ln>
+            <a:solidFill>
+              <a:srgbClr val="191919"/>
+            </a:solidFill>
+          </a:ln>
+        </p:spPr>
+        <p:style>
+          <a:lnRef idx="1">
+            <a:schemeClr val="accent1"/>
+          </a:lnRef>
+          <a:fillRef idx="3">
+            <a:schemeClr val="accent1"/>
+          </a:fillRef>
+          <a:effectRef idx="2">
+            <a:schemeClr val="accent1"/>
+          </a:effectRef>
+          <a:fontRef idx="minor">
+            <a:schemeClr val="lt1"/>
+          </a:fontRef>
+        </p:style>
+        <p:txBody>
+          <a:bodyPr lIns="720000" tIns="0" rIns="0" bIns="0" rtlCol="0" anchor="t"/>
+          <a:lstStyle/>
+          <a:p>
+            <a:pPr algn="just" eaLnBrk="1" hangingPunct="1">
+              <a:spcBef>
+                <a:spcPct val="50000"/>
+              </a:spcBef>
+              <a:buFontTx/>
+              <a:buNone/>
+            </a:pPr>
+            <a:r>
+              <a:rPr lang="nl-NL" altLang="nl-NL" sz="4800" b="1" dirty="0" smtClean="0">
+                <a:solidFill>
+                  <a:srgbClr val="191919"/>
+                </a:solidFill>
+                <a:latin typeface="Avenir Next" charset="0"/>
+                <a:ea typeface="Avenir Next" charset="0"/>
+                <a:cs typeface="Avenir Next" charset="0"/>
+              </a:rPr>
+              <a:t>Resultaten</a:t>
+            </a:r>
+            <a:endParaRPr lang="nl-NL" altLang="nl-NL" sz="3600" b="1" dirty="0" smtClean="0">
+              <a:solidFill>
+                <a:srgbClr val="191919"/>
+              </a:solidFill>
+              <a:latin typeface="Avenir Next" charset="0"/>
+              <a:ea typeface="Avenir Next" charset="0"/>
+              <a:cs typeface="Avenir Next" charset="0"/>
+            </a:endParaRPr>
+          </a:p>
+          <a:p>
+            <a:pPr algn="just" eaLnBrk="1" hangingPunct="1">
+              <a:spcBef>
+                <a:spcPct val="50000"/>
+              </a:spcBef>
+              <a:buFontTx/>
+              <a:buNone/>
+            </a:pPr>
+            <a:endParaRPr lang="nl-NL" altLang="nl-NL" sz="3600" dirty="0">
+              <a:solidFill>
+                <a:srgbClr val="191919"/>
+              </a:solidFill>
+              <a:latin typeface="Avenir Next" charset="0"/>
+              <a:ea typeface="Avenir Next" charset="0"/>
+              <a:cs typeface="Avenir Next" charset="0"/>
+            </a:endParaRPr>
+          </a:p>
+          <a:p>
+            <a:pPr algn="just" eaLnBrk="1" hangingPunct="1">
+              <a:spcBef>
+                <a:spcPct val="50000"/>
+              </a:spcBef>
+              <a:buFontTx/>
+              <a:buNone/>
+            </a:pPr>
+            <a:endParaRPr lang="nl-NL" altLang="nl-NL" sz="3600" dirty="0" smtClean="0">
+              <a:solidFill>
+                <a:srgbClr val="191919"/>
+              </a:solidFill>
+              <a:latin typeface="Avenir Next" charset="0"/>
+              <a:ea typeface="Avenir Next" charset="0"/>
+              <a:cs typeface="Avenir Next" charset="0"/>
+            </a:endParaRPr>
+          </a:p>
+          <a:p>
+            <a:pPr algn="just" eaLnBrk="1" hangingPunct="1">
+              <a:spcBef>
+                <a:spcPct val="50000"/>
+              </a:spcBef>
+              <a:buFontTx/>
+              <a:buNone/>
+            </a:pPr>
+            <a:endParaRPr lang="nl-NL" altLang="nl-NL" sz="3600" dirty="0">
+              <a:solidFill>
+                <a:srgbClr val="191919"/>
+              </a:solidFill>
+              <a:latin typeface="Avenir Next" charset="0"/>
+              <a:ea typeface="Avenir Next" charset="0"/>
+              <a:cs typeface="Avenir Next" charset="0"/>
+            </a:endParaRPr>
+          </a:p>
+          <a:p>
+            <a:pPr algn="just" eaLnBrk="1" hangingPunct="1">
+              <a:spcBef>
+                <a:spcPct val="50000"/>
+              </a:spcBef>
+              <a:buFontTx/>
+              <a:buNone/>
+            </a:pPr>
+            <a:endParaRPr lang="nl-NL" altLang="nl-NL" sz="3600" dirty="0" smtClean="0">
+              <a:solidFill>
+                <a:srgbClr val="191919"/>
+              </a:solidFill>
+              <a:latin typeface="Avenir Next" charset="0"/>
+              <a:ea typeface="Avenir Next" charset="0"/>
+              <a:cs typeface="Avenir Next" charset="0"/>
+            </a:endParaRPr>
+          </a:p>
+          <a:p>
+            <a:pPr algn="just" eaLnBrk="1" hangingPunct="1">
+              <a:spcBef>
+                <a:spcPct val="50000"/>
+              </a:spcBef>
+              <a:buFontTx/>
+              <a:buNone/>
+            </a:pPr>
+            <a:endParaRPr lang="nl-NL" altLang="nl-NL" sz="3600" dirty="0">
+              <a:solidFill>
+                <a:srgbClr val="191919"/>
+              </a:solidFill>
+              <a:latin typeface="Avenir Next" charset="0"/>
+              <a:ea typeface="Avenir Next" charset="0"/>
+              <a:cs typeface="Avenir Next" charset="0"/>
+            </a:endParaRPr>
+          </a:p>
+          <a:p>
+            <a:pPr algn="just" eaLnBrk="1" hangingPunct="1">
+              <a:spcBef>
+                <a:spcPct val="50000"/>
+              </a:spcBef>
+              <a:buFontTx/>
+              <a:buNone/>
+            </a:pPr>
+            <a:endParaRPr lang="nl-NL" altLang="nl-NL" sz="3600" dirty="0" smtClean="0">
+              <a:solidFill>
+                <a:srgbClr val="191919"/>
+              </a:solidFill>
+              <a:latin typeface="Avenir Next" charset="0"/>
+              <a:ea typeface="Avenir Next" charset="0"/>
+              <a:cs typeface="Avenir Next" charset="0"/>
+            </a:endParaRPr>
+          </a:p>
+          <a:p>
+            <a:pPr algn="just" eaLnBrk="1" hangingPunct="1">
+              <a:spcBef>
+                <a:spcPct val="50000"/>
+              </a:spcBef>
+              <a:buFontTx/>
+              <a:buNone/>
+            </a:pPr>
+            <a:endParaRPr lang="nl-NL" altLang="nl-NL" sz="3600" dirty="0">
+              <a:solidFill>
+                <a:srgbClr val="191919"/>
+              </a:solidFill>
+              <a:latin typeface="Avenir Next" charset="0"/>
+              <a:ea typeface="Avenir Next" charset="0"/>
+              <a:cs typeface="Avenir Next" charset="0"/>
+            </a:endParaRPr>
+          </a:p>
+          <a:p>
+            <a:pPr algn="just" eaLnBrk="1" hangingPunct="1">
+              <a:spcBef>
+                <a:spcPct val="50000"/>
+              </a:spcBef>
+              <a:buFontTx/>
+              <a:buNone/>
+            </a:pPr>
+            <a:endParaRPr lang="nl-NL" altLang="nl-NL" sz="3600" dirty="0" smtClean="0">
+              <a:solidFill>
+                <a:srgbClr val="191919"/>
+              </a:solidFill>
+              <a:latin typeface="Avenir Next" charset="0"/>
+              <a:ea typeface="Avenir Next" charset="0"/>
+              <a:cs typeface="Avenir Next" charset="0"/>
+            </a:endParaRPr>
+          </a:p>
+          <a:p>
+            <a:pPr algn="just" eaLnBrk="1" hangingPunct="1">
+              <a:spcBef>
+                <a:spcPct val="50000"/>
+              </a:spcBef>
+              <a:buFontTx/>
+              <a:buNone/>
+            </a:pPr>
+            <a:endParaRPr lang="nl-NL" altLang="nl-NL" sz="3600" dirty="0">
+              <a:solidFill>
+                <a:srgbClr val="191919"/>
+              </a:solidFill>
+              <a:latin typeface="Avenir Next" charset="0"/>
+              <a:ea typeface="Avenir Next" charset="0"/>
+              <a:cs typeface="Avenir Next" charset="0"/>
+            </a:endParaRPr>
+          </a:p>
+          <a:p>
+            <a:pPr algn="just" eaLnBrk="1" hangingPunct="1">
+              <a:spcBef>
+                <a:spcPct val="50000"/>
+              </a:spcBef>
+              <a:buFontTx/>
+              <a:buNone/>
+            </a:pPr>
+            <a:r>
+              <a:rPr lang="nl-NL" altLang="nl-NL" sz="4800" b="1" dirty="0" smtClean="0">
+                <a:solidFill>
+                  <a:srgbClr val="191919"/>
+                </a:solidFill>
+                <a:latin typeface="Avenir Next" charset="0"/>
+                <a:ea typeface="Avenir Next" charset="0"/>
+                <a:cs typeface="Avenir Next" charset="0"/>
+              </a:rPr>
+              <a:t>Conclusie</a:t>
+            </a:r>
+            <a:endParaRPr lang="nl-NL" altLang="nl-NL" sz="3600" b="1" dirty="0" smtClean="0">
+              <a:solidFill>
+                <a:srgbClr val="191919"/>
+              </a:solidFill>
+              <a:latin typeface="Avenir Next" charset="0"/>
+              <a:ea typeface="Avenir Next" charset="0"/>
+              <a:cs typeface="Avenir Next" charset="0"/>
+            </a:endParaRPr>
+          </a:p>
+        </p:txBody>
+      </p:sp>
+      <p:sp>
+        <p:nvSpPr>
+          <p:cNvPr id="33" name="Pijl links 32"/>
+          <p:cNvSpPr/>
+          <p:nvPr/>
+        </p:nvSpPr>
+        <p:spPr>
+          <a:xfrm>
+            <a:off x="18527907" y="15113526"/>
+            <a:ext cx="8196063" cy="2229873"/>
+          </a:xfrm>
+          <a:prstGeom prst="rightArrow">
+            <a:avLst/>
+          </a:prstGeom>
+          <a:solidFill>
+            <a:srgbClr val="256BA1"/>
+          </a:solidFill>
+          <a:ln>
+            <a:noFill/>
+          </a:ln>
+        </p:spPr>
+        <p:style>
+          <a:lnRef idx="1">
+            <a:schemeClr val="accent1"/>
+          </a:lnRef>
+          <a:fillRef idx="3">
+            <a:schemeClr val="accent1"/>
+          </a:fillRef>
+          <a:effectRef idx="2">
+            <a:schemeClr val="accent1"/>
+          </a:effectRef>
+          <a:fontRef idx="minor">
+            <a:schemeClr val="lt1"/>
+          </a:fontRef>
+        </p:style>
+        <p:txBody>
+          <a:bodyPr rtlCol="0" anchor="ctr"/>
+          <a:lstStyle/>
+          <a:p>
+            <a:pPr algn="ctr"/>
+            <a:endParaRPr lang="nl-NL"/>
+          </a:p>
+        </p:txBody>
+      </p:sp>
+      <p:pic>
+        <p:nvPicPr>
+          <p:cNvPr id="14" name="Afbeelding 13"/>
+          <p:cNvPicPr>
+            <a:picLocks noChangeAspect="1"/>
+          </p:cNvPicPr>
+          <p:nvPr/>
+        </p:nvPicPr>
+        <p:blipFill>
+          <a:blip r:embed="rId10">
+            <a:extLst>
+              <a:ext uri="{28A0092B-C50C-407E-A947-70E740481C1C}">
+                <a14:useLocalDpi xmlns:a14="http://schemas.microsoft.com/office/drawing/2010/main" val="0"/>
+              </a:ext>
+            </a:extLst>
+          </a:blip>
+          <a:stretch>
+            <a:fillRect/>
+          </a:stretch>
+        </p:blipFill>
+        <p:spPr>
+          <a:xfrm>
+            <a:off x="2388775" y="33906412"/>
+            <a:ext cx="4320000" cy="1936552"/>
+          </a:xfrm>
+          <a:prstGeom prst="rect">
+            <a:avLst/>
+          </a:prstGeom>
+        </p:spPr>
+      </p:pic>
+      <p:pic>
+        <p:nvPicPr>
+          <p:cNvPr id="15" name="Afbeelding 14"/>
+          <p:cNvPicPr>
+            <a:picLocks noChangeAspect="1"/>
+          </p:cNvPicPr>
+          <p:nvPr/>
+        </p:nvPicPr>
+        <p:blipFill>
+          <a:blip r:embed="rId11">
+            <a:extLst>
+              <a:ext uri="{28A0092B-C50C-407E-A947-70E740481C1C}">
+                <a14:useLocalDpi xmlns:a14="http://schemas.microsoft.com/office/drawing/2010/main" val="0"/>
+              </a:ext>
+            </a:extLst>
+          </a:blip>
+          <a:stretch>
+            <a:fillRect/>
+          </a:stretch>
+        </p:blipFill>
+        <p:spPr>
+          <a:xfrm>
+            <a:off x="8121931" y="33906417"/>
+            <a:ext cx="4320000" cy="1936547"/>
+          </a:xfrm>
+          <a:prstGeom prst="rect">
+            <a:avLst/>
+          </a:prstGeom>
+        </p:spPr>
+      </p:pic>
+      <p:pic>
+        <p:nvPicPr>
+          <p:cNvPr id="26" name="Afbeelding 25"/>
+          <p:cNvPicPr>
+            <a:picLocks noChangeAspect="1"/>
+          </p:cNvPicPr>
+          <p:nvPr/>
+        </p:nvPicPr>
+        <p:blipFill>
+          <a:blip r:embed="rId12">
+            <a:extLst>
+              <a:ext uri="{28A0092B-C50C-407E-A947-70E740481C1C}">
+                <a14:useLocalDpi xmlns:a14="http://schemas.microsoft.com/office/drawing/2010/main" val="0"/>
+              </a:ext>
+            </a:extLst>
+          </a:blip>
+          <a:stretch>
+            <a:fillRect/>
+          </a:stretch>
+        </p:blipFill>
+        <p:spPr>
+          <a:xfrm>
+            <a:off x="19050900" y="10867970"/>
+            <a:ext cx="7200000" cy="3443050"/>
+          </a:xfrm>
+          <a:prstGeom prst="rect">
+            <a:avLst/>
+          </a:prstGeom>
+        </p:spPr>
+      </p:pic>
+      <p:pic>
+        <p:nvPicPr>
+          <p:cNvPr id="5" name="Afbeelding 4"/>
+          <p:cNvPicPr>
+            <a:picLocks noChangeAspect="1"/>
+          </p:cNvPicPr>
+          <p:nvPr/>
+        </p:nvPicPr>
+        <p:blipFill>
+          <a:blip r:embed="rId13">
+            <a:extLst>
+              <a:ext uri="{28A0092B-C50C-407E-A947-70E740481C1C}">
+                <a14:useLocalDpi xmlns:a14="http://schemas.microsoft.com/office/drawing/2010/main" val="0"/>
+              </a:ext>
+            </a:extLst>
+          </a:blip>
+          <a:stretch>
+            <a:fillRect/>
+          </a:stretch>
+        </p:blipFill>
+        <p:spPr>
+          <a:xfrm>
+            <a:off x="4339009" y="22302371"/>
+            <a:ext cx="6332765" cy="3450961"/>
+          </a:xfrm>
+          <a:prstGeom prst="rect">
+            <a:avLst/>
+          </a:prstGeom>
+        </p:spPr>
+      </p:pic>
+      <p:sp>
+        <p:nvSpPr>
+          <p:cNvPr id="35" name="Pijl links 34"/>
+          <p:cNvSpPr/>
+          <p:nvPr/>
+        </p:nvSpPr>
+        <p:spPr>
+          <a:xfrm>
+            <a:off x="3712159" y="15121474"/>
+            <a:ext cx="8196063" cy="2229873"/>
+          </a:xfrm>
+          <a:prstGeom prst="rightArrow">
+            <a:avLst/>
+          </a:prstGeom>
+          <a:solidFill>
+            <a:srgbClr val="256BA1"/>
+          </a:solidFill>
+          <a:ln>
+            <a:noFill/>
+          </a:ln>
+        </p:spPr>
+        <p:style>
+          <a:lnRef idx="1">
+            <a:schemeClr val="accent1"/>
+          </a:lnRef>
+          <a:fillRef idx="3">
+            <a:schemeClr val="accent1"/>
+          </a:fillRef>
+          <a:effectRef idx="2">
+            <a:schemeClr val="accent1"/>
+          </a:effectRef>
+          <a:fontRef idx="minor">
+            <a:schemeClr val="lt1"/>
+          </a:fontRef>
+        </p:style>
+        <p:txBody>
+          <a:bodyPr rtlCol="0" anchor="ctr"/>
+          <a:lstStyle/>
+          <a:p>
+            <a:pPr algn="ctr"/>
+            <a:endParaRPr lang="nl-NL"/>
           </a:p>
         </p:txBody>
       </p:sp>

--- a/Poster/Poster_nieuw.pptx
+++ b/Poster/Poster_nieuw.pptx
@@ -9783,7 +9783,18 @@
                 <a:ea typeface="Avenir Next" charset="0"/>
                 <a:cs typeface="Avenir Next" charset="0"/>
               </a:rPr>
-              <a:t>Door onderzoek naar deze sorteernetwerken kunnen mogelijk inzichten ontstaan over veel voorkomende problemen, sorteerproblemen. Zo heeft [ref] </a:t>
+              <a:t>Door onderzoek naar deze sorteernetwerken kunnen mogelijk inzichten ontstaan over veel voorkomende problemen, sorteerproblemen. Zo heeft </a:t>
+            </a:r>
+            <a:r>
+              <a:rPr lang="nl-NL" altLang="nl-NL" sz="3600" dirty="0" smtClean="0">
+                <a:solidFill>
+                  <a:srgbClr val="191919"/>
+                </a:solidFill>
+                <a:latin typeface="Avenir Next" charset="0"/>
+                <a:ea typeface="Avenir Next" charset="0"/>
+                <a:cs typeface="Avenir Next" charset="0"/>
+              </a:rPr>
+              <a:t>[1] </a:t>
             </a:r>
             <a:r>
               <a:rPr lang="nl-NL" altLang="nl-NL" sz="3600" dirty="0" err="1" smtClean="0">
@@ -11009,7 +11020,7 @@
       </p:pic>
       <p:pic>
         <p:nvPicPr>
-          <p:cNvPr id="26" name="Afbeelding 25"/>
+          <p:cNvPr id="5" name="Afbeelding 4"/>
           <p:cNvPicPr>
             <a:picLocks noChangeAspect="1"/>
           </p:cNvPicPr>
@@ -11017,36 +11028,6 @@
         </p:nvPicPr>
         <p:blipFill>
           <a:blip r:embed="rId12">
-            <a:extLst>
-              <a:ext uri="{28A0092B-C50C-407E-A947-70E740481C1C}">
-                <a14:useLocalDpi xmlns:a14="http://schemas.microsoft.com/office/drawing/2010/main" val="0"/>
-              </a:ext>
-            </a:extLst>
-          </a:blip>
-          <a:stretch>
-            <a:fillRect/>
-          </a:stretch>
-        </p:blipFill>
-        <p:spPr>
-          <a:xfrm>
-            <a:off x="19050900" y="10867970"/>
-            <a:ext cx="7200000" cy="3443050"/>
-          </a:xfrm>
-          <a:prstGeom prst="rect">
-            <a:avLst/>
-          </a:prstGeom>
-        </p:spPr>
-      </p:pic>
-      <p:pic>
-        <p:nvPicPr>
-          <p:cNvPr id="5" name="Afbeelding 4"/>
-          <p:cNvPicPr>
-            <a:picLocks noChangeAspect="1"/>
-          </p:cNvPicPr>
-          <p:nvPr/>
-        </p:nvPicPr>
-        <p:blipFill>
-          <a:blip r:embed="rId13">
             <a:extLst>
               <a:ext uri="{28A0092B-C50C-407E-A947-70E740481C1C}">
                 <a14:useLocalDpi xmlns:a14="http://schemas.microsoft.com/office/drawing/2010/main" val="0"/>
@@ -11111,6 +11092,36 @@
           </a:p>
         </p:txBody>
       </p:sp>
+      <p:pic>
+        <p:nvPicPr>
+          <p:cNvPr id="4" name="Afbeelding 3"/>
+          <p:cNvPicPr>
+            <a:picLocks noChangeAspect="1"/>
+          </p:cNvPicPr>
+          <p:nvPr/>
+        </p:nvPicPr>
+        <p:blipFill>
+          <a:blip r:embed="rId13">
+            <a:extLst>
+              <a:ext uri="{28A0092B-C50C-407E-A947-70E740481C1C}">
+                <a14:useLocalDpi xmlns:a14="http://schemas.microsoft.com/office/drawing/2010/main" val="0"/>
+              </a:ext>
+            </a:extLst>
+          </a:blip>
+          <a:stretch>
+            <a:fillRect/>
+          </a:stretch>
+        </p:blipFill>
+        <p:spPr>
+          <a:xfrm>
+            <a:off x="18888759" y="10763093"/>
+            <a:ext cx="7200000" cy="3443050"/>
+          </a:xfrm>
+          <a:prstGeom prst="rect">
+            <a:avLst/>
+          </a:prstGeom>
+        </p:spPr>
+      </p:pic>
     </p:spTree>
   </p:cSld>
   <p:clrMapOvr>

--- a/Poster/Poster_nieuw.pptx
+++ b/Poster/Poster_nieuw.pptx
@@ -9616,8 +9616,8 @@
         </p:nvSpPr>
         <p:spPr>
           <a:xfrm>
-            <a:off x="35448754" y="16064122"/>
-            <a:ext cx="3507694" cy="1015663"/>
+            <a:off x="13812706" y="14505867"/>
+            <a:ext cx="3507694" cy="769441"/>
           </a:xfrm>
           <a:prstGeom prst="rect">
             <a:avLst/>
@@ -9631,7 +9631,7 @@
           <a:lstStyle/>
           <a:p>
             <a:r>
-              <a:rPr lang="nl-NL" sz="6000" dirty="0" err="1" smtClean="0">
+              <a:rPr lang="nl-NL" sz="4400" dirty="0" err="1" smtClean="0">
                 <a:latin typeface="Avenir Next" charset="0"/>
                 <a:ea typeface="Avenir Next" charset="0"/>
                 <a:cs typeface="Avenir Next" charset="0"/>
@@ -9654,8 +9654,8 @@
         </p:nvSpPr>
         <p:spPr>
           <a:xfrm>
-            <a:off x="38956448" y="17767364"/>
-            <a:ext cx="2322513" cy="1015663"/>
+            <a:off x="14231170" y="17296557"/>
+            <a:ext cx="2322513" cy="769441"/>
           </a:xfrm>
           <a:prstGeom prst="rect">
             <a:avLst/>
@@ -9669,7 +9669,7 @@
           <a:lstStyle/>
           <a:p>
             <a:r>
-              <a:rPr lang="nl-NL" sz="6000" smtClean="0">
+              <a:rPr lang="nl-NL" sz="4400" dirty="0" smtClean="0">
                 <a:latin typeface="Avenir Next" charset="0"/>
                 <a:ea typeface="Avenir Next" charset="0"/>
                 <a:cs typeface="Avenir Next" charset="0"/>
@@ -10082,19 +10082,10 @@
                 <a:ea typeface="Avenir Next" charset="0"/>
                 <a:cs typeface="Avenir Next" charset="0"/>
               </a:rPr>
-              <a:t>N kanalen;</a:t>
-            </a:r>
-          </a:p>
-          <a:p>
-            <a:pPr marL="571500" indent="-571500" algn="just" eaLnBrk="1" hangingPunct="1">
-              <a:spcBef>
-                <a:spcPct val="10000"/>
-              </a:spcBef>
-              <a:buFont typeface="Arial" charset="0"/>
-              <a:buChar char="•"/>
-            </a:pPr>
-            <a:r>
-              <a:rPr lang="nl-NL" altLang="nl-NL" sz="3600" dirty="0">
+              <a:t>n</a:t>
+            </a:r>
+            <a:r>
+              <a:rPr lang="nl-NL" altLang="nl-NL" sz="3600" dirty="0" smtClean="0">
                 <a:solidFill>
                   <a:srgbClr val="191919"/>
                 </a:solidFill>
@@ -10102,10 +10093,52 @@
                 <a:ea typeface="Avenir Next" charset="0"/>
                 <a:cs typeface="Avenir Next" charset="0"/>
               </a:rPr>
-              <a:t>een aantal </a:t>
-            </a:r>
-            <a:r>
-              <a:rPr lang="nl-NL" altLang="nl-NL" sz="3600" dirty="0" err="1">
+              <a:t> </a:t>
+            </a:r>
+            <a:r>
+              <a:rPr lang="nl-NL" altLang="nl-NL" sz="3600" dirty="0">
+                <a:solidFill>
+                  <a:srgbClr val="191919"/>
+                </a:solidFill>
+                <a:latin typeface="Avenir Next" charset="0"/>
+                <a:ea typeface="Avenir Next" charset="0"/>
+                <a:cs typeface="Avenir Next" charset="0"/>
+              </a:rPr>
+              <a:t>kanalen;</a:t>
+            </a:r>
+          </a:p>
+          <a:p>
+            <a:pPr marL="571500" indent="-571500" algn="just" eaLnBrk="1" hangingPunct="1">
+              <a:spcBef>
+                <a:spcPct val="10000"/>
+              </a:spcBef>
+              <a:buFont typeface="Arial" charset="0"/>
+              <a:buChar char="•"/>
+            </a:pPr>
+            <a:r>
+              <a:rPr lang="nl-NL" altLang="nl-NL" sz="3600" dirty="0">
+                <a:solidFill>
+                  <a:srgbClr val="191919"/>
+                </a:solidFill>
+                <a:latin typeface="Avenir Next" charset="0"/>
+                <a:ea typeface="Avenir Next" charset="0"/>
+                <a:cs typeface="Avenir Next" charset="0"/>
+              </a:rPr>
+              <a:t>k</a:t>
+            </a:r>
+            <a:r>
+              <a:rPr lang="nl-NL" altLang="nl-NL" sz="3600" dirty="0" smtClean="0">
+                <a:solidFill>
+                  <a:srgbClr val="191919"/>
+                </a:solidFill>
+                <a:latin typeface="Avenir Next" charset="0"/>
+                <a:ea typeface="Avenir Next" charset="0"/>
+                <a:cs typeface="Avenir Next" charset="0"/>
+              </a:rPr>
+              <a:t> </a:t>
+            </a:r>
+            <a:r>
+              <a:rPr lang="nl-NL" altLang="nl-NL" sz="3600" dirty="0" err="1" smtClean="0">
                 <a:solidFill>
                   <a:srgbClr val="191919"/>
                 </a:solidFill>
@@ -10293,8 +10326,38 @@
                 <a:ea typeface="Avenir Next" charset="0"/>
                 <a:cs typeface="Avenir Next" charset="0"/>
               </a:rPr>
-              <a:t> de data “manipuleren”</a:t>
-            </a:r>
+              <a:t> de data “</a:t>
+            </a:r>
+            <a:r>
+              <a:rPr lang="nl-NL" altLang="nl-NL" sz="3600">
+                <a:solidFill>
+                  <a:srgbClr val="191919"/>
+                </a:solidFill>
+                <a:latin typeface="Avenir Next" charset="0"/>
+                <a:ea typeface="Avenir Next" charset="0"/>
+                <a:cs typeface="Avenir Next" charset="0"/>
+              </a:rPr>
+              <a:t>manipuleren</a:t>
+            </a:r>
+            <a:r>
+              <a:rPr lang="nl-NL" altLang="nl-NL" sz="3600" smtClean="0">
+                <a:solidFill>
+                  <a:srgbClr val="191919"/>
+                </a:solidFill>
+                <a:latin typeface="Avenir Next" charset="0"/>
+                <a:ea typeface="Avenir Next" charset="0"/>
+                <a:cs typeface="Avenir Next" charset="0"/>
+              </a:rPr>
+              <a:t>”.</a:t>
+            </a:r>
+            <a:endParaRPr lang="nl-NL" altLang="nl-NL" sz="3600" dirty="0">
+              <a:solidFill>
+                <a:srgbClr val="191919"/>
+              </a:solidFill>
+              <a:latin typeface="Avenir Next" charset="0"/>
+              <a:ea typeface="Avenir Next" charset="0"/>
+              <a:cs typeface="Avenir Next" charset="0"/>
+            </a:endParaRPr>
           </a:p>
           <a:p>
             <a:pPr algn="just" eaLnBrk="1" hangingPunct="1">
